--- a/Document/slide.pptx
+++ b/Document/slide.pptx
@@ -5,7 +5,7 @@
     <p:sldMasterId id="2147483677" r:id="rId1"/>
   </p:sldMasterIdLst>
   <p:notesMasterIdLst>
-    <p:notesMasterId r:id="rId15"/>
+    <p:notesMasterId r:id="rId16"/>
   </p:notesMasterIdLst>
   <p:sldIdLst>
     <p:sldId id="256" r:id="rId2"/>
@@ -20,18 +20,19 @@
     <p:sldId id="309" r:id="rId11"/>
     <p:sldId id="259" r:id="rId12"/>
     <p:sldId id="310" r:id="rId13"/>
-    <p:sldId id="279" r:id="rId14"/>
+    <p:sldId id="311" r:id="rId14"/>
+    <p:sldId id="279" r:id="rId15"/>
   </p:sldIdLst>
   <p:sldSz cx="9144000" cy="5143500" type="screen16x9"/>
   <p:notesSz cx="6858000" cy="9144000"/>
   <p:embeddedFontLst>
     <p:embeddedFont>
       <p:font typeface="Paytone One" panose="020B0604020202020204" charset="0"/>
-      <p:regular r:id="rId16"/>
+      <p:regular r:id="rId17"/>
     </p:embeddedFont>
     <p:embeddedFont>
       <p:font typeface="Questrial" panose="020B0604020202020204" charset="0"/>
-      <p:regular r:id="rId17"/>
+      <p:regular r:id="rId18"/>
     </p:embeddedFont>
   </p:embeddedFontLst>
   <p:defaultTextStyle>
@@ -274,7 +275,7 @@
 <file path=ppt/revisionInfo.xml><?xml version="1.0" encoding="utf-8"?>
 <p1510:revInfo xmlns:a="http://schemas.openxmlformats.org/drawingml/2006/main" xmlns:r="http://schemas.openxmlformats.org/officeDocument/2006/relationships" xmlns:p1510="http://schemas.microsoft.com/office/powerpoint/2015/10/main">
   <p1510:revLst>
-    <p1510:client id="{E658267E-A968-447F-B603-50D305E8E49F}" v="56" dt="2022-02-18T16:42:43.781"/>
+    <p1510:client id="{E658267E-A968-447F-B603-50D305E8E49F}" v="61" dt="2022-02-22T11:00:52.612"/>
   </p1510:revLst>
 </p1510:revInfo>
 </file>
@@ -283,8 +284,8 @@
 <pc:chgInfo xmlns:a="http://schemas.openxmlformats.org/drawingml/2006/main" xmlns:r="http://schemas.openxmlformats.org/officeDocument/2006/relationships" xmlns:ac="http://schemas.microsoft.com/office/drawing/2013/main/command" xmlns:pc="http://schemas.microsoft.com/office/powerpoint/2013/main/command">
   <pc:docChgLst>
     <pc:chgData name="Prox Captain" userId="ed09e0e0-34ee-40aa-b994-d424741e2e8f" providerId="ADAL" clId="{E658267E-A968-447F-B603-50D305E8E49F}"/>
-    <pc:docChg chg="undo custSel modSld">
-      <pc:chgData name="Prox Captain" userId="ed09e0e0-34ee-40aa-b994-d424741e2e8f" providerId="ADAL" clId="{E658267E-A968-447F-B603-50D305E8E49F}" dt="2022-02-18T16:42:43.780" v="233"/>
+    <pc:docChg chg="undo custSel addSld modSld sldOrd">
+      <pc:chgData name="Prox Captain" userId="ed09e0e0-34ee-40aa-b994-d424741e2e8f" providerId="ADAL" clId="{E658267E-A968-447F-B603-50D305E8E49F}" dt="2022-02-22T11:57:44.350" v="716" actId="14100"/>
       <pc:docMkLst>
         <pc:docMk/>
       </pc:docMkLst>
@@ -750,12 +751,386 @@
           <pc:sldMk cId="248433144" sldId="308"/>
         </pc:sldMkLst>
       </pc:sldChg>
-      <pc:sldChg chg="modTransition">
-        <pc:chgData name="Prox Captain" userId="ed09e0e0-34ee-40aa-b994-d424741e2e8f" providerId="ADAL" clId="{E658267E-A968-447F-B603-50D305E8E49F}" dt="2022-02-18T16:42:39.021" v="232"/>
+      <pc:sldChg chg="addSp delSp modSp mod">
+        <pc:chgData name="Prox Captain" userId="ed09e0e0-34ee-40aa-b994-d424741e2e8f" providerId="ADAL" clId="{E658267E-A968-447F-B603-50D305E8E49F}" dt="2022-02-22T11:57:44.350" v="716" actId="14100"/>
+        <pc:sldMkLst>
+          <pc:docMk/>
+          <pc:sldMk cId="2145405413" sldId="309"/>
+        </pc:sldMkLst>
+        <pc:spChg chg="mod">
+          <ac:chgData name="Prox Captain" userId="ed09e0e0-34ee-40aa-b994-d424741e2e8f" providerId="ADAL" clId="{E658267E-A968-447F-B603-50D305E8E49F}" dt="2022-02-22T11:57:34.495" v="713" actId="14100"/>
+          <ac:spMkLst>
+            <pc:docMk/>
+            <pc:sldMk cId="2145405413" sldId="309"/>
+            <ac:spMk id="2" creationId="{872BF276-F3D8-4708-8D53-77CA937CEA70}"/>
+          </ac:spMkLst>
+        </pc:spChg>
+        <pc:picChg chg="add mod">
+          <ac:chgData name="Prox Captain" userId="ed09e0e0-34ee-40aa-b994-d424741e2e8f" providerId="ADAL" clId="{E658267E-A968-447F-B603-50D305E8E49F}" dt="2022-02-22T11:57:44.350" v="716" actId="14100"/>
+          <ac:picMkLst>
+            <pc:docMk/>
+            <pc:sldMk cId="2145405413" sldId="309"/>
+            <ac:picMk id="4" creationId="{6487A02E-A90F-40A8-ABDF-115A03357BAB}"/>
+          </ac:picMkLst>
+        </pc:picChg>
+        <pc:picChg chg="del mod">
+          <ac:chgData name="Prox Captain" userId="ed09e0e0-34ee-40aa-b994-d424741e2e8f" providerId="ADAL" clId="{E658267E-A968-447F-B603-50D305E8E49F}" dt="2022-02-22T11:56:57.087" v="700" actId="478"/>
+          <ac:picMkLst>
+            <pc:docMk/>
+            <pc:sldMk cId="2145405413" sldId="309"/>
+            <ac:picMk id="9" creationId="{2E7679A1-BBE2-45B8-8F7B-E032B4DA2B44}"/>
+          </ac:picMkLst>
+        </pc:picChg>
+      </pc:sldChg>
+      <pc:sldChg chg="addSp delSp modSp mod ord modTransition">
+        <pc:chgData name="Prox Captain" userId="ed09e0e0-34ee-40aa-b994-d424741e2e8f" providerId="ADAL" clId="{E658267E-A968-447F-B603-50D305E8E49F}" dt="2022-02-22T11:01:28.021" v="698" actId="20577"/>
         <pc:sldMkLst>
           <pc:docMk/>
           <pc:sldMk cId="1236649094" sldId="310"/>
         </pc:sldMkLst>
+        <pc:spChg chg="mod">
+          <ac:chgData name="Prox Captain" userId="ed09e0e0-34ee-40aa-b994-d424741e2e8f" providerId="ADAL" clId="{E658267E-A968-447F-B603-50D305E8E49F}" dt="2022-02-22T10:59:15.132" v="495" actId="5793"/>
+          <ac:spMkLst>
+            <pc:docMk/>
+            <pc:sldMk cId="1236649094" sldId="310"/>
+            <ac:spMk id="15" creationId="{1508078B-0C91-45E8-8065-F2B2BE402A6B}"/>
+          </ac:spMkLst>
+        </pc:spChg>
+        <pc:spChg chg="mod">
+          <ac:chgData name="Prox Captain" userId="ed09e0e0-34ee-40aa-b994-d424741e2e8f" providerId="ADAL" clId="{E658267E-A968-447F-B603-50D305E8E49F}" dt="2022-02-22T10:58:29.082" v="387"/>
+          <ac:spMkLst>
+            <pc:docMk/>
+            <pc:sldMk cId="1236649094" sldId="310"/>
+            <ac:spMk id="26" creationId="{263ACD20-169F-4659-ABC7-9D5BE50D4ADB}"/>
+          </ac:spMkLst>
+        </pc:spChg>
+        <pc:spChg chg="mod">
+          <ac:chgData name="Prox Captain" userId="ed09e0e0-34ee-40aa-b994-d424741e2e8f" providerId="ADAL" clId="{E658267E-A968-447F-B603-50D305E8E49F}" dt="2022-02-22T10:58:29.082" v="387"/>
+          <ac:spMkLst>
+            <pc:docMk/>
+            <pc:sldMk cId="1236649094" sldId="310"/>
+            <ac:spMk id="27" creationId="{A0378D2C-14F7-4D39-BCCF-C36FD5D68E58}"/>
+          </ac:spMkLst>
+        </pc:spChg>
+        <pc:spChg chg="mod">
+          <ac:chgData name="Prox Captain" userId="ed09e0e0-34ee-40aa-b994-d424741e2e8f" providerId="ADAL" clId="{E658267E-A968-447F-B603-50D305E8E49F}" dt="2022-02-22T10:59:43.422" v="581" actId="14100"/>
+          <ac:spMkLst>
+            <pc:docMk/>
+            <pc:sldMk cId="1236649094" sldId="310"/>
+            <ac:spMk id="28" creationId="{DC62D7A2-2C65-49B5-96FE-55874097F6F1}"/>
+          </ac:spMkLst>
+        </pc:spChg>
+        <pc:spChg chg="mod">
+          <ac:chgData name="Prox Captain" userId="ed09e0e0-34ee-40aa-b994-d424741e2e8f" providerId="ADAL" clId="{E658267E-A968-447F-B603-50D305E8E49F}" dt="2022-02-22T10:59:47.142" v="582"/>
+          <ac:spMkLst>
+            <pc:docMk/>
+            <pc:sldMk cId="1236649094" sldId="310"/>
+            <ac:spMk id="30" creationId="{4231216F-6B15-4B58-88C3-39F6254072CE}"/>
+          </ac:spMkLst>
+        </pc:spChg>
+        <pc:spChg chg="mod">
+          <ac:chgData name="Prox Captain" userId="ed09e0e0-34ee-40aa-b994-d424741e2e8f" providerId="ADAL" clId="{E658267E-A968-447F-B603-50D305E8E49F}" dt="2022-02-22T10:59:47.142" v="582"/>
+          <ac:spMkLst>
+            <pc:docMk/>
+            <pc:sldMk cId="1236649094" sldId="310"/>
+            <ac:spMk id="31" creationId="{6C12A41F-F3B9-4774-AEC0-4D8F2FA146A2}"/>
+          </ac:spMkLst>
+        </pc:spChg>
+        <pc:spChg chg="mod">
+          <ac:chgData name="Prox Captain" userId="ed09e0e0-34ee-40aa-b994-d424741e2e8f" providerId="ADAL" clId="{E658267E-A968-447F-B603-50D305E8E49F}" dt="2022-02-22T11:00:32.252" v="609" actId="20577"/>
+          <ac:spMkLst>
+            <pc:docMk/>
+            <pc:sldMk cId="1236649094" sldId="310"/>
+            <ac:spMk id="37" creationId="{87785F7F-8AA9-4F9C-9576-363783C6B3E4}"/>
+          </ac:spMkLst>
+        </pc:spChg>
+        <pc:spChg chg="mod">
+          <ac:chgData name="Prox Captain" userId="ed09e0e0-34ee-40aa-b994-d424741e2e8f" providerId="ADAL" clId="{E658267E-A968-447F-B603-50D305E8E49F}" dt="2022-02-22T11:00:35.331" v="610"/>
+          <ac:spMkLst>
+            <pc:docMk/>
+            <pc:sldMk cId="1236649094" sldId="310"/>
+            <ac:spMk id="39" creationId="{ABA73A83-2D61-45E1-8FFB-C707749EF54B}"/>
+          </ac:spMkLst>
+        </pc:spChg>
+        <pc:spChg chg="mod">
+          <ac:chgData name="Prox Captain" userId="ed09e0e0-34ee-40aa-b994-d424741e2e8f" providerId="ADAL" clId="{E658267E-A968-447F-B603-50D305E8E49F}" dt="2022-02-22T11:00:35.331" v="610"/>
+          <ac:spMkLst>
+            <pc:docMk/>
+            <pc:sldMk cId="1236649094" sldId="310"/>
+            <ac:spMk id="40" creationId="{F8B96CCB-6D1A-43CD-8305-E9FAAB66769F}"/>
+          </ac:spMkLst>
+        </pc:spChg>
+        <pc:spChg chg="mod">
+          <ac:chgData name="Prox Captain" userId="ed09e0e0-34ee-40aa-b994-d424741e2e8f" providerId="ADAL" clId="{E658267E-A968-447F-B603-50D305E8E49F}" dt="2022-02-22T11:00:49.182" v="658" actId="20577"/>
+          <ac:spMkLst>
+            <pc:docMk/>
+            <pc:sldMk cId="1236649094" sldId="310"/>
+            <ac:spMk id="41" creationId="{5208745D-CD67-4B71-95F6-574E2BAEBC94}"/>
+          </ac:spMkLst>
+        </pc:spChg>
+        <pc:spChg chg="mod">
+          <ac:chgData name="Prox Captain" userId="ed09e0e0-34ee-40aa-b994-d424741e2e8f" providerId="ADAL" clId="{E658267E-A968-447F-B603-50D305E8E49F}" dt="2022-02-22T11:00:52.612" v="659"/>
+          <ac:spMkLst>
+            <pc:docMk/>
+            <pc:sldMk cId="1236649094" sldId="310"/>
+            <ac:spMk id="43" creationId="{F533A657-C76A-41F7-B54F-307AD63E25A9}"/>
+          </ac:spMkLst>
+        </pc:spChg>
+        <pc:spChg chg="mod">
+          <ac:chgData name="Prox Captain" userId="ed09e0e0-34ee-40aa-b994-d424741e2e8f" providerId="ADAL" clId="{E658267E-A968-447F-B603-50D305E8E49F}" dt="2022-02-22T11:00:52.612" v="659"/>
+          <ac:spMkLst>
+            <pc:docMk/>
+            <pc:sldMk cId="1236649094" sldId="310"/>
+            <ac:spMk id="44" creationId="{0B7089FA-D44C-4FC5-BE0F-07E9391A04AB}"/>
+          </ac:spMkLst>
+        </pc:spChg>
+        <pc:spChg chg="mod">
+          <ac:chgData name="Prox Captain" userId="ed09e0e0-34ee-40aa-b994-d424741e2e8f" providerId="ADAL" clId="{E658267E-A968-447F-B603-50D305E8E49F}" dt="2022-02-22T11:01:28.021" v="698" actId="20577"/>
+          <ac:spMkLst>
+            <pc:docMk/>
+            <pc:sldMk cId="1236649094" sldId="310"/>
+            <ac:spMk id="45" creationId="{25D86D5C-9E23-4477-989E-9C49B599237F}"/>
+          </ac:spMkLst>
+        </pc:spChg>
+        <pc:spChg chg="mod">
+          <ac:chgData name="Prox Captain" userId="ed09e0e0-34ee-40aa-b994-d424741e2e8f" providerId="ADAL" clId="{E658267E-A968-447F-B603-50D305E8E49F}" dt="2022-02-22T10:56:30.093" v="264" actId="1035"/>
+          <ac:spMkLst>
+            <pc:docMk/>
+            <pc:sldMk cId="1236649094" sldId="310"/>
+            <ac:spMk id="997" creationId="{00000000-0000-0000-0000-000000000000}"/>
+          </ac:spMkLst>
+        </pc:spChg>
+        <pc:spChg chg="mod">
+          <ac:chgData name="Prox Captain" userId="ed09e0e0-34ee-40aa-b994-d424741e2e8f" providerId="ADAL" clId="{E658267E-A968-447F-B603-50D305E8E49F}" dt="2022-02-22T10:58:19.862" v="385" actId="20577"/>
+          <ac:spMkLst>
+            <pc:docMk/>
+            <pc:sldMk cId="1236649094" sldId="310"/>
+            <ac:spMk id="998" creationId="{00000000-0000-0000-0000-000000000000}"/>
+          </ac:spMkLst>
+        </pc:spChg>
+        <pc:spChg chg="mod">
+          <ac:chgData name="Prox Captain" userId="ed09e0e0-34ee-40aa-b994-d424741e2e8f" providerId="ADAL" clId="{E658267E-A968-447F-B603-50D305E8E49F}" dt="2022-02-22T10:58:01.622" v="322" actId="20577"/>
+          <ac:spMkLst>
+            <pc:docMk/>
+            <pc:sldMk cId="1236649094" sldId="310"/>
+            <ac:spMk id="999" creationId="{00000000-0000-0000-0000-000000000000}"/>
+          </ac:spMkLst>
+        </pc:spChg>
+        <pc:grpChg chg="mod">
+          <ac:chgData name="Prox Captain" userId="ed09e0e0-34ee-40aa-b994-d424741e2e8f" providerId="ADAL" clId="{E658267E-A968-447F-B603-50D305E8E49F}" dt="2022-02-22T10:56:30.093" v="264" actId="1035"/>
+          <ac:grpSpMkLst>
+            <pc:docMk/>
+            <pc:sldMk cId="1236649094" sldId="310"/>
+            <ac:grpSpMk id="12" creationId="{25F9A297-21A3-45BF-B3F3-EDE11419C600}"/>
+          </ac:grpSpMkLst>
+        </pc:grpChg>
+        <pc:grpChg chg="del mod">
+          <ac:chgData name="Prox Captain" userId="ed09e0e0-34ee-40aa-b994-d424741e2e8f" providerId="ADAL" clId="{E658267E-A968-447F-B603-50D305E8E49F}" dt="2022-02-22T10:58:25.033" v="386" actId="478"/>
+          <ac:grpSpMkLst>
+            <pc:docMk/>
+            <pc:sldMk cId="1236649094" sldId="310"/>
+            <ac:grpSpMk id="16" creationId="{73C58174-215E-4555-B807-52737EBC5C5E}"/>
+          </ac:grpSpMkLst>
+        </pc:grpChg>
+        <pc:grpChg chg="add mod">
+          <ac:chgData name="Prox Captain" userId="ed09e0e0-34ee-40aa-b994-d424741e2e8f" providerId="ADAL" clId="{E658267E-A968-447F-B603-50D305E8E49F}" dt="2022-02-22T10:58:31.123" v="388" actId="1076"/>
+          <ac:grpSpMkLst>
+            <pc:docMk/>
+            <pc:sldMk cId="1236649094" sldId="310"/>
+            <ac:grpSpMk id="25" creationId="{2F23255B-2A6B-4BDE-AF18-47354A470F9B}"/>
+          </ac:grpSpMkLst>
+        </pc:grpChg>
+        <pc:grpChg chg="add mod">
+          <ac:chgData name="Prox Captain" userId="ed09e0e0-34ee-40aa-b994-d424741e2e8f" providerId="ADAL" clId="{E658267E-A968-447F-B603-50D305E8E49F}" dt="2022-02-22T10:59:53.342" v="584" actId="1076"/>
+          <ac:grpSpMkLst>
+            <pc:docMk/>
+            <pc:sldMk cId="1236649094" sldId="310"/>
+            <ac:grpSpMk id="29" creationId="{B2DE71FF-1D0E-4F96-A9B4-D153A4ADEE83}"/>
+          </ac:grpSpMkLst>
+        </pc:grpChg>
+        <pc:grpChg chg="del mod">
+          <ac:chgData name="Prox Captain" userId="ed09e0e0-34ee-40aa-b994-d424741e2e8f" providerId="ADAL" clId="{E658267E-A968-447F-B603-50D305E8E49F}" dt="2022-02-22T10:58:25.033" v="386" actId="478"/>
+          <ac:grpSpMkLst>
+            <pc:docMk/>
+            <pc:sldMk cId="1236649094" sldId="310"/>
+            <ac:grpSpMk id="32" creationId="{799E4860-6C9D-48AC-B125-C616695AC3DC}"/>
+          </ac:grpSpMkLst>
+        </pc:grpChg>
+        <pc:grpChg chg="add mod">
+          <ac:chgData name="Prox Captain" userId="ed09e0e0-34ee-40aa-b994-d424741e2e8f" providerId="ADAL" clId="{E658267E-A968-447F-B603-50D305E8E49F}" dt="2022-02-22T11:00:38.353" v="611" actId="1076"/>
+          <ac:grpSpMkLst>
+            <pc:docMk/>
+            <pc:sldMk cId="1236649094" sldId="310"/>
+            <ac:grpSpMk id="38" creationId="{48B5B83A-97F5-4DAD-A389-7EDDAC4031FD}"/>
+          </ac:grpSpMkLst>
+        </pc:grpChg>
+        <pc:grpChg chg="add mod">
+          <ac:chgData name="Prox Captain" userId="ed09e0e0-34ee-40aa-b994-d424741e2e8f" providerId="ADAL" clId="{E658267E-A968-447F-B603-50D305E8E49F}" dt="2022-02-22T11:00:57.912" v="660" actId="1076"/>
+          <ac:grpSpMkLst>
+            <pc:docMk/>
+            <pc:sldMk cId="1236649094" sldId="310"/>
+            <ac:grpSpMk id="42" creationId="{3EFFD189-B9B9-4231-B32D-BDC774D81F70}"/>
+          </ac:grpSpMkLst>
+        </pc:grpChg>
+        <pc:grpChg chg="del mod">
+          <ac:chgData name="Prox Captain" userId="ed09e0e0-34ee-40aa-b994-d424741e2e8f" providerId="ADAL" clId="{E658267E-A968-447F-B603-50D305E8E49F}" dt="2022-02-22T10:58:25.033" v="386" actId="478"/>
+          <ac:grpSpMkLst>
+            <pc:docMk/>
+            <pc:sldMk cId="1236649094" sldId="310"/>
+            <ac:grpSpMk id="52" creationId="{39DC683B-3CC8-498E-A5F9-7A2C4C038C1B}"/>
+          </ac:grpSpMkLst>
+        </pc:grpChg>
+        <pc:cxnChg chg="mod">
+          <ac:chgData name="Prox Captain" userId="ed09e0e0-34ee-40aa-b994-d424741e2e8f" providerId="ADAL" clId="{E658267E-A968-447F-B603-50D305E8E49F}" dt="2022-02-22T10:58:25.033" v="386" actId="478"/>
+          <ac:cxnSpMkLst>
+            <pc:docMk/>
+            <pc:sldMk cId="1236649094" sldId="310"/>
+            <ac:cxnSpMk id="21" creationId="{A742948C-EFE5-4BCE-9CCE-86DD58ECDC50}"/>
+          </ac:cxnSpMkLst>
+        </pc:cxnChg>
+        <pc:cxnChg chg="mod">
+          <ac:chgData name="Prox Captain" userId="ed09e0e0-34ee-40aa-b994-d424741e2e8f" providerId="ADAL" clId="{E658267E-A968-447F-B603-50D305E8E49F}" dt="2022-02-22T10:58:25.033" v="386" actId="478"/>
+          <ac:cxnSpMkLst>
+            <pc:docMk/>
+            <pc:sldMk cId="1236649094" sldId="310"/>
+            <ac:cxnSpMk id="36" creationId="{706CA69C-643F-42DB-8324-7E973A936279}"/>
+          </ac:cxnSpMkLst>
+        </pc:cxnChg>
+        <pc:cxnChg chg="mod">
+          <ac:chgData name="Prox Captain" userId="ed09e0e0-34ee-40aa-b994-d424741e2e8f" providerId="ADAL" clId="{E658267E-A968-447F-B603-50D305E8E49F}" dt="2022-02-22T10:58:25.033" v="386" actId="478"/>
+          <ac:cxnSpMkLst>
+            <pc:docMk/>
+            <pc:sldMk cId="1236649094" sldId="310"/>
+            <ac:cxnSpMk id="56" creationId="{541638EF-743D-4D21-9837-04C33470AEFC}"/>
+          </ac:cxnSpMkLst>
+        </pc:cxnChg>
+      </pc:sldChg>
+      <pc:sldChg chg="addSp modSp add mod ord">
+        <pc:chgData name="Prox Captain" userId="ed09e0e0-34ee-40aa-b994-d424741e2e8f" providerId="ADAL" clId="{E658267E-A968-447F-B603-50D305E8E49F}" dt="2022-02-22T10:57:53.372" v="320" actId="20577"/>
+        <pc:sldMkLst>
+          <pc:docMk/>
+          <pc:sldMk cId="4285708774" sldId="311"/>
+        </pc:sldMkLst>
+        <pc:spChg chg="mod">
+          <ac:chgData name="Prox Captain" userId="ed09e0e0-34ee-40aa-b994-d424741e2e8f" providerId="ADAL" clId="{E658267E-A968-447F-B603-50D305E8E49F}" dt="2022-02-22T10:55:58.533" v="243"/>
+          <ac:spMkLst>
+            <pc:docMk/>
+            <pc:sldMk cId="4285708774" sldId="311"/>
+            <ac:spMk id="26" creationId="{3C49E444-54D3-4DE1-955A-26420E27B4AB}"/>
+          </ac:spMkLst>
+        </pc:spChg>
+        <pc:spChg chg="mod">
+          <ac:chgData name="Prox Captain" userId="ed09e0e0-34ee-40aa-b994-d424741e2e8f" providerId="ADAL" clId="{E658267E-A968-447F-B603-50D305E8E49F}" dt="2022-02-22T10:55:58.533" v="243"/>
+          <ac:spMkLst>
+            <pc:docMk/>
+            <pc:sldMk cId="4285708774" sldId="311"/>
+            <ac:spMk id="27" creationId="{8983EA07-FD39-423F-A2DE-1F89434F8610}"/>
+          </ac:spMkLst>
+        </pc:spChg>
+        <pc:spChg chg="mod">
+          <ac:chgData name="Prox Captain" userId="ed09e0e0-34ee-40aa-b994-d424741e2e8f" providerId="ADAL" clId="{E658267E-A968-447F-B603-50D305E8E49F}" dt="2022-02-22T10:55:58.533" v="243"/>
+          <ac:spMkLst>
+            <pc:docMk/>
+            <pc:sldMk cId="4285708774" sldId="311"/>
+            <ac:spMk id="28" creationId="{86E30566-E59F-42D9-AADC-E354D62E91F4}"/>
+          </ac:spMkLst>
+        </pc:spChg>
+        <pc:spChg chg="mod">
+          <ac:chgData name="Prox Captain" userId="ed09e0e0-34ee-40aa-b994-d424741e2e8f" providerId="ADAL" clId="{E658267E-A968-447F-B603-50D305E8E49F}" dt="2022-02-22T10:57:37.903" v="316" actId="14100"/>
+          <ac:spMkLst>
+            <pc:docMk/>
+            <pc:sldMk cId="4285708774" sldId="311"/>
+            <ac:spMk id="53" creationId="{70D583C7-BB31-4B2B-9BA7-0F4225D3C6D8}"/>
+          </ac:spMkLst>
+        </pc:spChg>
+        <pc:spChg chg="mod">
+          <ac:chgData name="Prox Captain" userId="ed09e0e0-34ee-40aa-b994-d424741e2e8f" providerId="ADAL" clId="{E658267E-A968-447F-B603-50D305E8E49F}" dt="2022-02-22T10:57:33.063" v="315" actId="14100"/>
+          <ac:spMkLst>
+            <pc:docMk/>
+            <pc:sldMk cId="4285708774" sldId="311"/>
+            <ac:spMk id="54" creationId="{E4EA36D0-E175-436C-9060-5D62F001348B}"/>
+          </ac:spMkLst>
+        </pc:spChg>
+        <pc:spChg chg="mod">
+          <ac:chgData name="Prox Captain" userId="ed09e0e0-34ee-40aa-b994-d424741e2e8f" providerId="ADAL" clId="{E658267E-A968-447F-B603-50D305E8E49F}" dt="2022-02-22T10:56:36.927" v="281" actId="1035"/>
+          <ac:spMkLst>
+            <pc:docMk/>
+            <pc:sldMk cId="4285708774" sldId="311"/>
+            <ac:spMk id="997" creationId="{00000000-0000-0000-0000-000000000000}"/>
+          </ac:spMkLst>
+        </pc:spChg>
+        <pc:spChg chg="mod">
+          <ac:chgData name="Prox Captain" userId="ed09e0e0-34ee-40aa-b994-d424741e2e8f" providerId="ADAL" clId="{E658267E-A968-447F-B603-50D305E8E49F}" dt="2022-02-22T10:56:36.927" v="281" actId="1035"/>
+          <ac:spMkLst>
+            <pc:docMk/>
+            <pc:sldMk cId="4285708774" sldId="311"/>
+            <ac:spMk id="998" creationId="{00000000-0000-0000-0000-000000000000}"/>
+          </ac:spMkLst>
+        </pc:spChg>
+        <pc:spChg chg="mod">
+          <ac:chgData name="Prox Captain" userId="ed09e0e0-34ee-40aa-b994-d424741e2e8f" providerId="ADAL" clId="{E658267E-A968-447F-B603-50D305E8E49F}" dt="2022-02-22T10:57:53.372" v="320" actId="20577"/>
+          <ac:spMkLst>
+            <pc:docMk/>
+            <pc:sldMk cId="4285708774" sldId="311"/>
+            <ac:spMk id="999" creationId="{00000000-0000-0000-0000-000000000000}"/>
+          </ac:spMkLst>
+        </pc:spChg>
+        <pc:grpChg chg="mod">
+          <ac:chgData name="Prox Captain" userId="ed09e0e0-34ee-40aa-b994-d424741e2e8f" providerId="ADAL" clId="{E658267E-A968-447F-B603-50D305E8E49F}" dt="2022-02-22T10:56:36.927" v="281" actId="1035"/>
+          <ac:grpSpMkLst>
+            <pc:docMk/>
+            <pc:sldMk cId="4285708774" sldId="311"/>
+            <ac:grpSpMk id="12" creationId="{25F9A297-21A3-45BF-B3F3-EDE11419C600}"/>
+          </ac:grpSpMkLst>
+        </pc:grpChg>
+        <pc:grpChg chg="mod">
+          <ac:chgData name="Prox Captain" userId="ed09e0e0-34ee-40aa-b994-d424741e2e8f" providerId="ADAL" clId="{E658267E-A968-447F-B603-50D305E8E49F}" dt="2022-02-22T10:57:15.633" v="287" actId="1076"/>
+          <ac:grpSpMkLst>
+            <pc:docMk/>
+            <pc:sldMk cId="4285708774" sldId="311"/>
+            <ac:grpSpMk id="16" creationId="{73C58174-215E-4555-B807-52737EBC5C5E}"/>
+          </ac:grpSpMkLst>
+        </pc:grpChg>
+        <pc:grpChg chg="add mod">
+          <ac:chgData name="Prox Captain" userId="ed09e0e0-34ee-40aa-b994-d424741e2e8f" providerId="ADAL" clId="{E658267E-A968-447F-B603-50D305E8E49F}" dt="2022-02-22T10:57:10.513" v="285" actId="1076"/>
+          <ac:grpSpMkLst>
+            <pc:docMk/>
+            <pc:sldMk cId="4285708774" sldId="311"/>
+            <ac:grpSpMk id="25" creationId="{3CB8BDB8-EB5F-4DFD-884E-D850B2615BE3}"/>
+          </ac:grpSpMkLst>
+        </pc:grpChg>
+        <pc:grpChg chg="mod">
+          <ac:chgData name="Prox Captain" userId="ed09e0e0-34ee-40aa-b994-d424741e2e8f" providerId="ADAL" clId="{E658267E-A968-447F-B603-50D305E8E49F}" dt="2022-02-22T10:56:36.927" v="281" actId="1035"/>
+          <ac:grpSpMkLst>
+            <pc:docMk/>
+            <pc:sldMk cId="4285708774" sldId="311"/>
+            <ac:grpSpMk id="32" creationId="{799E4860-6C9D-48AC-B125-C616695AC3DC}"/>
+          </ac:grpSpMkLst>
+        </pc:grpChg>
+        <pc:grpChg chg="mod">
+          <ac:chgData name="Prox Captain" userId="ed09e0e0-34ee-40aa-b994-d424741e2e8f" providerId="ADAL" clId="{E658267E-A968-447F-B603-50D305E8E49F}" dt="2022-02-22T10:57:18.177" v="288" actId="1076"/>
+          <ac:grpSpMkLst>
+            <pc:docMk/>
+            <pc:sldMk cId="4285708774" sldId="311"/>
+            <ac:grpSpMk id="52" creationId="{39DC683B-3CC8-498E-A5F9-7A2C4C038C1B}"/>
+          </ac:grpSpMkLst>
+        </pc:grpChg>
+        <pc:cxnChg chg="mod">
+          <ac:chgData name="Prox Captain" userId="ed09e0e0-34ee-40aa-b994-d424741e2e8f" providerId="ADAL" clId="{E658267E-A968-447F-B603-50D305E8E49F}" dt="2022-02-22T10:55:58.533" v="243"/>
+          <ac:cxnSpMkLst>
+            <pc:docMk/>
+            <pc:sldMk cId="4285708774" sldId="311"/>
+            <ac:cxnSpMk id="29" creationId="{67ADDF10-308F-4455-BF89-3402CB94D460}"/>
+          </ac:cxnSpMkLst>
+        </pc:cxnChg>
+        <pc:cxnChg chg="mod">
+          <ac:chgData name="Prox Captain" userId="ed09e0e0-34ee-40aa-b994-d424741e2e8f" providerId="ADAL" clId="{E658267E-A968-447F-B603-50D305E8E49F}" dt="2022-02-22T10:57:37.903" v="316" actId="14100"/>
+          <ac:cxnSpMkLst>
+            <pc:docMk/>
+            <pc:sldMk cId="4285708774" sldId="311"/>
+            <ac:cxnSpMk id="56" creationId="{541638EF-743D-4D21-9837-04C33470AEFC}"/>
+          </ac:cxnSpMkLst>
+        </pc:cxnChg>
       </pc:sldChg>
     </pc:docChg>
   </pc:docChgLst>
@@ -1630,6 +2005,115 @@
 </file>
 
 <file path=ppt/notesSlides/notesSlide13.xml><?xml version="1.0" encoding="utf-8"?>
+<p:notes xmlns:a="http://schemas.openxmlformats.org/drawingml/2006/main" xmlns:r="http://schemas.openxmlformats.org/officeDocument/2006/relationships" xmlns:p="http://schemas.openxmlformats.org/presentationml/2006/main" showMasterSp="0" showMasterPhAnim="0">
+  <p:cSld>
+    <p:spTree>
+      <p:nvGrpSpPr>
+        <p:cNvPr id="1" name="Shape 990"/>
+        <p:cNvGrpSpPr/>
+        <p:nvPr/>
+      </p:nvGrpSpPr>
+      <p:grpSpPr>
+        <a:xfrm>
+          <a:off x="0" y="0"/>
+          <a:ext cx="0" cy="0"/>
+          <a:chOff x="0" y="0"/>
+          <a:chExt cx="0" cy="0"/>
+        </a:xfrm>
+      </p:grpSpPr>
+      <p:sp>
+        <p:nvSpPr>
+          <p:cNvPr id="991" name="Google Shape;991;gb8f66849e6_0_0:notes"/>
+          <p:cNvSpPr>
+            <a:spLocks noGrp="1" noRot="1" noChangeAspect="1"/>
+          </p:cNvSpPr>
+          <p:nvPr>
+            <p:ph type="sldImg" idx="2"/>
+          </p:nvPr>
+        </p:nvSpPr>
+        <p:spPr>
+          <a:xfrm>
+            <a:off x="381000" y="685800"/>
+            <a:ext cx="6096000" cy="3429000"/>
+          </a:xfrm>
+          <a:custGeom>
+            <a:avLst/>
+            <a:gdLst/>
+            <a:ahLst/>
+            <a:cxnLst/>
+            <a:rect l="l" t="t" r="r" b="b"/>
+            <a:pathLst>
+              <a:path w="120000" h="120000" extrusionOk="0">
+                <a:moveTo>
+                  <a:pt x="0" y="0"/>
+                </a:moveTo>
+                <a:lnTo>
+                  <a:pt x="120000" y="0"/>
+                </a:lnTo>
+                <a:lnTo>
+                  <a:pt x="120000" y="120000"/>
+                </a:lnTo>
+                <a:lnTo>
+                  <a:pt x="0" y="120000"/>
+                </a:lnTo>
+                <a:close/>
+              </a:path>
+            </a:pathLst>
+          </a:custGeom>
+        </p:spPr>
+      </p:sp>
+      <p:sp>
+        <p:nvSpPr>
+          <p:cNvPr id="992" name="Google Shape;992;gb8f66849e6_0_0:notes"/>
+          <p:cNvSpPr txBox="1">
+            <a:spLocks noGrp="1"/>
+          </p:cNvSpPr>
+          <p:nvPr>
+            <p:ph type="body" idx="1"/>
+          </p:nvPr>
+        </p:nvSpPr>
+        <p:spPr>
+          <a:xfrm>
+            <a:off x="685800" y="4343400"/>
+            <a:ext cx="5486400" cy="4114800"/>
+          </a:xfrm>
+          <a:prstGeom prst="rect">
+            <a:avLst/>
+          </a:prstGeom>
+        </p:spPr>
+        <p:txBody>
+          <a:bodyPr spcFirstLastPara="1" wrap="square" lIns="91425" tIns="91425" rIns="91425" bIns="91425" anchor="t" anchorCtr="0">
+            <a:noAutofit/>
+          </a:bodyPr>
+          <a:lstStyle/>
+          <a:p>
+            <a:pPr marL="0" lvl="0" indent="0" algn="l" rtl="0">
+              <a:spcBef>
+                <a:spcPts val="0"/>
+              </a:spcBef>
+              <a:spcAft>
+                <a:spcPts val="0"/>
+              </a:spcAft>
+              <a:buNone/>
+            </a:pPr>
+            <a:endParaRPr/>
+          </a:p>
+        </p:txBody>
+      </p:sp>
+    </p:spTree>
+    <p:extLst>
+      <p:ext uri="{BB962C8B-B14F-4D97-AF65-F5344CB8AC3E}">
+        <p14:creationId xmlns:p14="http://schemas.microsoft.com/office/powerpoint/2010/main" val="21782875"/>
+      </p:ext>
+    </p:extLst>
+  </p:cSld>
+  <p:clrMapOvr>
+    <a:masterClrMapping/>
+  </p:clrMapOvr>
+</p:notes>
+</file>
+
+<file path=ppt/notesSlides/notesSlide14.xml><?xml version="1.0" encoding="utf-8"?>
 <p:notes xmlns:a="http://schemas.openxmlformats.org/drawingml/2006/main" xmlns:r="http://schemas.openxmlformats.org/officeDocument/2006/relationships" xmlns:p="http://schemas.openxmlformats.org/presentationml/2006/main" showMasterSp="0" showMasterPhAnim="0">
   <p:cSld>
     <p:spTree>
@@ -25388,8 +25872,8 @@
         </p:nvSpPr>
         <p:spPr>
           <a:xfrm>
-            <a:off x="1074363" y="1594778"/>
-            <a:ext cx="6995274" cy="3158569"/>
+            <a:off x="711685" y="1239901"/>
+            <a:ext cx="7720629" cy="3583384"/>
           </a:xfrm>
           <a:prstGeom prst="roundRect">
             <a:avLst>
@@ -25430,10 +25914,10 @@
       </p:sp>
       <p:pic>
         <p:nvPicPr>
-          <p:cNvPr id="9" name="Picture 8" descr="Graphical user interface, application&#10;&#10;Description automatically generated">
+          <p:cNvPr id="4" name="Picture 3">
             <a:extLst>
               <a:ext uri="{FF2B5EF4-FFF2-40B4-BE49-F238E27FC236}">
-                <a16:creationId xmlns:a16="http://schemas.microsoft.com/office/drawing/2014/main" id="{2E7679A1-BBE2-45B8-8F7B-E032B4DA2B44}"/>
+                <a16:creationId xmlns:a16="http://schemas.microsoft.com/office/drawing/2014/main" id="{6487A02E-A90F-40A8-ABDF-115A03357BAB}"/>
               </a:ext>
             </a:extLst>
           </p:cNvPr>
@@ -25450,8 +25934,8 @@
         </p:blipFill>
         <p:spPr>
           <a:xfrm>
-            <a:off x="1312424" y="1745800"/>
-            <a:ext cx="6698101" cy="2935555"/>
+            <a:off x="1159936" y="1348779"/>
+            <a:ext cx="6528411" cy="3474506"/>
           </a:xfrm>
           <a:prstGeom prst="rect">
             <a:avLst/>
@@ -25468,13 +25952,13 @@
   <p:clrMapOvr>
     <a:masterClrMapping/>
   </p:clrMapOvr>
-  <mc:AlternateContent xmlns:mc="http://schemas.openxmlformats.org/markup-compatibility/2006">
-    <mc:Choice xmlns:p159="http://schemas.microsoft.com/office/powerpoint/2015/09/main" Requires="p159">
+  <mc:AlternateContent xmlns:mc="http://schemas.openxmlformats.org/markup-compatibility/2006" xmlns:p159="http://schemas.microsoft.com/office/powerpoint/2015/09/main">
+    <mc:Choice Requires="p159">
       <p:transition xmlns:p14="http://schemas.microsoft.com/office/powerpoint/2010/main" spd="slow" p14:dur="2000">
         <p159:morph option="byObject"/>
       </p:transition>
     </mc:Choice>
-    <mc:Fallback>
+    <mc:Fallback xmlns="">
       <p:transition spd="slow">
         <p:fade/>
       </p:transition>
@@ -25701,13 +26185,13 @@
   <p:clrMapOvr>
     <a:masterClrMapping/>
   </p:clrMapOvr>
-  <mc:AlternateContent xmlns:mc="http://schemas.openxmlformats.org/markup-compatibility/2006">
-    <mc:Choice xmlns:p14="http://schemas.microsoft.com/office/powerpoint/2010/main" Requires="p14">
+  <mc:AlternateContent xmlns:mc="http://schemas.openxmlformats.org/markup-compatibility/2006" xmlns:p14="http://schemas.microsoft.com/office/powerpoint/2010/main">
+    <mc:Choice Requires="p14">
       <p:transition spd="med">
         <p14:reveal/>
       </p:transition>
     </mc:Choice>
-    <mc:Fallback>
+    <mc:Fallback xmlns="">
       <p:transition spd="med">
         <p:fade/>
       </p:transition>
@@ -25866,7 +26350,7 @@
             </a:pPr>
             <a:r>
               <a:rPr lang="en-US" dirty="0"/>
-              <a:t>Kết luận</a:t>
+              <a:t>Hướng mở rộng</a:t>
             </a:r>
             <a:endParaRPr dirty="0"/>
           </a:p>
@@ -25908,7 +26392,7 @@
             </a:pPr>
             <a:r>
               <a:rPr lang="en" dirty="0"/>
-              <a:t>05.</a:t>
+              <a:t>07.</a:t>
             </a:r>
             <a:endParaRPr dirty="0"/>
           </a:p>
@@ -25929,6 +26413,1080 @@
         <p:grpSpPr>
           <a:xfrm>
             <a:off x="280116" y="1442299"/>
+            <a:ext cx="8863884" cy="628800"/>
+            <a:chOff x="671512" y="2257350"/>
+            <a:chExt cx="8863884" cy="628800"/>
+          </a:xfrm>
+        </p:grpSpPr>
+        <p:sp>
+          <p:nvSpPr>
+            <p:cNvPr id="13" name="Rectangle: Rounded Corners 12">
+              <a:extLst>
+                <a:ext uri="{FF2B5EF4-FFF2-40B4-BE49-F238E27FC236}">
+                  <a16:creationId xmlns:a16="http://schemas.microsoft.com/office/drawing/2014/main" id="{889F875B-AB94-446E-93EB-FC4421AC783C}"/>
+                </a:ext>
+              </a:extLst>
+            </p:cNvPr>
+            <p:cNvSpPr/>
+            <p:nvPr/>
+          </p:nvSpPr>
+          <p:spPr>
+            <a:xfrm>
+              <a:off x="671512" y="2257350"/>
+              <a:ext cx="8863884" cy="628800"/>
+            </a:xfrm>
+            <a:prstGeom prst="roundRect">
+              <a:avLst>
+                <a:gd name="adj" fmla="val 50000"/>
+              </a:avLst>
+            </a:prstGeom>
+            <a:solidFill>
+              <a:srgbClr val="FEF2F0"/>
+            </a:solidFill>
+            <a:ln>
+              <a:noFill/>
+            </a:ln>
+          </p:spPr>
+          <p:style>
+            <a:lnRef idx="2">
+              <a:schemeClr val="accent1">
+                <a:shade val="50000"/>
+              </a:schemeClr>
+            </a:lnRef>
+            <a:fillRef idx="1">
+              <a:schemeClr val="accent1"/>
+            </a:fillRef>
+            <a:effectRef idx="0">
+              <a:schemeClr val="accent1"/>
+            </a:effectRef>
+            <a:fontRef idx="minor">
+              <a:schemeClr val="lt1"/>
+            </a:fontRef>
+          </p:style>
+          <p:txBody>
+            <a:bodyPr rtlCol="0" anchor="ctr"/>
+            <a:lstStyle/>
+            <a:p>
+              <a:endParaRPr lang="vi-VN" dirty="0"/>
+            </a:p>
+          </p:txBody>
+        </p:sp>
+        <p:sp>
+          <p:nvSpPr>
+            <p:cNvPr id="14" name="Oval 13">
+              <a:extLst>
+                <a:ext uri="{FF2B5EF4-FFF2-40B4-BE49-F238E27FC236}">
+                  <a16:creationId xmlns:a16="http://schemas.microsoft.com/office/drawing/2014/main" id="{97434C92-9FF0-4272-83D3-7094670FBF81}"/>
+                </a:ext>
+              </a:extLst>
+            </p:cNvPr>
+            <p:cNvSpPr/>
+            <p:nvPr/>
+          </p:nvSpPr>
+          <p:spPr>
+            <a:xfrm>
+              <a:off x="896303" y="2526030"/>
+              <a:ext cx="118110" cy="118110"/>
+            </a:xfrm>
+            <a:prstGeom prst="ellipse">
+              <a:avLst/>
+            </a:prstGeom>
+            <a:noFill/>
+            <a:ln>
+              <a:solidFill>
+                <a:srgbClr val="EA5458"/>
+              </a:solidFill>
+            </a:ln>
+          </p:spPr>
+          <p:style>
+            <a:lnRef idx="2">
+              <a:schemeClr val="accent1">
+                <a:shade val="50000"/>
+              </a:schemeClr>
+            </a:lnRef>
+            <a:fillRef idx="1">
+              <a:schemeClr val="accent1"/>
+            </a:fillRef>
+            <a:effectRef idx="0">
+              <a:schemeClr val="accent1"/>
+            </a:effectRef>
+            <a:fontRef idx="minor">
+              <a:schemeClr val="lt1"/>
+            </a:fontRef>
+          </p:style>
+          <p:txBody>
+            <a:bodyPr rtlCol="0" anchor="ctr"/>
+            <a:lstStyle/>
+            <a:p>
+              <a:pPr algn="ctr"/>
+              <a:endParaRPr lang="vi-VN" dirty="0"/>
+            </a:p>
+          </p:txBody>
+        </p:sp>
+        <p:sp>
+          <p:nvSpPr>
+            <p:cNvPr id="15" name="TextBox 14">
+              <a:extLst>
+                <a:ext uri="{FF2B5EF4-FFF2-40B4-BE49-F238E27FC236}">
+                  <a16:creationId xmlns:a16="http://schemas.microsoft.com/office/drawing/2014/main" id="{1508078B-0C91-45E8-8065-F2B2BE402A6B}"/>
+                </a:ext>
+              </a:extLst>
+            </p:cNvPr>
+            <p:cNvSpPr txBox="1"/>
+            <p:nvPr/>
+          </p:nvSpPr>
+          <p:spPr>
+            <a:xfrm>
+              <a:off x="1090612" y="2385030"/>
+              <a:ext cx="5066390" cy="400110"/>
+            </a:xfrm>
+            <a:prstGeom prst="rect">
+              <a:avLst/>
+            </a:prstGeom>
+            <a:noFill/>
+          </p:spPr>
+          <p:txBody>
+            <a:bodyPr wrap="square" rtlCol="0" anchor="ctr">
+              <a:spAutoFit/>
+            </a:bodyPr>
+            <a:lstStyle/>
+            <a:p>
+              <a:r>
+                <a:rPr lang="en-US" sz="2000" b="1" dirty="0">
+                  <a:solidFill>
+                    <a:srgbClr val="FF0000"/>
+                  </a:solidFill>
+                  <a:latin typeface="Questrial" panose="020B0604020202020204" charset="0"/>
+                </a:rPr>
+                <a:t>Liên kết tài khoản với Google, Facebook ,…</a:t>
+              </a:r>
+              <a:endParaRPr lang="vi-VN" sz="2000" b="1" dirty="0">
+                <a:solidFill>
+                  <a:srgbClr val="FF0000"/>
+                </a:solidFill>
+                <a:latin typeface="Questrial" panose="020B0604020202020204" charset="0"/>
+              </a:endParaRPr>
+            </a:p>
+          </p:txBody>
+        </p:sp>
+      </p:grpSp>
+      <p:grpSp>
+        <p:nvGrpSpPr>
+          <p:cNvPr id="25" name="Group 24">
+            <a:extLst>
+              <a:ext uri="{FF2B5EF4-FFF2-40B4-BE49-F238E27FC236}">
+                <a16:creationId xmlns:a16="http://schemas.microsoft.com/office/drawing/2014/main" id="{2F23255B-2A6B-4BDE-AF18-47354A470F9B}"/>
+              </a:ext>
+            </a:extLst>
+          </p:cNvPr>
+          <p:cNvGrpSpPr/>
+          <p:nvPr/>
+        </p:nvGrpSpPr>
+        <p:grpSpPr>
+          <a:xfrm>
+            <a:off x="280116" y="2185420"/>
+            <a:ext cx="8863884" cy="628800"/>
+            <a:chOff x="671512" y="2257350"/>
+            <a:chExt cx="8863884" cy="628800"/>
+          </a:xfrm>
+        </p:grpSpPr>
+        <p:sp>
+          <p:nvSpPr>
+            <p:cNvPr id="26" name="Rectangle: Rounded Corners 25">
+              <a:extLst>
+                <a:ext uri="{FF2B5EF4-FFF2-40B4-BE49-F238E27FC236}">
+                  <a16:creationId xmlns:a16="http://schemas.microsoft.com/office/drawing/2014/main" id="{263ACD20-169F-4659-ABC7-9D5BE50D4ADB}"/>
+                </a:ext>
+              </a:extLst>
+            </p:cNvPr>
+            <p:cNvSpPr/>
+            <p:nvPr/>
+          </p:nvSpPr>
+          <p:spPr>
+            <a:xfrm>
+              <a:off x="671512" y="2257350"/>
+              <a:ext cx="8863884" cy="628800"/>
+            </a:xfrm>
+            <a:prstGeom prst="roundRect">
+              <a:avLst>
+                <a:gd name="adj" fmla="val 50000"/>
+              </a:avLst>
+            </a:prstGeom>
+            <a:solidFill>
+              <a:srgbClr val="FEF2F0"/>
+            </a:solidFill>
+            <a:ln>
+              <a:noFill/>
+            </a:ln>
+          </p:spPr>
+          <p:style>
+            <a:lnRef idx="2">
+              <a:schemeClr val="accent1">
+                <a:shade val="50000"/>
+              </a:schemeClr>
+            </a:lnRef>
+            <a:fillRef idx="1">
+              <a:schemeClr val="accent1"/>
+            </a:fillRef>
+            <a:effectRef idx="0">
+              <a:schemeClr val="accent1"/>
+            </a:effectRef>
+            <a:fontRef idx="minor">
+              <a:schemeClr val="lt1"/>
+            </a:fontRef>
+          </p:style>
+          <p:txBody>
+            <a:bodyPr rtlCol="0" anchor="ctr"/>
+            <a:lstStyle/>
+            <a:p>
+              <a:endParaRPr lang="vi-VN" dirty="0"/>
+            </a:p>
+          </p:txBody>
+        </p:sp>
+        <p:sp>
+          <p:nvSpPr>
+            <p:cNvPr id="27" name="Oval 26">
+              <a:extLst>
+                <a:ext uri="{FF2B5EF4-FFF2-40B4-BE49-F238E27FC236}">
+                  <a16:creationId xmlns:a16="http://schemas.microsoft.com/office/drawing/2014/main" id="{A0378D2C-14F7-4D39-BCCF-C36FD5D68E58}"/>
+                </a:ext>
+              </a:extLst>
+            </p:cNvPr>
+            <p:cNvSpPr/>
+            <p:nvPr/>
+          </p:nvSpPr>
+          <p:spPr>
+            <a:xfrm>
+              <a:off x="896303" y="2526030"/>
+              <a:ext cx="118110" cy="118110"/>
+            </a:xfrm>
+            <a:prstGeom prst="ellipse">
+              <a:avLst/>
+            </a:prstGeom>
+            <a:noFill/>
+            <a:ln>
+              <a:solidFill>
+                <a:srgbClr val="EA5458"/>
+              </a:solidFill>
+            </a:ln>
+          </p:spPr>
+          <p:style>
+            <a:lnRef idx="2">
+              <a:schemeClr val="accent1">
+                <a:shade val="50000"/>
+              </a:schemeClr>
+            </a:lnRef>
+            <a:fillRef idx="1">
+              <a:schemeClr val="accent1"/>
+            </a:fillRef>
+            <a:effectRef idx="0">
+              <a:schemeClr val="accent1"/>
+            </a:effectRef>
+            <a:fontRef idx="minor">
+              <a:schemeClr val="lt1"/>
+            </a:fontRef>
+          </p:style>
+          <p:txBody>
+            <a:bodyPr rtlCol="0" anchor="ctr"/>
+            <a:lstStyle/>
+            <a:p>
+              <a:pPr algn="ctr"/>
+              <a:endParaRPr lang="vi-VN" dirty="0"/>
+            </a:p>
+          </p:txBody>
+        </p:sp>
+        <p:sp>
+          <p:nvSpPr>
+            <p:cNvPr id="28" name="TextBox 27">
+              <a:extLst>
+                <a:ext uri="{FF2B5EF4-FFF2-40B4-BE49-F238E27FC236}">
+                  <a16:creationId xmlns:a16="http://schemas.microsoft.com/office/drawing/2014/main" id="{DC62D7A2-2C65-49B5-96FE-55874097F6F1}"/>
+                </a:ext>
+              </a:extLst>
+            </p:cNvPr>
+            <p:cNvSpPr txBox="1"/>
+            <p:nvPr/>
+          </p:nvSpPr>
+          <p:spPr>
+            <a:xfrm>
+              <a:off x="1090611" y="2385030"/>
+              <a:ext cx="4926787" cy="400110"/>
+            </a:xfrm>
+            <a:prstGeom prst="rect">
+              <a:avLst/>
+            </a:prstGeom>
+            <a:noFill/>
+          </p:spPr>
+          <p:txBody>
+            <a:bodyPr wrap="square" rtlCol="0" anchor="ctr">
+              <a:spAutoFit/>
+            </a:bodyPr>
+            <a:lstStyle/>
+            <a:p>
+              <a:r>
+                <a:rPr lang="en-US" sz="2000" b="1" dirty="0">
+                  <a:solidFill>
+                    <a:srgbClr val="FF0000"/>
+                  </a:solidFill>
+                  <a:latin typeface="Questrial" panose="020B0604020202020204" charset="0"/>
+                </a:rPr>
+                <a:t>Liên kết địa chỉ website lên google map </a:t>
+              </a:r>
+              <a:endParaRPr lang="vi-VN" sz="2000" b="1" dirty="0">
+                <a:solidFill>
+                  <a:srgbClr val="FF0000"/>
+                </a:solidFill>
+                <a:latin typeface="Questrial" panose="020B0604020202020204" charset="0"/>
+              </a:endParaRPr>
+            </a:p>
+          </p:txBody>
+        </p:sp>
+      </p:grpSp>
+      <p:grpSp>
+        <p:nvGrpSpPr>
+          <p:cNvPr id="29" name="Group 28">
+            <a:extLst>
+              <a:ext uri="{FF2B5EF4-FFF2-40B4-BE49-F238E27FC236}">
+                <a16:creationId xmlns:a16="http://schemas.microsoft.com/office/drawing/2014/main" id="{B2DE71FF-1D0E-4F96-A9B4-D153A4ADEE83}"/>
+              </a:ext>
+            </a:extLst>
+          </p:cNvPr>
+          <p:cNvGrpSpPr/>
+          <p:nvPr/>
+        </p:nvGrpSpPr>
+        <p:grpSpPr>
+          <a:xfrm>
+            <a:off x="280116" y="2944968"/>
+            <a:ext cx="8863884" cy="628800"/>
+            <a:chOff x="671512" y="2257350"/>
+            <a:chExt cx="8863884" cy="628800"/>
+          </a:xfrm>
+        </p:grpSpPr>
+        <p:sp>
+          <p:nvSpPr>
+            <p:cNvPr id="30" name="Rectangle: Rounded Corners 29">
+              <a:extLst>
+                <a:ext uri="{FF2B5EF4-FFF2-40B4-BE49-F238E27FC236}">
+                  <a16:creationId xmlns:a16="http://schemas.microsoft.com/office/drawing/2014/main" id="{4231216F-6B15-4B58-88C3-39F6254072CE}"/>
+                </a:ext>
+              </a:extLst>
+            </p:cNvPr>
+            <p:cNvSpPr/>
+            <p:nvPr/>
+          </p:nvSpPr>
+          <p:spPr>
+            <a:xfrm>
+              <a:off x="671512" y="2257350"/>
+              <a:ext cx="8863884" cy="628800"/>
+            </a:xfrm>
+            <a:prstGeom prst="roundRect">
+              <a:avLst>
+                <a:gd name="adj" fmla="val 50000"/>
+              </a:avLst>
+            </a:prstGeom>
+            <a:solidFill>
+              <a:srgbClr val="FEF2F0"/>
+            </a:solidFill>
+            <a:ln>
+              <a:noFill/>
+            </a:ln>
+          </p:spPr>
+          <p:style>
+            <a:lnRef idx="2">
+              <a:schemeClr val="accent1">
+                <a:shade val="50000"/>
+              </a:schemeClr>
+            </a:lnRef>
+            <a:fillRef idx="1">
+              <a:schemeClr val="accent1"/>
+            </a:fillRef>
+            <a:effectRef idx="0">
+              <a:schemeClr val="accent1"/>
+            </a:effectRef>
+            <a:fontRef idx="minor">
+              <a:schemeClr val="lt1"/>
+            </a:fontRef>
+          </p:style>
+          <p:txBody>
+            <a:bodyPr rtlCol="0" anchor="ctr"/>
+            <a:lstStyle/>
+            <a:p>
+              <a:endParaRPr lang="vi-VN" dirty="0"/>
+            </a:p>
+          </p:txBody>
+        </p:sp>
+        <p:sp>
+          <p:nvSpPr>
+            <p:cNvPr id="31" name="Oval 30">
+              <a:extLst>
+                <a:ext uri="{FF2B5EF4-FFF2-40B4-BE49-F238E27FC236}">
+                  <a16:creationId xmlns:a16="http://schemas.microsoft.com/office/drawing/2014/main" id="{6C12A41F-F3B9-4774-AEC0-4D8F2FA146A2}"/>
+                </a:ext>
+              </a:extLst>
+            </p:cNvPr>
+            <p:cNvSpPr/>
+            <p:nvPr/>
+          </p:nvSpPr>
+          <p:spPr>
+            <a:xfrm>
+              <a:off x="896303" y="2526030"/>
+              <a:ext cx="118110" cy="118110"/>
+            </a:xfrm>
+            <a:prstGeom prst="ellipse">
+              <a:avLst/>
+            </a:prstGeom>
+            <a:noFill/>
+            <a:ln>
+              <a:solidFill>
+                <a:srgbClr val="EA5458"/>
+              </a:solidFill>
+            </a:ln>
+          </p:spPr>
+          <p:style>
+            <a:lnRef idx="2">
+              <a:schemeClr val="accent1">
+                <a:shade val="50000"/>
+              </a:schemeClr>
+            </a:lnRef>
+            <a:fillRef idx="1">
+              <a:schemeClr val="accent1"/>
+            </a:fillRef>
+            <a:effectRef idx="0">
+              <a:schemeClr val="accent1"/>
+            </a:effectRef>
+            <a:fontRef idx="minor">
+              <a:schemeClr val="lt1"/>
+            </a:fontRef>
+          </p:style>
+          <p:txBody>
+            <a:bodyPr rtlCol="0" anchor="ctr"/>
+            <a:lstStyle/>
+            <a:p>
+              <a:pPr algn="ctr"/>
+              <a:endParaRPr lang="vi-VN" dirty="0"/>
+            </a:p>
+          </p:txBody>
+        </p:sp>
+        <p:sp>
+          <p:nvSpPr>
+            <p:cNvPr id="37" name="TextBox 36">
+              <a:extLst>
+                <a:ext uri="{FF2B5EF4-FFF2-40B4-BE49-F238E27FC236}">
+                  <a16:creationId xmlns:a16="http://schemas.microsoft.com/office/drawing/2014/main" id="{87785F7F-8AA9-4F9C-9576-363783C6B3E4}"/>
+                </a:ext>
+              </a:extLst>
+            </p:cNvPr>
+            <p:cNvSpPr txBox="1"/>
+            <p:nvPr/>
+          </p:nvSpPr>
+          <p:spPr>
+            <a:xfrm>
+              <a:off x="1090611" y="2385030"/>
+              <a:ext cx="4926787" cy="400110"/>
+            </a:xfrm>
+            <a:prstGeom prst="rect">
+              <a:avLst/>
+            </a:prstGeom>
+            <a:noFill/>
+          </p:spPr>
+          <p:txBody>
+            <a:bodyPr wrap="square" rtlCol="0" anchor="ctr">
+              <a:spAutoFit/>
+            </a:bodyPr>
+            <a:lstStyle/>
+            <a:p>
+              <a:r>
+                <a:rPr lang="en-US" sz="2000" b="1" dirty="0">
+                  <a:solidFill>
+                    <a:srgbClr val="FF0000"/>
+                  </a:solidFill>
+                  <a:latin typeface="Questrial" panose="020B0604020202020204" charset="0"/>
+                </a:rPr>
+                <a:t>Thêm chatbot</a:t>
+              </a:r>
+              <a:endParaRPr lang="vi-VN" sz="2000" b="1" dirty="0">
+                <a:solidFill>
+                  <a:srgbClr val="FF0000"/>
+                </a:solidFill>
+                <a:latin typeface="Questrial" panose="020B0604020202020204" charset="0"/>
+              </a:endParaRPr>
+            </a:p>
+          </p:txBody>
+        </p:sp>
+      </p:grpSp>
+      <p:grpSp>
+        <p:nvGrpSpPr>
+          <p:cNvPr id="38" name="Group 37">
+            <a:extLst>
+              <a:ext uri="{FF2B5EF4-FFF2-40B4-BE49-F238E27FC236}">
+                <a16:creationId xmlns:a16="http://schemas.microsoft.com/office/drawing/2014/main" id="{48B5B83A-97F5-4DAD-A389-7EDDAC4031FD}"/>
+              </a:ext>
+            </a:extLst>
+          </p:cNvPr>
+          <p:cNvGrpSpPr/>
+          <p:nvPr/>
+        </p:nvGrpSpPr>
+        <p:grpSpPr>
+          <a:xfrm>
+            <a:off x="280116" y="3701448"/>
+            <a:ext cx="8863884" cy="628800"/>
+            <a:chOff x="671512" y="2257350"/>
+            <a:chExt cx="8863884" cy="628800"/>
+          </a:xfrm>
+        </p:grpSpPr>
+        <p:sp>
+          <p:nvSpPr>
+            <p:cNvPr id="39" name="Rectangle: Rounded Corners 38">
+              <a:extLst>
+                <a:ext uri="{FF2B5EF4-FFF2-40B4-BE49-F238E27FC236}">
+                  <a16:creationId xmlns:a16="http://schemas.microsoft.com/office/drawing/2014/main" id="{ABA73A83-2D61-45E1-8FFB-C707749EF54B}"/>
+                </a:ext>
+              </a:extLst>
+            </p:cNvPr>
+            <p:cNvSpPr/>
+            <p:nvPr/>
+          </p:nvSpPr>
+          <p:spPr>
+            <a:xfrm>
+              <a:off x="671512" y="2257350"/>
+              <a:ext cx="8863884" cy="628800"/>
+            </a:xfrm>
+            <a:prstGeom prst="roundRect">
+              <a:avLst>
+                <a:gd name="adj" fmla="val 50000"/>
+              </a:avLst>
+            </a:prstGeom>
+            <a:solidFill>
+              <a:srgbClr val="FEF2F0"/>
+            </a:solidFill>
+            <a:ln>
+              <a:noFill/>
+            </a:ln>
+          </p:spPr>
+          <p:style>
+            <a:lnRef idx="2">
+              <a:schemeClr val="accent1">
+                <a:shade val="50000"/>
+              </a:schemeClr>
+            </a:lnRef>
+            <a:fillRef idx="1">
+              <a:schemeClr val="accent1"/>
+            </a:fillRef>
+            <a:effectRef idx="0">
+              <a:schemeClr val="accent1"/>
+            </a:effectRef>
+            <a:fontRef idx="minor">
+              <a:schemeClr val="lt1"/>
+            </a:fontRef>
+          </p:style>
+          <p:txBody>
+            <a:bodyPr rtlCol="0" anchor="ctr"/>
+            <a:lstStyle/>
+            <a:p>
+              <a:endParaRPr lang="vi-VN" dirty="0"/>
+            </a:p>
+          </p:txBody>
+        </p:sp>
+        <p:sp>
+          <p:nvSpPr>
+            <p:cNvPr id="40" name="Oval 39">
+              <a:extLst>
+                <a:ext uri="{FF2B5EF4-FFF2-40B4-BE49-F238E27FC236}">
+                  <a16:creationId xmlns:a16="http://schemas.microsoft.com/office/drawing/2014/main" id="{F8B96CCB-6D1A-43CD-8305-E9FAAB66769F}"/>
+                </a:ext>
+              </a:extLst>
+            </p:cNvPr>
+            <p:cNvSpPr/>
+            <p:nvPr/>
+          </p:nvSpPr>
+          <p:spPr>
+            <a:xfrm>
+              <a:off x="896303" y="2526030"/>
+              <a:ext cx="118110" cy="118110"/>
+            </a:xfrm>
+            <a:prstGeom prst="ellipse">
+              <a:avLst/>
+            </a:prstGeom>
+            <a:noFill/>
+            <a:ln>
+              <a:solidFill>
+                <a:srgbClr val="EA5458"/>
+              </a:solidFill>
+            </a:ln>
+          </p:spPr>
+          <p:style>
+            <a:lnRef idx="2">
+              <a:schemeClr val="accent1">
+                <a:shade val="50000"/>
+              </a:schemeClr>
+            </a:lnRef>
+            <a:fillRef idx="1">
+              <a:schemeClr val="accent1"/>
+            </a:fillRef>
+            <a:effectRef idx="0">
+              <a:schemeClr val="accent1"/>
+            </a:effectRef>
+            <a:fontRef idx="minor">
+              <a:schemeClr val="lt1"/>
+            </a:fontRef>
+          </p:style>
+          <p:txBody>
+            <a:bodyPr rtlCol="0" anchor="ctr"/>
+            <a:lstStyle/>
+            <a:p>
+              <a:pPr algn="ctr"/>
+              <a:endParaRPr lang="vi-VN" dirty="0"/>
+            </a:p>
+          </p:txBody>
+        </p:sp>
+        <p:sp>
+          <p:nvSpPr>
+            <p:cNvPr id="41" name="TextBox 40">
+              <a:extLst>
+                <a:ext uri="{FF2B5EF4-FFF2-40B4-BE49-F238E27FC236}">
+                  <a16:creationId xmlns:a16="http://schemas.microsoft.com/office/drawing/2014/main" id="{5208745D-CD67-4B71-95F6-574E2BAEBC94}"/>
+                </a:ext>
+              </a:extLst>
+            </p:cNvPr>
+            <p:cNvSpPr txBox="1"/>
+            <p:nvPr/>
+          </p:nvSpPr>
+          <p:spPr>
+            <a:xfrm>
+              <a:off x="1090611" y="2385030"/>
+              <a:ext cx="4926787" cy="400110"/>
+            </a:xfrm>
+            <a:prstGeom prst="rect">
+              <a:avLst/>
+            </a:prstGeom>
+            <a:noFill/>
+          </p:spPr>
+          <p:txBody>
+            <a:bodyPr wrap="square" rtlCol="0" anchor="ctr">
+              <a:spAutoFit/>
+            </a:bodyPr>
+            <a:lstStyle/>
+            <a:p>
+              <a:r>
+                <a:rPr lang="en-US" sz="2000" b="1" dirty="0">
+                  <a:solidFill>
+                    <a:srgbClr val="FF0000"/>
+                  </a:solidFill>
+                  <a:latin typeface="Questrial" panose="020B0604020202020204" charset="0"/>
+                </a:rPr>
+                <a:t>Tìm kiếm nâng cao</a:t>
+              </a:r>
+              <a:endParaRPr lang="vi-VN" sz="2000" b="1" dirty="0">
+                <a:solidFill>
+                  <a:srgbClr val="FF0000"/>
+                </a:solidFill>
+                <a:latin typeface="Questrial" panose="020B0604020202020204" charset="0"/>
+              </a:endParaRPr>
+            </a:p>
+          </p:txBody>
+        </p:sp>
+      </p:grpSp>
+      <p:grpSp>
+        <p:nvGrpSpPr>
+          <p:cNvPr id="42" name="Group 41">
+            <a:extLst>
+              <a:ext uri="{FF2B5EF4-FFF2-40B4-BE49-F238E27FC236}">
+                <a16:creationId xmlns:a16="http://schemas.microsoft.com/office/drawing/2014/main" id="{3EFFD189-B9B9-4231-B32D-BDC774D81F70}"/>
+              </a:ext>
+            </a:extLst>
+          </p:cNvPr>
+          <p:cNvGrpSpPr/>
+          <p:nvPr/>
+        </p:nvGrpSpPr>
+        <p:grpSpPr>
+          <a:xfrm>
+            <a:off x="280116" y="4457928"/>
+            <a:ext cx="8863884" cy="628800"/>
+            <a:chOff x="671512" y="2257350"/>
+            <a:chExt cx="8863884" cy="628800"/>
+          </a:xfrm>
+        </p:grpSpPr>
+        <p:sp>
+          <p:nvSpPr>
+            <p:cNvPr id="43" name="Rectangle: Rounded Corners 42">
+              <a:extLst>
+                <a:ext uri="{FF2B5EF4-FFF2-40B4-BE49-F238E27FC236}">
+                  <a16:creationId xmlns:a16="http://schemas.microsoft.com/office/drawing/2014/main" id="{F533A657-C76A-41F7-B54F-307AD63E25A9}"/>
+                </a:ext>
+              </a:extLst>
+            </p:cNvPr>
+            <p:cNvSpPr/>
+            <p:nvPr/>
+          </p:nvSpPr>
+          <p:spPr>
+            <a:xfrm>
+              <a:off x="671512" y="2257350"/>
+              <a:ext cx="8863884" cy="628800"/>
+            </a:xfrm>
+            <a:prstGeom prst="roundRect">
+              <a:avLst>
+                <a:gd name="adj" fmla="val 50000"/>
+              </a:avLst>
+            </a:prstGeom>
+            <a:solidFill>
+              <a:srgbClr val="FEF2F0"/>
+            </a:solidFill>
+            <a:ln>
+              <a:noFill/>
+            </a:ln>
+          </p:spPr>
+          <p:style>
+            <a:lnRef idx="2">
+              <a:schemeClr val="accent1">
+                <a:shade val="50000"/>
+              </a:schemeClr>
+            </a:lnRef>
+            <a:fillRef idx="1">
+              <a:schemeClr val="accent1"/>
+            </a:fillRef>
+            <a:effectRef idx="0">
+              <a:schemeClr val="accent1"/>
+            </a:effectRef>
+            <a:fontRef idx="minor">
+              <a:schemeClr val="lt1"/>
+            </a:fontRef>
+          </p:style>
+          <p:txBody>
+            <a:bodyPr rtlCol="0" anchor="ctr"/>
+            <a:lstStyle/>
+            <a:p>
+              <a:endParaRPr lang="vi-VN" dirty="0"/>
+            </a:p>
+          </p:txBody>
+        </p:sp>
+        <p:sp>
+          <p:nvSpPr>
+            <p:cNvPr id="44" name="Oval 43">
+              <a:extLst>
+                <a:ext uri="{FF2B5EF4-FFF2-40B4-BE49-F238E27FC236}">
+                  <a16:creationId xmlns:a16="http://schemas.microsoft.com/office/drawing/2014/main" id="{0B7089FA-D44C-4FC5-BE0F-07E9391A04AB}"/>
+                </a:ext>
+              </a:extLst>
+            </p:cNvPr>
+            <p:cNvSpPr/>
+            <p:nvPr/>
+          </p:nvSpPr>
+          <p:spPr>
+            <a:xfrm>
+              <a:off x="896303" y="2526030"/>
+              <a:ext cx="118110" cy="118110"/>
+            </a:xfrm>
+            <a:prstGeom prst="ellipse">
+              <a:avLst/>
+            </a:prstGeom>
+            <a:noFill/>
+            <a:ln>
+              <a:solidFill>
+                <a:srgbClr val="EA5458"/>
+              </a:solidFill>
+            </a:ln>
+          </p:spPr>
+          <p:style>
+            <a:lnRef idx="2">
+              <a:schemeClr val="accent1">
+                <a:shade val="50000"/>
+              </a:schemeClr>
+            </a:lnRef>
+            <a:fillRef idx="1">
+              <a:schemeClr val="accent1"/>
+            </a:fillRef>
+            <a:effectRef idx="0">
+              <a:schemeClr val="accent1"/>
+            </a:effectRef>
+            <a:fontRef idx="minor">
+              <a:schemeClr val="lt1"/>
+            </a:fontRef>
+          </p:style>
+          <p:txBody>
+            <a:bodyPr rtlCol="0" anchor="ctr"/>
+            <a:lstStyle/>
+            <a:p>
+              <a:pPr algn="ctr"/>
+              <a:endParaRPr lang="vi-VN" dirty="0"/>
+            </a:p>
+          </p:txBody>
+        </p:sp>
+        <p:sp>
+          <p:nvSpPr>
+            <p:cNvPr id="45" name="TextBox 44">
+              <a:extLst>
+                <a:ext uri="{FF2B5EF4-FFF2-40B4-BE49-F238E27FC236}">
+                  <a16:creationId xmlns:a16="http://schemas.microsoft.com/office/drawing/2014/main" id="{25D86D5C-9E23-4477-989E-9C49B599237F}"/>
+                </a:ext>
+              </a:extLst>
+            </p:cNvPr>
+            <p:cNvSpPr txBox="1"/>
+            <p:nvPr/>
+          </p:nvSpPr>
+          <p:spPr>
+            <a:xfrm>
+              <a:off x="1090611" y="2385030"/>
+              <a:ext cx="4926787" cy="400110"/>
+            </a:xfrm>
+            <a:prstGeom prst="rect">
+              <a:avLst/>
+            </a:prstGeom>
+            <a:noFill/>
+          </p:spPr>
+          <p:txBody>
+            <a:bodyPr wrap="square" rtlCol="0" anchor="ctr">
+              <a:spAutoFit/>
+            </a:bodyPr>
+            <a:lstStyle/>
+            <a:p>
+              <a:r>
+                <a:rPr lang="en-US" sz="2000" b="1" dirty="0">
+                  <a:solidFill>
+                    <a:srgbClr val="FF0000"/>
+                  </a:solidFill>
+                  <a:latin typeface="Questrial" panose="020B0604020202020204" charset="0"/>
+                </a:rPr>
+                <a:t>Trả lời đánh giá</a:t>
+              </a:r>
+              <a:endParaRPr lang="vi-VN" sz="2000" b="1" dirty="0">
+                <a:solidFill>
+                  <a:srgbClr val="FF0000"/>
+                </a:solidFill>
+                <a:latin typeface="Questrial" panose="020B0604020202020204" charset="0"/>
+              </a:endParaRPr>
+            </a:p>
+          </p:txBody>
+        </p:sp>
+      </p:grpSp>
+    </p:spTree>
+    <p:extLst>
+      <p:ext uri="{BB962C8B-B14F-4D97-AF65-F5344CB8AC3E}">
+        <p14:creationId xmlns:p14="http://schemas.microsoft.com/office/powerpoint/2010/main" val="1236649094"/>
+      </p:ext>
+    </p:extLst>
+  </p:cSld>
+  <p:clrMapOvr>
+    <a:masterClrMapping/>
+  </p:clrMapOvr>
+  <p:transition spd="slow">
+    <p:push dir="u"/>
+  </p:transition>
+</p:sld>
+</file>
+
+<file path=ppt/slides/slide13.xml><?xml version="1.0" encoding="utf-8"?>
+<p:sld xmlns:a="http://schemas.openxmlformats.org/drawingml/2006/main" xmlns:r="http://schemas.openxmlformats.org/officeDocument/2006/relationships" xmlns:p="http://schemas.openxmlformats.org/presentationml/2006/main">
+  <p:cSld>
+    <p:bg>
+      <p:bgPr>
+        <a:solidFill>
+          <a:srgbClr val="FEF2F0"/>
+        </a:solidFill>
+        <a:effectLst/>
+      </p:bgPr>
+    </p:bg>
+    <p:spTree>
+      <p:nvGrpSpPr>
+        <p:cNvPr id="1" name="Shape 993"/>
+        <p:cNvGrpSpPr/>
+        <p:nvPr/>
+      </p:nvGrpSpPr>
+      <p:grpSpPr>
+        <a:xfrm>
+          <a:off x="0" y="0"/>
+          <a:ext cx="0" cy="0"/>
+          <a:chOff x="0" y="0"/>
+          <a:chExt cx="0" cy="0"/>
+        </a:xfrm>
+      </p:grpSpPr>
+      <p:sp>
+        <p:nvSpPr>
+          <p:cNvPr id="11" name="Rectangle 10">
+            <a:extLst>
+              <a:ext uri="{FF2B5EF4-FFF2-40B4-BE49-F238E27FC236}">
+                <a16:creationId xmlns:a16="http://schemas.microsoft.com/office/drawing/2014/main" id="{3E75D538-D818-411C-8E37-46D56EDF041E}"/>
+              </a:ext>
+            </a:extLst>
+          </p:cNvPr>
+          <p:cNvSpPr/>
+          <p:nvPr/>
+        </p:nvSpPr>
+        <p:spPr>
+          <a:xfrm>
+            <a:off x="-9525" y="-60370"/>
+            <a:ext cx="9668741" cy="5514109"/>
+          </a:xfrm>
+          <a:prstGeom prst="rect">
+            <a:avLst/>
+          </a:prstGeom>
+          <a:ln>
+            <a:noFill/>
+          </a:ln>
+        </p:spPr>
+        <p:style>
+          <a:lnRef idx="2">
+            <a:schemeClr val="accent1">
+              <a:shade val="50000"/>
+            </a:schemeClr>
+          </a:lnRef>
+          <a:fillRef idx="1">
+            <a:schemeClr val="accent1"/>
+          </a:fillRef>
+          <a:effectRef idx="0">
+            <a:schemeClr val="accent1"/>
+          </a:effectRef>
+          <a:fontRef idx="minor">
+            <a:schemeClr val="lt1"/>
+          </a:fontRef>
+        </p:style>
+        <p:txBody>
+          <a:bodyPr rtlCol="0" anchor="ctr"/>
+          <a:lstStyle/>
+          <a:p>
+            <a:pPr algn="ctr"/>
+            <a:endParaRPr lang="vi-VN" dirty="0"/>
+          </a:p>
+        </p:txBody>
+      </p:sp>
+      <p:sp>
+        <p:nvSpPr>
+          <p:cNvPr id="997" name="Google Shape;997;p34"/>
+          <p:cNvSpPr/>
+          <p:nvPr/>
+        </p:nvSpPr>
+        <p:spPr>
+          <a:xfrm>
+            <a:off x="175266" y="351714"/>
+            <a:ext cx="628800" cy="628800"/>
+          </a:xfrm>
+          <a:prstGeom prst="ellipse">
+            <a:avLst/>
+          </a:prstGeom>
+          <a:solidFill>
+            <a:schemeClr val="accent3"/>
+          </a:solidFill>
+          <a:ln>
+            <a:noFill/>
+          </a:ln>
+        </p:spPr>
+        <p:txBody>
+          <a:bodyPr spcFirstLastPara="1" wrap="square" lIns="91425" tIns="91425" rIns="91425" bIns="91425" anchor="ctr" anchorCtr="0">
+            <a:noAutofit/>
+          </a:bodyPr>
+          <a:lstStyle/>
+          <a:p>
+            <a:pPr marL="0" lvl="0" indent="0" algn="l" rtl="0">
+              <a:spcBef>
+                <a:spcPts val="0"/>
+              </a:spcBef>
+              <a:spcAft>
+                <a:spcPts val="0"/>
+              </a:spcAft>
+              <a:buNone/>
+            </a:pPr>
+            <a:endParaRPr/>
+          </a:p>
+        </p:txBody>
+      </p:sp>
+      <p:sp>
+        <p:nvSpPr>
+          <p:cNvPr id="998" name="Google Shape;998;p34"/>
+          <p:cNvSpPr txBox="1">
+            <a:spLocks noGrp="1"/>
+          </p:cNvSpPr>
+          <p:nvPr>
+            <p:ph type="title"/>
+          </p:nvPr>
+        </p:nvSpPr>
+        <p:spPr>
+          <a:xfrm>
+            <a:off x="949049" y="416108"/>
+            <a:ext cx="3308625" cy="511800"/>
+          </a:xfrm>
+          <a:prstGeom prst="rect">
+            <a:avLst/>
+          </a:prstGeom>
+        </p:spPr>
+        <p:txBody>
+          <a:bodyPr spcFirstLastPara="1" wrap="square" lIns="91425" tIns="91425" rIns="91425" bIns="91425" anchor="ctr" anchorCtr="0">
+            <a:noAutofit/>
+          </a:bodyPr>
+          <a:lstStyle/>
+          <a:p>
+            <a:pPr marL="0" lvl="0" indent="0" algn="l" rtl="0">
+              <a:spcBef>
+                <a:spcPts val="0"/>
+              </a:spcBef>
+              <a:spcAft>
+                <a:spcPts val="0"/>
+              </a:spcAft>
+              <a:buNone/>
+            </a:pPr>
+            <a:r>
+              <a:rPr lang="en-US" dirty="0"/>
+              <a:t>Kết luận</a:t>
+            </a:r>
+            <a:endParaRPr dirty="0"/>
+          </a:p>
+        </p:txBody>
+      </p:sp>
+      <p:sp>
+        <p:nvSpPr>
+          <p:cNvPr id="999" name="Google Shape;999;p34"/>
+          <p:cNvSpPr txBox="1">
+            <a:spLocks noGrp="1"/>
+          </p:cNvSpPr>
+          <p:nvPr>
+            <p:ph type="title" idx="2"/>
+          </p:nvPr>
+        </p:nvSpPr>
+        <p:spPr>
+          <a:xfrm>
+            <a:off x="0" y="410208"/>
+            <a:ext cx="951300" cy="511800"/>
+          </a:xfrm>
+          <a:prstGeom prst="rect">
+            <a:avLst/>
+          </a:prstGeom>
+        </p:spPr>
+        <p:txBody>
+          <a:bodyPr spcFirstLastPara="1" wrap="square" lIns="91425" tIns="91425" rIns="91425" bIns="91425" anchor="ctr" anchorCtr="0">
+            <a:noAutofit/>
+          </a:bodyPr>
+          <a:lstStyle/>
+          <a:p>
+            <a:pPr marL="0" lvl="0" indent="0" algn="r" rtl="0">
+              <a:spcBef>
+                <a:spcPts val="0"/>
+              </a:spcBef>
+              <a:spcAft>
+                <a:spcPts val="0"/>
+              </a:spcAft>
+              <a:buNone/>
+            </a:pPr>
+            <a:r>
+              <a:rPr lang="en" dirty="0"/>
+              <a:t>08.</a:t>
+            </a:r>
+            <a:endParaRPr dirty="0"/>
+          </a:p>
+        </p:txBody>
+      </p:sp>
+      <p:grpSp>
+        <p:nvGrpSpPr>
+          <p:cNvPr id="12" name="Group 11">
+            <a:extLst>
+              <a:ext uri="{FF2B5EF4-FFF2-40B4-BE49-F238E27FC236}">
+                <a16:creationId xmlns:a16="http://schemas.microsoft.com/office/drawing/2014/main" id="{25F9A297-21A3-45BF-B3F3-EDE11419C600}"/>
+              </a:ext>
+            </a:extLst>
+          </p:cNvPr>
+          <p:cNvGrpSpPr/>
+          <p:nvPr/>
+        </p:nvGrpSpPr>
+        <p:grpSpPr>
+          <a:xfrm>
+            <a:off x="280116" y="1241407"/>
             <a:ext cx="8863884" cy="628800"/>
             <a:chOff x="671512" y="2257350"/>
             <a:chExt cx="8863884" cy="628800"/>
@@ -26100,7 +27658,7 @@
         </p:nvGrpSpPr>
         <p:grpSpPr>
           <a:xfrm>
-            <a:off x="563957" y="2642288"/>
+            <a:off x="563962" y="2426195"/>
             <a:ext cx="2645966" cy="1052598"/>
             <a:chOff x="563959" y="1700276"/>
             <a:chExt cx="2645966" cy="1052598"/>
@@ -26316,7 +27874,7 @@
         </p:nvGrpSpPr>
         <p:grpSpPr>
           <a:xfrm>
-            <a:off x="563963" y="2071100"/>
+            <a:off x="563963" y="1870208"/>
             <a:ext cx="2103038" cy="880322"/>
             <a:chOff x="563963" y="1134354"/>
             <a:chExt cx="2103038" cy="880322"/>
@@ -26532,10 +28090,10 @@
         </p:nvGrpSpPr>
         <p:grpSpPr>
           <a:xfrm>
-            <a:off x="562131" y="3393821"/>
-            <a:ext cx="2125443" cy="1052598"/>
-            <a:chOff x="563957" y="1700276"/>
-            <a:chExt cx="2125443" cy="1052598"/>
+            <a:off x="563961" y="3871035"/>
+            <a:ext cx="2263000" cy="1052598"/>
+            <a:chOff x="563956" y="1700276"/>
+            <a:chExt cx="2263000" cy="1052598"/>
           </a:xfrm>
         </p:grpSpPr>
         <p:sp>
@@ -26552,8 +28110,8 @@
           </p:nvSpPr>
           <p:spPr>
             <a:xfrm>
-              <a:off x="739497" y="2124074"/>
-              <a:ext cx="1786454" cy="628800"/>
+              <a:off x="739496" y="2124074"/>
+              <a:ext cx="2087459" cy="628800"/>
             </a:xfrm>
             <a:prstGeom prst="roundRect">
               <a:avLst>
@@ -26605,8 +28163,8 @@
           </p:nvSpPr>
           <p:spPr>
             <a:xfrm>
-              <a:off x="1145268" y="2251754"/>
-              <a:ext cx="1544132" cy="400110"/>
+              <a:off x="1145267" y="2251754"/>
+              <a:ext cx="1681689" cy="400110"/>
             </a:xfrm>
             <a:prstGeom prst="rect">
               <a:avLst/>
@@ -26626,16 +28184,7 @@
                   </a:solidFill>
                   <a:latin typeface="Questrial" panose="020B0604020202020204" charset="0"/>
                 </a:rPr>
-                <a:t>Xuất </a:t>
-              </a:r>
-              <a:r>
-                <a:rPr lang="en-US" sz="2000" b="1" dirty="0" err="1">
-                  <a:solidFill>
-                    <a:srgbClr val="FF0000"/>
-                  </a:solidFill>
-                  <a:latin typeface="Questrial" panose="020B0604020202020204" charset="0"/>
-                </a:rPr>
-                <a:t>exel</a:t>
+                <a:t>Dùng modal</a:t>
               </a:r>
               <a:endParaRPr lang="vi-VN" sz="2000" b="1" dirty="0">
                 <a:solidFill>
@@ -26715,6 +28264,231 @@
           </p:nvCxnSpPr>
           <p:spPr>
             <a:xfrm rot="16200000" flipH="1">
+              <a:off x="282627" y="1981605"/>
+              <a:ext cx="738198" cy="175540"/>
+            </a:xfrm>
+            <a:prstGeom prst="bentConnector2">
+              <a:avLst/>
+            </a:prstGeom>
+            <a:ln w="19050">
+              <a:solidFill>
+                <a:schemeClr val="bg1"/>
+              </a:solidFill>
+            </a:ln>
+          </p:spPr>
+          <p:style>
+            <a:lnRef idx="1">
+              <a:schemeClr val="accent1"/>
+            </a:lnRef>
+            <a:fillRef idx="0">
+              <a:schemeClr val="accent1"/>
+            </a:fillRef>
+            <a:effectRef idx="0">
+              <a:schemeClr val="accent1"/>
+            </a:effectRef>
+            <a:fontRef idx="minor">
+              <a:schemeClr val="tx1"/>
+            </a:fontRef>
+          </p:style>
+        </p:cxnSp>
+      </p:grpSp>
+      <p:grpSp>
+        <p:nvGrpSpPr>
+          <p:cNvPr id="25" name="Group 24">
+            <a:extLst>
+              <a:ext uri="{FF2B5EF4-FFF2-40B4-BE49-F238E27FC236}">
+                <a16:creationId xmlns:a16="http://schemas.microsoft.com/office/drawing/2014/main" id="{3CB8BDB8-EB5F-4DFD-884E-D850B2615BE3}"/>
+              </a:ext>
+            </a:extLst>
+          </p:cNvPr>
+          <p:cNvGrpSpPr/>
+          <p:nvPr/>
+        </p:nvGrpSpPr>
+        <p:grpSpPr>
+          <a:xfrm>
+            <a:off x="563962" y="3142772"/>
+            <a:ext cx="2125443" cy="1052598"/>
+            <a:chOff x="563957" y="1700276"/>
+            <a:chExt cx="2125443" cy="1052598"/>
+          </a:xfrm>
+        </p:grpSpPr>
+        <p:sp>
+          <p:nvSpPr>
+            <p:cNvPr id="26" name="Rectangle: Rounded Corners 25">
+              <a:extLst>
+                <a:ext uri="{FF2B5EF4-FFF2-40B4-BE49-F238E27FC236}">
+                  <a16:creationId xmlns:a16="http://schemas.microsoft.com/office/drawing/2014/main" id="{3C49E444-54D3-4DE1-955A-26420E27B4AB}"/>
+                </a:ext>
+              </a:extLst>
+            </p:cNvPr>
+            <p:cNvSpPr/>
+            <p:nvPr/>
+          </p:nvSpPr>
+          <p:spPr>
+            <a:xfrm>
+              <a:off x="739497" y="2124074"/>
+              <a:ext cx="1786454" cy="628800"/>
+            </a:xfrm>
+            <a:prstGeom prst="roundRect">
+              <a:avLst>
+                <a:gd name="adj" fmla="val 50000"/>
+              </a:avLst>
+            </a:prstGeom>
+            <a:solidFill>
+              <a:srgbClr val="FEF2F0"/>
+            </a:solidFill>
+            <a:ln>
+              <a:noFill/>
+            </a:ln>
+          </p:spPr>
+          <p:style>
+            <a:lnRef idx="2">
+              <a:schemeClr val="accent1">
+                <a:shade val="50000"/>
+              </a:schemeClr>
+            </a:lnRef>
+            <a:fillRef idx="1">
+              <a:schemeClr val="accent1"/>
+            </a:fillRef>
+            <a:effectRef idx="0">
+              <a:schemeClr val="accent1"/>
+            </a:effectRef>
+            <a:fontRef idx="minor">
+              <a:schemeClr val="lt1"/>
+            </a:fontRef>
+          </p:style>
+          <p:txBody>
+            <a:bodyPr rtlCol="0" anchor="ctr"/>
+            <a:lstStyle/>
+            <a:p>
+              <a:endParaRPr lang="vi-VN" dirty="0"/>
+            </a:p>
+          </p:txBody>
+        </p:sp>
+        <p:sp>
+          <p:nvSpPr>
+            <p:cNvPr id="27" name="TextBox 26">
+              <a:extLst>
+                <a:ext uri="{FF2B5EF4-FFF2-40B4-BE49-F238E27FC236}">
+                  <a16:creationId xmlns:a16="http://schemas.microsoft.com/office/drawing/2014/main" id="{8983EA07-FD39-423F-A2DE-1F89434F8610}"/>
+                </a:ext>
+              </a:extLst>
+            </p:cNvPr>
+            <p:cNvSpPr txBox="1"/>
+            <p:nvPr/>
+          </p:nvSpPr>
+          <p:spPr>
+            <a:xfrm>
+              <a:off x="1145268" y="2251754"/>
+              <a:ext cx="1544132" cy="400110"/>
+            </a:xfrm>
+            <a:prstGeom prst="rect">
+              <a:avLst/>
+            </a:prstGeom>
+            <a:noFill/>
+          </p:spPr>
+          <p:txBody>
+            <a:bodyPr wrap="square" rtlCol="0" anchor="ctr">
+              <a:spAutoFit/>
+            </a:bodyPr>
+            <a:lstStyle/>
+            <a:p>
+              <a:r>
+                <a:rPr lang="en-US" sz="2000" b="1" dirty="0">
+                  <a:solidFill>
+                    <a:srgbClr val="FF0000"/>
+                  </a:solidFill>
+                  <a:latin typeface="Questrial" panose="020B0604020202020204" charset="0"/>
+                </a:rPr>
+                <a:t>Xuất </a:t>
+              </a:r>
+              <a:r>
+                <a:rPr lang="en-US" sz="2000" b="1" dirty="0" err="1">
+                  <a:solidFill>
+                    <a:srgbClr val="FF0000"/>
+                  </a:solidFill>
+                  <a:latin typeface="Questrial" panose="020B0604020202020204" charset="0"/>
+                </a:rPr>
+                <a:t>exel</a:t>
+              </a:r>
+              <a:endParaRPr lang="vi-VN" sz="2000" b="1" dirty="0">
+                <a:solidFill>
+                  <a:srgbClr val="FF0000"/>
+                </a:solidFill>
+                <a:latin typeface="Questrial" panose="020B0604020202020204" charset="0"/>
+              </a:endParaRPr>
+            </a:p>
+          </p:txBody>
+        </p:sp>
+        <p:sp>
+          <p:nvSpPr>
+            <p:cNvPr id="28" name="Isosceles Triangle 27">
+              <a:extLst>
+                <a:ext uri="{FF2B5EF4-FFF2-40B4-BE49-F238E27FC236}">
+                  <a16:creationId xmlns:a16="http://schemas.microsoft.com/office/drawing/2014/main" id="{86E30566-E59F-42D9-AADC-E354D62E91F4}"/>
+                </a:ext>
+              </a:extLst>
+            </p:cNvPr>
+            <p:cNvSpPr/>
+            <p:nvPr/>
+          </p:nvSpPr>
+          <p:spPr>
+            <a:xfrm>
+              <a:off x="921240" y="2394659"/>
+              <a:ext cx="132588" cy="114300"/>
+            </a:xfrm>
+            <a:prstGeom prst="triangle">
+              <a:avLst/>
+            </a:prstGeom>
+            <a:noFill/>
+            <a:ln>
+              <a:solidFill>
+                <a:srgbClr val="EA5458"/>
+              </a:solidFill>
+            </a:ln>
+          </p:spPr>
+          <p:style>
+            <a:lnRef idx="2">
+              <a:schemeClr val="accent1">
+                <a:shade val="50000"/>
+              </a:schemeClr>
+            </a:lnRef>
+            <a:fillRef idx="1">
+              <a:schemeClr val="accent1"/>
+            </a:fillRef>
+            <a:effectRef idx="0">
+              <a:schemeClr val="accent1"/>
+            </a:effectRef>
+            <a:fontRef idx="minor">
+              <a:schemeClr val="lt1"/>
+            </a:fontRef>
+          </p:style>
+          <p:txBody>
+            <a:bodyPr rtlCol="0" anchor="ctr"/>
+            <a:lstStyle/>
+            <a:p>
+              <a:pPr algn="ctr"/>
+              <a:endParaRPr lang="vi-VN"/>
+            </a:p>
+          </p:txBody>
+        </p:sp>
+        <p:cxnSp>
+          <p:nvCxnSpPr>
+            <p:cNvPr id="29" name="Connector: Elbow 28">
+              <a:extLst>
+                <a:ext uri="{FF2B5EF4-FFF2-40B4-BE49-F238E27FC236}">
+                  <a16:creationId xmlns:a16="http://schemas.microsoft.com/office/drawing/2014/main" id="{67ADDF10-308F-4455-BF89-3402CB94D460}"/>
+                </a:ext>
+              </a:extLst>
+            </p:cNvPr>
+            <p:cNvCxnSpPr>
+              <a:cxnSpLocks/>
+              <a:endCxn id="26" idx="1"/>
+            </p:cNvCxnSpPr>
+            <p:nvPr/>
+          </p:nvCxnSpPr>
+          <p:spPr>
+            <a:xfrm rot="16200000" flipH="1">
               <a:off x="282628" y="1981605"/>
               <a:ext cx="738198" cy="175540"/>
             </a:xfrm>
@@ -26746,7 +28520,7 @@
     </p:spTree>
     <p:extLst>
       <p:ext uri="{BB962C8B-B14F-4D97-AF65-F5344CB8AC3E}">
-        <p14:creationId xmlns:p14="http://schemas.microsoft.com/office/powerpoint/2010/main" val="1236649094"/>
+        <p14:creationId xmlns:p14="http://schemas.microsoft.com/office/powerpoint/2010/main" val="4285708774"/>
       </p:ext>
     </p:extLst>
   </p:cSld>
@@ -26759,7 +28533,7 @@
 </p:sld>
 </file>
 
-<file path=ppt/slides/slide13.xml><?xml version="1.0" encoding="utf-8"?>
+<file path=ppt/slides/slide14.xml><?xml version="1.0" encoding="utf-8"?>
 <p:sld xmlns:a="http://schemas.openxmlformats.org/drawingml/2006/main" xmlns:r="http://schemas.openxmlformats.org/officeDocument/2006/relationships" xmlns:p="http://schemas.openxmlformats.org/presentationml/2006/main">
   <p:cSld>
     <p:spTree>
@@ -29045,13 +30819,13 @@
   <p:clrMapOvr>
     <a:masterClrMapping/>
   </p:clrMapOvr>
-  <mc:AlternateContent xmlns:mc="http://schemas.openxmlformats.org/markup-compatibility/2006">
-    <mc:Choice xmlns:p159="http://schemas.microsoft.com/office/powerpoint/2015/09/main" Requires="p159">
+  <mc:AlternateContent xmlns:mc="http://schemas.openxmlformats.org/markup-compatibility/2006" xmlns:p159="http://schemas.microsoft.com/office/powerpoint/2015/09/main">
+    <mc:Choice Requires="p159">
       <p:transition xmlns:p14="http://schemas.microsoft.com/office/powerpoint/2010/main" spd="slow" p14:dur="2000">
         <p159:morph option="byObject"/>
       </p:transition>
     </mc:Choice>
-    <mc:Fallback>
+    <mc:Fallback xmlns="">
       <p:transition spd="slow">
         <p:fade/>
       </p:transition>
@@ -36791,13 +38565,13 @@
   <p:clrMapOvr>
     <a:masterClrMapping/>
   </p:clrMapOvr>
-  <mc:AlternateContent xmlns:mc="http://schemas.openxmlformats.org/markup-compatibility/2006">
-    <mc:Choice xmlns:p159="http://schemas.microsoft.com/office/powerpoint/2015/09/main" Requires="p159">
+  <mc:AlternateContent xmlns:mc="http://schemas.openxmlformats.org/markup-compatibility/2006" xmlns:p159="http://schemas.microsoft.com/office/powerpoint/2015/09/main">
+    <mc:Choice Requires="p159">
       <p:transition xmlns:p14="http://schemas.microsoft.com/office/powerpoint/2010/main" spd="slow" p14:dur="2000">
         <p159:morph option="byObject"/>
       </p:transition>
     </mc:Choice>
-    <mc:Fallback>
+    <mc:Fallback xmlns="">
       <p:transition spd="slow">
         <p:fade/>
       </p:transition>

--- a/Document/slide.pptx
+++ b/Document/slide.pptx
@@ -275,7 +275,7 @@
 <file path=ppt/revisionInfo.xml><?xml version="1.0" encoding="utf-8"?>
 <p1510:revInfo xmlns:a="http://schemas.openxmlformats.org/drawingml/2006/main" xmlns:r="http://schemas.openxmlformats.org/officeDocument/2006/relationships" xmlns:p1510="http://schemas.microsoft.com/office/powerpoint/2015/10/main">
   <p1510:revLst>
-    <p1510:client id="{E658267E-A968-447F-B603-50D305E8E49F}" v="61" dt="2022-02-22T11:00:52.612"/>
+    <p1510:client id="{E658267E-A968-447F-B603-50D305E8E49F}" v="65" dt="2022-02-23T12:52:24.198"/>
   </p1510:revLst>
 </p1510:revInfo>
 </file>
@@ -285,12 +285,19 @@
   <pc:docChgLst>
     <pc:chgData name="Prox Captain" userId="ed09e0e0-34ee-40aa-b994-d424741e2e8f" providerId="ADAL" clId="{E658267E-A968-447F-B603-50D305E8E49F}"/>
     <pc:docChg chg="undo custSel addSld modSld sldOrd">
-      <pc:chgData name="Prox Captain" userId="ed09e0e0-34ee-40aa-b994-d424741e2e8f" providerId="ADAL" clId="{E658267E-A968-447F-B603-50D305E8E49F}" dt="2022-02-22T11:57:44.350" v="716" actId="14100"/>
+      <pc:chgData name="Prox Captain" userId="ed09e0e0-34ee-40aa-b994-d424741e2e8f" providerId="ADAL" clId="{E658267E-A968-447F-B603-50D305E8E49F}" dt="2022-02-23T12:53:01.264" v="2888" actId="1076"/>
       <pc:docMkLst>
         <pc:docMk/>
       </pc:docMkLst>
-      <pc:sldChg chg="modTransition">
-        <pc:chgData name="Prox Captain" userId="ed09e0e0-34ee-40aa-b994-d424741e2e8f" providerId="ADAL" clId="{E658267E-A968-447F-B603-50D305E8E49F}" dt="2022-02-18T16:24:07.368" v="5"/>
+      <pc:sldChg chg="modNotesTx">
+        <pc:chgData name="Prox Captain" userId="ed09e0e0-34ee-40aa-b994-d424741e2e8f" providerId="ADAL" clId="{E658267E-A968-447F-B603-50D305E8E49F}" dt="2022-02-23T11:35:58.738" v="1130" actId="20577"/>
+        <pc:sldMkLst>
+          <pc:docMk/>
+          <pc:sldMk cId="0" sldId="256"/>
+        </pc:sldMkLst>
+      </pc:sldChg>
+      <pc:sldChg chg="modTransition modNotesTx">
+        <pc:chgData name="Prox Captain" userId="ed09e0e0-34ee-40aa-b994-d424741e2e8f" providerId="ADAL" clId="{E658267E-A968-447F-B603-50D305E8E49F}" dt="2022-02-23T12:43:03.902" v="2153" actId="20577"/>
         <pc:sldMkLst>
           <pc:docMk/>
           <pc:sldMk cId="0" sldId="258"/>
@@ -310,15 +317,15 @@
           <pc:sldMk cId="0" sldId="279"/>
         </pc:sldMkLst>
       </pc:sldChg>
-      <pc:sldChg chg="modTransition">
-        <pc:chgData name="Prox Captain" userId="ed09e0e0-34ee-40aa-b994-d424741e2e8f" providerId="ADAL" clId="{E658267E-A968-447F-B603-50D305E8E49F}" dt="2022-02-18T16:40:05.918" v="198"/>
+      <pc:sldChg chg="modTransition modNotesTx">
+        <pc:chgData name="Prox Captain" userId="ed09e0e0-34ee-40aa-b994-d424741e2e8f" providerId="ADAL" clId="{E658267E-A968-447F-B603-50D305E8E49F}" dt="2022-02-23T12:46:26.194" v="2631" actId="20577"/>
         <pc:sldMkLst>
           <pc:docMk/>
           <pc:sldMk cId="381205635" sldId="301"/>
         </pc:sldMkLst>
       </pc:sldChg>
-      <pc:sldChg chg="addSp delSp modSp mod modTransition">
-        <pc:chgData name="Prox Captain" userId="ed09e0e0-34ee-40aa-b994-d424741e2e8f" providerId="ADAL" clId="{E658267E-A968-447F-B603-50D305E8E49F}" dt="2022-02-18T16:39:16.183" v="194" actId="408"/>
+      <pc:sldChg chg="addSp delSp modSp mod modTransition modNotesTx">
+        <pc:chgData name="Prox Captain" userId="ed09e0e0-34ee-40aa-b994-d424741e2e8f" providerId="ADAL" clId="{E658267E-A968-447F-B603-50D305E8E49F}" dt="2022-02-23T12:44:16.589" v="2378" actId="20577"/>
         <pc:sldMkLst>
           <pc:docMk/>
           <pc:sldMk cId="2165709325" sldId="302"/>
@@ -644,8 +651,8 @@
           </ac:picMkLst>
         </pc:picChg>
       </pc:sldChg>
-      <pc:sldChg chg="modSp mod modTransition">
-        <pc:chgData name="Prox Captain" userId="ed09e0e0-34ee-40aa-b994-d424741e2e8f" providerId="ADAL" clId="{E658267E-A968-447F-B603-50D305E8E49F}" dt="2022-02-18T16:40:33.774" v="203" actId="14100"/>
+      <pc:sldChg chg="addSp delSp modSp mod modTransition">
+        <pc:chgData name="Prox Captain" userId="ed09e0e0-34ee-40aa-b994-d424741e2e8f" providerId="ADAL" clId="{E658267E-A968-447F-B603-50D305E8E49F}" dt="2022-02-23T12:47:17.412" v="2670"/>
         <pc:sldMkLst>
           <pc:docMk/>
           <pc:sldMk cId="2716773226" sldId="303"/>
@@ -658,6 +665,46 @@
             <ac:spMk id="23" creationId="{9D2C9CE3-6968-478A-9169-B6185ECC9507}"/>
           </ac:spMkLst>
         </pc:spChg>
+        <pc:spChg chg="mod">
+          <ac:chgData name="Prox Captain" userId="ed09e0e0-34ee-40aa-b994-d424741e2e8f" providerId="ADAL" clId="{E658267E-A968-447F-B603-50D305E8E49F}" dt="2022-02-23T12:47:06.401" v="2667"/>
+          <ac:spMkLst>
+            <pc:docMk/>
+            <pc:sldMk cId="2716773226" sldId="303"/>
+            <ac:spMk id="41" creationId="{E608A79D-D7C6-4262-9F0F-C3B44F61B5BE}"/>
+          </ac:spMkLst>
+        </pc:spChg>
+        <pc:spChg chg="mod">
+          <ac:chgData name="Prox Captain" userId="ed09e0e0-34ee-40aa-b994-d424741e2e8f" providerId="ADAL" clId="{E658267E-A968-447F-B603-50D305E8E49F}" dt="2022-02-23T12:47:06.401" v="2667"/>
+          <ac:spMkLst>
+            <pc:docMk/>
+            <pc:sldMk cId="2716773226" sldId="303"/>
+            <ac:spMk id="42" creationId="{0A9E2022-4CDD-4880-89DD-72A66EC87FDE}"/>
+          </ac:spMkLst>
+        </pc:spChg>
+        <pc:spChg chg="mod">
+          <ac:chgData name="Prox Captain" userId="ed09e0e0-34ee-40aa-b994-d424741e2e8f" providerId="ADAL" clId="{E658267E-A968-447F-B603-50D305E8E49F}" dt="2022-02-23T12:47:06.401" v="2667"/>
+          <ac:spMkLst>
+            <pc:docMk/>
+            <pc:sldMk cId="2716773226" sldId="303"/>
+            <ac:spMk id="43" creationId="{D40E69B1-425F-43D6-A41A-2FAB4331D6D7}"/>
+          </ac:spMkLst>
+        </pc:spChg>
+        <pc:spChg chg="mod">
+          <ac:chgData name="Prox Captain" userId="ed09e0e0-34ee-40aa-b994-d424741e2e8f" providerId="ADAL" clId="{E658267E-A968-447F-B603-50D305E8E49F}" dt="2022-02-23T12:46:43.900" v="2634" actId="14100"/>
+          <ac:spMkLst>
+            <pc:docMk/>
+            <pc:sldMk cId="2716773226" sldId="303"/>
+            <ac:spMk id="65" creationId="{20D95CB8-EEA1-4638-9B80-091AA5E9151E}"/>
+          </ac:spMkLst>
+        </pc:spChg>
+        <pc:spChg chg="mod">
+          <ac:chgData name="Prox Captain" userId="ed09e0e0-34ee-40aa-b994-d424741e2e8f" providerId="ADAL" clId="{E658267E-A968-447F-B603-50D305E8E49F}" dt="2022-02-23T12:46:57.100" v="2666" actId="14100"/>
+          <ac:spMkLst>
+            <pc:docMk/>
+            <pc:sldMk cId="2716773226" sldId="303"/>
+            <ac:spMk id="66" creationId="{9C4B2645-19FD-4156-84B6-372196511003}"/>
+          </ac:spMkLst>
+        </pc:spChg>
         <pc:grpChg chg="mod">
           <ac:chgData name="Prox Captain" userId="ed09e0e0-34ee-40aa-b994-d424741e2e8f" providerId="ADAL" clId="{E658267E-A968-447F-B603-50D305E8E49F}" dt="2022-02-18T16:40:30.032" v="202" actId="14100"/>
           <ac:grpSpMkLst>
@@ -666,19 +713,115 @@
             <ac:grpSpMk id="9" creationId="{EB95D6B1-49ED-447A-BB7A-4F2961BDF853}"/>
           </ac:grpSpMkLst>
         </pc:grpChg>
+        <pc:grpChg chg="add del mod">
+          <ac:chgData name="Prox Captain" userId="ed09e0e0-34ee-40aa-b994-d424741e2e8f" providerId="ADAL" clId="{E658267E-A968-447F-B603-50D305E8E49F}" dt="2022-02-23T12:47:17.412" v="2670"/>
+          <ac:grpSpMkLst>
+            <pc:docMk/>
+            <pc:sldMk cId="2716773226" sldId="303"/>
+            <ac:grpSpMk id="39" creationId="{FED4BD87-CFD9-4CAE-8CC8-5209DEEC5016}"/>
+          </ac:grpSpMkLst>
+        </pc:grpChg>
+        <pc:grpChg chg="mod">
+          <ac:chgData name="Prox Captain" userId="ed09e0e0-34ee-40aa-b994-d424741e2e8f" providerId="ADAL" clId="{E658267E-A968-447F-B603-50D305E8E49F}" dt="2022-02-23T12:46:39.730" v="2633" actId="14100"/>
+          <ac:grpSpMkLst>
+            <pc:docMk/>
+            <pc:sldMk cId="2716773226" sldId="303"/>
+            <ac:grpSpMk id="64" creationId="{FCCB9367-9E94-47DC-9C09-F4FE3E376AC7}"/>
+          </ac:grpSpMkLst>
+        </pc:grpChg>
+        <pc:cxnChg chg="mod">
+          <ac:chgData name="Prox Captain" userId="ed09e0e0-34ee-40aa-b994-d424741e2e8f" providerId="ADAL" clId="{E658267E-A968-447F-B603-50D305E8E49F}" dt="2022-02-23T12:47:06.401" v="2667"/>
+          <ac:cxnSpMkLst>
+            <pc:docMk/>
+            <pc:sldMk cId="2716773226" sldId="303"/>
+            <ac:cxnSpMk id="44" creationId="{4466511B-7B02-42F2-8385-4A345F468C0C}"/>
+          </ac:cxnSpMkLst>
+        </pc:cxnChg>
+        <pc:cxnChg chg="mod">
+          <ac:chgData name="Prox Captain" userId="ed09e0e0-34ee-40aa-b994-d424741e2e8f" providerId="ADAL" clId="{E658267E-A968-447F-B603-50D305E8E49F}" dt="2022-02-23T12:46:43.900" v="2634" actId="14100"/>
+          <ac:cxnSpMkLst>
+            <pc:docMk/>
+            <pc:sldMk cId="2716773226" sldId="303"/>
+            <ac:cxnSpMk id="68" creationId="{94C3A1F1-0AC2-466F-A332-856D11980BC8}"/>
+          </ac:cxnSpMkLst>
+        </pc:cxnChg>
       </pc:sldChg>
-      <pc:sldChg chg="delSp modSp mod modTransition">
-        <pc:chgData name="Prox Captain" userId="ed09e0e0-34ee-40aa-b994-d424741e2e8f" providerId="ADAL" clId="{E658267E-A968-447F-B603-50D305E8E49F}" dt="2022-02-18T16:40:39.086" v="204" actId="14100"/>
+      <pc:sldChg chg="addSp delSp modSp mod modTransition">
+        <pc:chgData name="Prox Captain" userId="ed09e0e0-34ee-40aa-b994-d424741e2e8f" providerId="ADAL" clId="{E658267E-A968-447F-B603-50D305E8E49F}" dt="2022-02-23T12:49:27.180" v="2798" actId="20577"/>
         <pc:sldMkLst>
           <pc:docMk/>
           <pc:sldMk cId="3739408276" sldId="304"/>
         </pc:sldMkLst>
+        <pc:spChg chg="mod">
+          <ac:chgData name="Prox Captain" userId="ed09e0e0-34ee-40aa-b994-d424741e2e8f" providerId="ADAL" clId="{E658267E-A968-447F-B603-50D305E8E49F}" dt="2022-02-23T12:48:40.232" v="2762" actId="1076"/>
+          <ac:spMkLst>
+            <pc:docMk/>
+            <pc:sldMk cId="3739408276" sldId="304"/>
+            <ac:spMk id="19" creationId="{383E3430-AE9C-4D4A-B3E1-3BD4C05547D0}"/>
+          </ac:spMkLst>
+        </pc:spChg>
         <pc:spChg chg="mod">
           <ac:chgData name="Prox Captain" userId="ed09e0e0-34ee-40aa-b994-d424741e2e8f" providerId="ADAL" clId="{E658267E-A968-447F-B603-50D305E8E49F}" dt="2022-02-18T16:40:39.086" v="204" actId="14100"/>
           <ac:spMkLst>
             <pc:docMk/>
             <pc:sldMk cId="3739408276" sldId="304"/>
             <ac:spMk id="23" creationId="{9D2C9CE3-6968-478A-9169-B6185ECC9507}"/>
+          </ac:spMkLst>
+        </pc:spChg>
+        <pc:spChg chg="mod">
+          <ac:chgData name="Prox Captain" userId="ed09e0e0-34ee-40aa-b994-d424741e2e8f" providerId="ADAL" clId="{E658267E-A968-447F-B603-50D305E8E49F}" dt="2022-02-23T12:48:58.809" v="2766"/>
+          <ac:spMkLst>
+            <pc:docMk/>
+            <pc:sldMk cId="3739408276" sldId="304"/>
+            <ac:spMk id="37" creationId="{8C768B6B-D8F1-4B6E-9FF0-7317C5642016}"/>
+          </ac:spMkLst>
+        </pc:spChg>
+        <pc:spChg chg="mod">
+          <ac:chgData name="Prox Captain" userId="ed09e0e0-34ee-40aa-b994-d424741e2e8f" providerId="ADAL" clId="{E658267E-A968-447F-B603-50D305E8E49F}" dt="2022-02-23T12:48:17.962" v="2755" actId="14100"/>
+          <ac:spMkLst>
+            <pc:docMk/>
+            <pc:sldMk cId="3739408276" sldId="304"/>
+            <ac:spMk id="38" creationId="{F86505F5-0D62-40EF-A33F-145F41002AFB}"/>
+          </ac:spMkLst>
+        </pc:spChg>
+        <pc:spChg chg="mod">
+          <ac:chgData name="Prox Captain" userId="ed09e0e0-34ee-40aa-b994-d424741e2e8f" providerId="ADAL" clId="{E658267E-A968-447F-B603-50D305E8E49F}" dt="2022-02-23T12:48:38.124" v="2761" actId="1076"/>
+          <ac:spMkLst>
+            <pc:docMk/>
+            <pc:sldMk cId="3739408276" sldId="304"/>
+            <ac:spMk id="40" creationId="{6B30DFA8-0FC3-499B-BD0B-965CAA6ABE9F}"/>
+          </ac:spMkLst>
+        </pc:spChg>
+        <pc:spChg chg="mod">
+          <ac:chgData name="Prox Captain" userId="ed09e0e0-34ee-40aa-b994-d424741e2e8f" providerId="ADAL" clId="{E658267E-A968-447F-B603-50D305E8E49F}" dt="2022-02-23T12:49:27.180" v="2798" actId="20577"/>
+          <ac:spMkLst>
+            <pc:docMk/>
+            <pc:sldMk cId="3739408276" sldId="304"/>
+            <ac:spMk id="47" creationId="{E59A2FB1-6979-4054-A87D-9B91A0775475}"/>
+          </ac:spMkLst>
+        </pc:spChg>
+        <pc:spChg chg="mod">
+          <ac:chgData name="Prox Captain" userId="ed09e0e0-34ee-40aa-b994-d424741e2e8f" providerId="ADAL" clId="{E658267E-A968-447F-B603-50D305E8E49F}" dt="2022-02-23T12:48:58.809" v="2766"/>
+          <ac:spMkLst>
+            <pc:docMk/>
+            <pc:sldMk cId="3739408276" sldId="304"/>
+            <ac:spMk id="51" creationId="{0F0732CF-08A1-44D3-BC9F-76BAF40D2684}"/>
+          </ac:spMkLst>
+        </pc:spChg>
+        <pc:spChg chg="mod">
+          <ac:chgData name="Prox Captain" userId="ed09e0e0-34ee-40aa-b994-d424741e2e8f" providerId="ADAL" clId="{E658267E-A968-447F-B603-50D305E8E49F}" dt="2022-02-23T12:48:58.809" v="2766"/>
+          <ac:spMkLst>
+            <pc:docMk/>
+            <pc:sldMk cId="3739408276" sldId="304"/>
+            <ac:spMk id="52" creationId="{C2C5FC80-84D2-49A5-A209-5CFCBD27050B}"/>
+          </ac:spMkLst>
+        </pc:spChg>
+        <pc:spChg chg="del">
+          <ac:chgData name="Prox Captain" userId="ed09e0e0-34ee-40aa-b994-d424741e2e8f" providerId="ADAL" clId="{E658267E-A968-447F-B603-50D305E8E49F}" dt="2022-02-23T12:48:24.503" v="2757" actId="478"/>
+          <ac:spMkLst>
+            <pc:docMk/>
+            <pc:sldMk cId="3739408276" sldId="304"/>
+            <ac:spMk id="65" creationId="{20D95CB8-EEA1-4638-9B80-091AA5E9151E}"/>
           </ac:spMkLst>
         </pc:spChg>
         <pc:grpChg chg="del">
@@ -705,6 +848,94 @@
             <ac:grpSpMk id="29" creationId="{09B49B2E-1122-4EE1-8E95-7A6CA11EA9C3}"/>
           </ac:grpSpMkLst>
         </pc:grpChg>
+        <pc:grpChg chg="add mod">
+          <ac:chgData name="Prox Captain" userId="ed09e0e0-34ee-40aa-b994-d424741e2e8f" providerId="ADAL" clId="{E658267E-A968-447F-B603-50D305E8E49F}" dt="2022-02-23T12:49:19.331" v="2774" actId="1035"/>
+          <ac:grpSpMkLst>
+            <pc:docMk/>
+            <pc:sldMk cId="3739408276" sldId="304"/>
+            <ac:grpSpMk id="36" creationId="{8AAF3942-5704-48A2-8C25-925A46C89E99}"/>
+          </ac:grpSpMkLst>
+        </pc:grpChg>
+        <pc:grpChg chg="del">
+          <ac:chgData name="Prox Captain" userId="ed09e0e0-34ee-40aa-b994-d424741e2e8f" providerId="ADAL" clId="{E658267E-A968-447F-B603-50D305E8E49F}" dt="2022-02-23T12:48:27.313" v="2758" actId="478"/>
+          <ac:grpSpMkLst>
+            <pc:docMk/>
+            <pc:sldMk cId="3739408276" sldId="304"/>
+            <ac:grpSpMk id="39" creationId="{0C44E2A9-B517-4794-B661-1E7AB96E0AAC}"/>
+          </ac:grpSpMkLst>
+        </pc:grpChg>
+        <pc:grpChg chg="mod">
+          <ac:chgData name="Prox Captain" userId="ed09e0e0-34ee-40aa-b994-d424741e2e8f" providerId="ADAL" clId="{E658267E-A968-447F-B603-50D305E8E49F}" dt="2022-02-23T12:48:50.960" v="2765" actId="1076"/>
+          <ac:grpSpMkLst>
+            <pc:docMk/>
+            <pc:sldMk cId="3739408276" sldId="304"/>
+            <ac:grpSpMk id="45" creationId="{1D586E1C-8B60-46BF-8DF1-26EC3D86D69F}"/>
+          </ac:grpSpMkLst>
+        </pc:grpChg>
+        <pc:grpChg chg="mod">
+          <ac:chgData name="Prox Captain" userId="ed09e0e0-34ee-40aa-b994-d424741e2e8f" providerId="ADAL" clId="{E658267E-A968-447F-B603-50D305E8E49F}" dt="2022-02-23T12:48:44.363" v="2764" actId="1076"/>
+          <ac:grpSpMkLst>
+            <pc:docMk/>
+            <pc:sldMk cId="3739408276" sldId="304"/>
+            <ac:grpSpMk id="49" creationId="{390FFF5C-45F7-4809-A726-26B7043D4C9C}"/>
+          </ac:grpSpMkLst>
+        </pc:grpChg>
+        <pc:grpChg chg="del">
+          <ac:chgData name="Prox Captain" userId="ed09e0e0-34ee-40aa-b994-d424741e2e8f" providerId="ADAL" clId="{E658267E-A968-447F-B603-50D305E8E49F}" dt="2022-02-23T12:48:21.445" v="2756" actId="478"/>
+          <ac:grpSpMkLst>
+            <pc:docMk/>
+            <pc:sldMk cId="3739408276" sldId="304"/>
+            <ac:grpSpMk id="60" creationId="{AE3661FA-6A01-4D8D-B0A0-500D675DC6E3}"/>
+          </ac:grpSpMkLst>
+        </pc:grpChg>
+        <pc:grpChg chg="del">
+          <ac:chgData name="Prox Captain" userId="ed09e0e0-34ee-40aa-b994-d424741e2e8f" providerId="ADAL" clId="{E658267E-A968-447F-B603-50D305E8E49F}" dt="2022-02-23T12:48:27.313" v="2758" actId="478"/>
+          <ac:grpSpMkLst>
+            <pc:docMk/>
+            <pc:sldMk cId="3739408276" sldId="304"/>
+            <ac:grpSpMk id="64" creationId="{FCCB9367-9E94-47DC-9C09-F4FE3E376AC7}"/>
+          </ac:grpSpMkLst>
+        </pc:grpChg>
+        <pc:cxnChg chg="mod">
+          <ac:chgData name="Prox Captain" userId="ed09e0e0-34ee-40aa-b994-d424741e2e8f" providerId="ADAL" clId="{E658267E-A968-447F-B603-50D305E8E49F}" dt="2022-02-23T12:48:17.962" v="2755" actId="14100"/>
+          <ac:cxnSpMkLst>
+            <pc:docMk/>
+            <pc:sldMk cId="3739408276" sldId="304"/>
+            <ac:cxnSpMk id="16" creationId="{8D40B826-F94C-4176-9F5C-6D53C8D64661}"/>
+          </ac:cxnSpMkLst>
+        </pc:cxnChg>
+        <pc:cxnChg chg="mod">
+          <ac:chgData name="Prox Captain" userId="ed09e0e0-34ee-40aa-b994-d424741e2e8f" providerId="ADAL" clId="{E658267E-A968-447F-B603-50D305E8E49F}" dt="2022-02-23T12:48:27.313" v="2758" actId="478"/>
+          <ac:cxnSpMkLst>
+            <pc:docMk/>
+            <pc:sldMk cId="3739408276" sldId="304"/>
+            <ac:cxnSpMk id="44" creationId="{17C2025F-0CEB-416F-973A-3CB2B8C51EDC}"/>
+          </ac:cxnSpMkLst>
+        </pc:cxnChg>
+        <pc:cxnChg chg="mod">
+          <ac:chgData name="Prox Captain" userId="ed09e0e0-34ee-40aa-b994-d424741e2e8f" providerId="ADAL" clId="{E658267E-A968-447F-B603-50D305E8E49F}" dt="2022-02-23T12:48:58.809" v="2766"/>
+          <ac:cxnSpMkLst>
+            <pc:docMk/>
+            <pc:sldMk cId="3739408276" sldId="304"/>
+            <ac:cxnSpMk id="53" creationId="{9B23556D-7084-4174-A23B-12D831E02AAC}"/>
+          </ac:cxnSpMkLst>
+        </pc:cxnChg>
+        <pc:cxnChg chg="mod">
+          <ac:chgData name="Prox Captain" userId="ed09e0e0-34ee-40aa-b994-d424741e2e8f" providerId="ADAL" clId="{E658267E-A968-447F-B603-50D305E8E49F}" dt="2022-02-23T12:48:21.445" v="2756" actId="478"/>
+          <ac:cxnSpMkLst>
+            <pc:docMk/>
+            <pc:sldMk cId="3739408276" sldId="304"/>
+            <ac:cxnSpMk id="57" creationId="{698E868B-DF0D-4A38-AD75-BC6F277E8FAA}"/>
+          </ac:cxnSpMkLst>
+        </pc:cxnChg>
+        <pc:cxnChg chg="mod">
+          <ac:chgData name="Prox Captain" userId="ed09e0e0-34ee-40aa-b994-d424741e2e8f" providerId="ADAL" clId="{E658267E-A968-447F-B603-50D305E8E49F}" dt="2022-02-23T12:48:24.503" v="2757" actId="478"/>
+          <ac:cxnSpMkLst>
+            <pc:docMk/>
+            <pc:sldMk cId="3739408276" sldId="304"/>
+            <ac:cxnSpMk id="68" creationId="{94C3A1F1-0AC2-466F-A332-856D11980BC8}"/>
+          </ac:cxnSpMkLst>
+        </pc:cxnChg>
       </pc:sldChg>
       <pc:sldChg chg="modSp mod modTransition">
         <pc:chgData name="Prox Captain" userId="ed09e0e0-34ee-40aa-b994-d424741e2e8f" providerId="ADAL" clId="{E658267E-A968-447F-B603-50D305E8E49F}" dt="2022-02-18T16:41:23.189" v="209"/>
@@ -721,12 +952,20 @@
           </ac:spMkLst>
         </pc:spChg>
       </pc:sldChg>
-      <pc:sldChg chg="modSp mod modTransition">
-        <pc:chgData name="Prox Captain" userId="ed09e0e0-34ee-40aa-b994-d424741e2e8f" providerId="ADAL" clId="{E658267E-A968-447F-B603-50D305E8E49F}" dt="2022-02-18T16:41:27.149" v="210"/>
+      <pc:sldChg chg="addSp delSp modSp mod modTransition">
+        <pc:chgData name="Prox Captain" userId="ed09e0e0-34ee-40aa-b994-d424741e2e8f" providerId="ADAL" clId="{E658267E-A968-447F-B603-50D305E8E49F}" dt="2022-02-23T12:53:01.264" v="2888" actId="1076"/>
         <pc:sldMkLst>
           <pc:docMk/>
           <pc:sldMk cId="25186726" sldId="306"/>
         </pc:sldMkLst>
+        <pc:spChg chg="mod">
+          <ac:chgData name="Prox Captain" userId="ed09e0e0-34ee-40aa-b994-d424741e2e8f" providerId="ADAL" clId="{E658267E-A968-447F-B603-50D305E8E49F}" dt="2022-02-23T12:52:49.442" v="2887" actId="1076"/>
+          <ac:spMkLst>
+            <pc:docMk/>
+            <pc:sldMk cId="25186726" sldId="306"/>
+            <ac:spMk id="19" creationId="{383E3430-AE9C-4D4A-B3E1-3BD4C05547D0}"/>
+          </ac:spMkLst>
+        </pc:spChg>
         <pc:spChg chg="mod">
           <ac:chgData name="Prox Captain" userId="ed09e0e0-34ee-40aa-b994-d424741e2e8f" providerId="ADAL" clId="{E658267E-A968-447F-B603-50D305E8E49F}" dt="2022-02-18T16:41:09.021" v="208" actId="14100"/>
           <ac:spMkLst>
@@ -735,14 +974,182 @@
             <ac:spMk id="23" creationId="{9D2C9CE3-6968-478A-9169-B6185ECC9507}"/>
           </ac:spMkLst>
         </pc:spChg>
+        <pc:spChg chg="mod">
+          <ac:chgData name="Prox Captain" userId="ed09e0e0-34ee-40aa-b994-d424741e2e8f" providerId="ADAL" clId="{E658267E-A968-447F-B603-50D305E8E49F}" dt="2022-02-23T12:51:38.826" v="2838" actId="20577"/>
+          <ac:spMkLst>
+            <pc:docMk/>
+            <pc:sldMk cId="25186726" sldId="306"/>
+            <ac:spMk id="47" creationId="{E59A2FB1-6979-4054-A87D-9B91A0775475}"/>
+          </ac:spMkLst>
+        </pc:spChg>
+        <pc:spChg chg="mod">
+          <ac:chgData name="Prox Captain" userId="ed09e0e0-34ee-40aa-b994-d424741e2e8f" providerId="ADAL" clId="{E658267E-A968-447F-B603-50D305E8E49F}" dt="2022-02-23T12:51:55.431" v="2844" actId="1076"/>
+          <ac:spMkLst>
+            <pc:docMk/>
+            <pc:sldMk cId="25186726" sldId="306"/>
+            <ac:spMk id="55" creationId="{7D5B1FD5-564F-43C6-B4BC-A8326D18EB56}"/>
+          </ac:spMkLst>
+        </pc:spChg>
+        <pc:spChg chg="mod">
+          <ac:chgData name="Prox Captain" userId="ed09e0e0-34ee-40aa-b994-d424741e2e8f" providerId="ADAL" clId="{E658267E-A968-447F-B603-50D305E8E49F}" dt="2022-02-23T12:52:24.198" v="2870"/>
+          <ac:spMkLst>
+            <pc:docMk/>
+            <pc:sldMk cId="25186726" sldId="306"/>
+            <ac:spMk id="62" creationId="{D9C731D3-2836-488F-9E3D-AD2588FB7C54}"/>
+          </ac:spMkLst>
+        </pc:spChg>
+        <pc:spChg chg="mod">
+          <ac:chgData name="Prox Captain" userId="ed09e0e0-34ee-40aa-b994-d424741e2e8f" providerId="ADAL" clId="{E658267E-A968-447F-B603-50D305E8E49F}" dt="2022-02-23T12:52:41.447" v="2884" actId="20577"/>
+          <ac:spMkLst>
+            <pc:docMk/>
+            <pc:sldMk cId="25186726" sldId="306"/>
+            <ac:spMk id="63" creationId="{1FCA3965-38B1-4795-B1F6-7BD9BAC4F4E4}"/>
+          </ac:spMkLst>
+        </pc:spChg>
+        <pc:spChg chg="mod">
+          <ac:chgData name="Prox Captain" userId="ed09e0e0-34ee-40aa-b994-d424741e2e8f" providerId="ADAL" clId="{E658267E-A968-447F-B603-50D305E8E49F}" dt="2022-02-23T12:52:24.198" v="2870"/>
+          <ac:spMkLst>
+            <pc:docMk/>
+            <pc:sldMk cId="25186726" sldId="306"/>
+            <ac:spMk id="64" creationId="{983320D0-0550-464A-B803-D2A91C7332BC}"/>
+          </ac:spMkLst>
+        </pc:spChg>
+        <pc:spChg chg="mod">
+          <ac:chgData name="Prox Captain" userId="ed09e0e0-34ee-40aa-b994-d424741e2e8f" providerId="ADAL" clId="{E658267E-A968-447F-B603-50D305E8E49F}" dt="2022-02-23T12:52:19.807" v="2869" actId="20577"/>
+          <ac:spMkLst>
+            <pc:docMk/>
+            <pc:sldMk cId="25186726" sldId="306"/>
+            <ac:spMk id="78" creationId="{75D20F65-BE30-4440-9D86-8E1FE11E0577}"/>
+          </ac:spMkLst>
+        </pc:spChg>
+        <pc:grpChg chg="ord">
+          <ac:chgData name="Prox Captain" userId="ed09e0e0-34ee-40aa-b994-d424741e2e8f" providerId="ADAL" clId="{E658267E-A968-447F-B603-50D305E8E49F}" dt="2022-02-23T12:51:24.116" v="2801" actId="166"/>
+          <ac:grpSpMkLst>
+            <pc:docMk/>
+            <pc:sldMk cId="25186726" sldId="306"/>
+            <ac:grpSpMk id="9" creationId="{EB95D6B1-49ED-447A-BB7A-4F2961BDF853}"/>
+          </ac:grpSpMkLst>
+        </pc:grpChg>
+        <pc:grpChg chg="del">
+          <ac:chgData name="Prox Captain" userId="ed09e0e0-34ee-40aa-b994-d424741e2e8f" providerId="ADAL" clId="{E658267E-A968-447F-B603-50D305E8E49F}" dt="2022-02-23T12:51:09.036" v="2799" actId="478"/>
+          <ac:grpSpMkLst>
+            <pc:docMk/>
+            <pc:sldMk cId="25186726" sldId="306"/>
+            <ac:grpSpMk id="39" creationId="{0C44E2A9-B517-4794-B661-1E7AB96E0AAC}"/>
+          </ac:grpSpMkLst>
+        </pc:grpChg>
         <pc:grpChg chg="mod">
-          <ac:chgData name="Prox Captain" userId="ed09e0e0-34ee-40aa-b994-d424741e2e8f" providerId="ADAL" clId="{E658267E-A968-447F-B603-50D305E8E49F}" dt="2022-02-18T16:41:03.758" v="207" actId="1076"/>
+          <ac:chgData name="Prox Captain" userId="ed09e0e0-34ee-40aa-b994-d424741e2e8f" providerId="ADAL" clId="{E658267E-A968-447F-B603-50D305E8E49F}" dt="2022-02-23T12:51:20.416" v="2800" actId="1076"/>
+          <ac:grpSpMkLst>
+            <pc:docMk/>
+            <pc:sldMk cId="25186726" sldId="306"/>
+            <ac:grpSpMk id="45" creationId="{1D586E1C-8B60-46BF-8DF1-26EC3D86D69F}"/>
+          </ac:grpSpMkLst>
+        </pc:grpChg>
+        <pc:grpChg chg="del">
+          <ac:chgData name="Prox Captain" userId="ed09e0e0-34ee-40aa-b994-d424741e2e8f" providerId="ADAL" clId="{E658267E-A968-447F-B603-50D305E8E49F}" dt="2022-02-23T12:51:09.036" v="2799" actId="478"/>
+          <ac:grpSpMkLst>
+            <pc:docMk/>
+            <pc:sldMk cId="25186726" sldId="306"/>
+            <ac:grpSpMk id="49" creationId="{390FFF5C-45F7-4809-A726-26B7043D4C9C}"/>
+          </ac:grpSpMkLst>
+        </pc:grpChg>
+        <pc:grpChg chg="del">
+          <ac:chgData name="Prox Captain" userId="ed09e0e0-34ee-40aa-b994-d424741e2e8f" providerId="ADAL" clId="{E658267E-A968-447F-B603-50D305E8E49F}" dt="2022-02-23T12:51:09.036" v="2799" actId="478"/>
+          <ac:grpSpMkLst>
+            <pc:docMk/>
+            <pc:sldMk cId="25186726" sldId="306"/>
+            <ac:grpSpMk id="51" creationId="{A1DC9BBA-D1C5-4020-83A3-B53FAF166B96}"/>
+          </ac:grpSpMkLst>
+        </pc:grpChg>
+        <pc:grpChg chg="del mod">
+          <ac:chgData name="Prox Captain" userId="ed09e0e0-34ee-40aa-b994-d424741e2e8f" providerId="ADAL" clId="{E658267E-A968-447F-B603-50D305E8E49F}" dt="2022-02-23T12:52:44.717" v="2885" actId="478"/>
           <ac:grpSpMkLst>
             <pc:docMk/>
             <pc:sldMk cId="25186726" sldId="306"/>
             <ac:grpSpMk id="54" creationId="{4A7E9C1E-3724-4A39-BD85-688C14BA835D}"/>
           </ac:grpSpMkLst>
         </pc:grpChg>
+        <pc:grpChg chg="add mod">
+          <ac:chgData name="Prox Captain" userId="ed09e0e0-34ee-40aa-b994-d424741e2e8f" providerId="ADAL" clId="{E658267E-A968-447F-B603-50D305E8E49F}" dt="2022-02-23T12:52:28.944" v="2871" actId="1076"/>
+          <ac:grpSpMkLst>
+            <pc:docMk/>
+            <pc:sldMk cId="25186726" sldId="306"/>
+            <ac:grpSpMk id="61" creationId="{9263750C-2A9E-4AEF-91C8-EB4DE0795D7E}"/>
+          </ac:grpSpMkLst>
+        </pc:grpChg>
+        <pc:grpChg chg="del">
+          <ac:chgData name="Prox Captain" userId="ed09e0e0-34ee-40aa-b994-d424741e2e8f" providerId="ADAL" clId="{E658267E-A968-447F-B603-50D305E8E49F}" dt="2022-02-23T12:51:09.036" v="2799" actId="478"/>
+          <ac:grpSpMkLst>
+            <pc:docMk/>
+            <pc:sldMk cId="25186726" sldId="306"/>
+            <ac:grpSpMk id="71" creationId="{8AC27716-77C8-43DE-872E-172ED6828EA5}"/>
+          </ac:grpSpMkLst>
+        </pc:grpChg>
+        <pc:grpChg chg="mod">
+          <ac:chgData name="Prox Captain" userId="ed09e0e0-34ee-40aa-b994-d424741e2e8f" providerId="ADAL" clId="{E658267E-A968-447F-B603-50D305E8E49F}" dt="2022-02-23T12:52:10.110" v="2847" actId="1036"/>
+          <ac:grpSpMkLst>
+            <pc:docMk/>
+            <pc:sldMk cId="25186726" sldId="306"/>
+            <ac:grpSpMk id="76" creationId="{2B78FEDA-6306-47E2-9B0B-6C24A0ACDDF5}"/>
+          </ac:grpSpMkLst>
+        </pc:grpChg>
+        <pc:grpChg chg="mod">
+          <ac:chgData name="Prox Captain" userId="ed09e0e0-34ee-40aa-b994-d424741e2e8f" providerId="ADAL" clId="{E658267E-A968-447F-B603-50D305E8E49F}" dt="2022-02-23T12:53:01.264" v="2888" actId="1076"/>
+          <ac:grpSpMkLst>
+            <pc:docMk/>
+            <pc:sldMk cId="25186726" sldId="306"/>
+            <ac:grpSpMk id="81" creationId="{13BE4DCB-367B-475B-AC2D-2094027932F9}"/>
+          </ac:grpSpMkLst>
+        </pc:grpChg>
+        <pc:cxnChg chg="mod">
+          <ac:chgData name="Prox Captain" userId="ed09e0e0-34ee-40aa-b994-d424741e2e8f" providerId="ADAL" clId="{E658267E-A968-447F-B603-50D305E8E49F}" dt="2022-02-23T12:51:09.036" v="2799" actId="478"/>
+          <ac:cxnSpMkLst>
+            <pc:docMk/>
+            <pc:sldMk cId="25186726" sldId="306"/>
+            <ac:cxnSpMk id="16" creationId="{8D40B826-F94C-4176-9F5C-6D53C8D64661}"/>
+          </ac:cxnSpMkLst>
+        </pc:cxnChg>
+        <pc:cxnChg chg="mod">
+          <ac:chgData name="Prox Captain" userId="ed09e0e0-34ee-40aa-b994-d424741e2e8f" providerId="ADAL" clId="{E658267E-A968-447F-B603-50D305E8E49F}" dt="2022-02-23T12:51:09.036" v="2799" actId="478"/>
+          <ac:cxnSpMkLst>
+            <pc:docMk/>
+            <pc:sldMk cId="25186726" sldId="306"/>
+            <ac:cxnSpMk id="44" creationId="{17C2025F-0CEB-416F-973A-3CB2B8C51EDC}"/>
+          </ac:cxnSpMkLst>
+        </pc:cxnChg>
+        <pc:cxnChg chg="mod">
+          <ac:chgData name="Prox Captain" userId="ed09e0e0-34ee-40aa-b994-d424741e2e8f" providerId="ADAL" clId="{E658267E-A968-447F-B603-50D305E8E49F}" dt="2022-02-23T12:51:09.036" v="2799" actId="478"/>
+          <ac:cxnSpMkLst>
+            <pc:docMk/>
+            <pc:sldMk cId="25186726" sldId="306"/>
+            <ac:cxnSpMk id="59" creationId="{A5FB5935-077D-4E4B-8949-41648F06DFD5}"/>
+          </ac:cxnSpMkLst>
+        </pc:cxnChg>
+        <pc:cxnChg chg="mod">
+          <ac:chgData name="Prox Captain" userId="ed09e0e0-34ee-40aa-b994-d424741e2e8f" providerId="ADAL" clId="{E658267E-A968-447F-B603-50D305E8E49F}" dt="2022-02-23T12:52:44.717" v="2885" actId="478"/>
+          <ac:cxnSpMkLst>
+            <pc:docMk/>
+            <pc:sldMk cId="25186726" sldId="306"/>
+            <ac:cxnSpMk id="60" creationId="{014665A0-A82A-4594-8E1F-201875D93CAB}"/>
+          </ac:cxnSpMkLst>
+        </pc:cxnChg>
+        <pc:cxnChg chg="mod">
+          <ac:chgData name="Prox Captain" userId="ed09e0e0-34ee-40aa-b994-d424741e2e8f" providerId="ADAL" clId="{E658267E-A968-447F-B603-50D305E8E49F}" dt="2022-02-23T12:52:24.198" v="2870"/>
+          <ac:cxnSpMkLst>
+            <pc:docMk/>
+            <pc:sldMk cId="25186726" sldId="306"/>
+            <ac:cxnSpMk id="65" creationId="{8C30537B-D218-4F40-9E14-CFDEB449254B}"/>
+          </ac:cxnSpMkLst>
+        </pc:cxnChg>
+        <pc:cxnChg chg="mod">
+          <ac:chgData name="Prox Captain" userId="ed09e0e0-34ee-40aa-b994-d424741e2e8f" providerId="ADAL" clId="{E658267E-A968-447F-B603-50D305E8E49F}" dt="2022-02-23T12:51:09.036" v="2799" actId="478"/>
+          <ac:cxnSpMkLst>
+            <pc:docMk/>
+            <pc:sldMk cId="25186726" sldId="306"/>
+            <ac:cxnSpMk id="75" creationId="{EAA7F6A4-A5DD-4E89-B337-106002F4B8BB}"/>
+          </ac:cxnSpMkLst>
+        </pc:cxnChg>
       </pc:sldChg>
       <pc:sldChg chg="modTransition">
         <pc:chgData name="Prox Captain" userId="ed09e0e0-34ee-40aa-b994-d424741e2e8f" providerId="ADAL" clId="{E658267E-A968-447F-B603-50D305E8E49F}" dt="2022-02-18T16:41:30.934" v="211"/>
@@ -752,7 +1159,7 @@
         </pc:sldMkLst>
       </pc:sldChg>
       <pc:sldChg chg="addSp delSp modSp mod">
-        <pc:chgData name="Prox Captain" userId="ed09e0e0-34ee-40aa-b994-d424741e2e8f" providerId="ADAL" clId="{E658267E-A968-447F-B603-50D305E8E49F}" dt="2022-02-22T11:57:44.350" v="716" actId="14100"/>
+        <pc:chgData name="Prox Captain" userId="ed09e0e0-34ee-40aa-b994-d424741e2e8f" providerId="ADAL" clId="{E658267E-A968-447F-B603-50D305E8E49F}" dt="2022-02-23T09:06:51.280" v="726" actId="1076"/>
         <pc:sldMkLst>
           <pc:docMk/>
           <pc:sldMk cId="2145405413" sldId="309"/>
@@ -765,12 +1172,20 @@
             <ac:spMk id="2" creationId="{872BF276-F3D8-4708-8D53-77CA937CEA70}"/>
           </ac:spMkLst>
         </pc:spChg>
-        <pc:picChg chg="add mod">
-          <ac:chgData name="Prox Captain" userId="ed09e0e0-34ee-40aa-b994-d424741e2e8f" providerId="ADAL" clId="{E658267E-A968-447F-B603-50D305E8E49F}" dt="2022-02-22T11:57:44.350" v="716" actId="14100"/>
+        <pc:picChg chg="add del mod">
+          <ac:chgData name="Prox Captain" userId="ed09e0e0-34ee-40aa-b994-d424741e2e8f" providerId="ADAL" clId="{E658267E-A968-447F-B603-50D305E8E49F}" dt="2022-02-23T09:06:32.904" v="719" actId="478"/>
           <ac:picMkLst>
             <pc:docMk/>
             <pc:sldMk cId="2145405413" sldId="309"/>
             <ac:picMk id="4" creationId="{6487A02E-A90F-40A8-ABDF-115A03357BAB}"/>
+          </ac:picMkLst>
+        </pc:picChg>
+        <pc:picChg chg="add mod">
+          <ac:chgData name="Prox Captain" userId="ed09e0e0-34ee-40aa-b994-d424741e2e8f" providerId="ADAL" clId="{E658267E-A968-447F-B603-50D305E8E49F}" dt="2022-02-23T09:06:51.280" v="726" actId="1076"/>
+          <ac:picMkLst>
+            <pc:docMk/>
+            <pc:sldMk cId="2145405413" sldId="309"/>
+            <ac:picMk id="5" creationId="{803635BB-9DEF-4348-A4E5-07A2C6FEDE61}"/>
           </ac:picMkLst>
         </pc:picChg>
         <pc:picChg chg="del mod">
@@ -1670,7 +2085,11 @@
               </a:spcAft>
               <a:buNone/>
             </a:pPr>
-            <a:endParaRPr/>
+            <a:r>
+              <a:rPr lang="en-US" dirty="0"/>
+              <a:t>Xin chào thầy cùng các bạn đã đến với buổi bảo vệ của nhóm em ngày hum nay, Em là Prox, trưởng nhóm và Minh Châu là thành viên. Và đồ án nhóm em làm về shop bán áo Online</a:t>
+            </a:r>
+            <a:endParaRPr dirty="0"/>
           </a:p>
         </p:txBody>
       </p:sp>
@@ -2309,7 +2728,11 @@
               </a:spcAft>
               <a:buNone/>
             </a:pPr>
-            <a:endParaRPr/>
+            <a:r>
+              <a:rPr lang="en-US" dirty="0"/>
+              <a:t>Đầu tiên là về lý do chọn đề tài. Vì chúng ta đang bước vào giai đoạn công nghiệp 4.0 nên nhu cầu tạo lập một trang thương mại điện tử ngày càng cao, đặc biệt là trong thời buổi dịch bệnh hiện tại, mọi thứ đều thông qua internet. Và người ta thường ví một thứ gì đó thay đổi nhiều như thay áo, vì thế cho dù có ở giai đoạn nào thì áo cũng rất phổ biến được ưa chuộng. Và tất nhiên đồ án này là để trau dồi kĩ năng viết code</a:t>
+            </a:r>
+            <a:endParaRPr dirty="0"/>
           </a:p>
         </p:txBody>
       </p:sp>
@@ -2413,7 +2836,11 @@
               </a:spcAft>
               <a:buNone/>
             </a:pPr>
-            <a:endParaRPr/>
+            <a:r>
+              <a:rPr lang="en-US" dirty="0"/>
+              <a:t>Công nghệ mà bọn em áp dụng đó chính là PHP 7.4, MySQL, HTML5, JS ES2015, CSS</a:t>
+            </a:r>
+            <a:endParaRPr dirty="0"/>
           </a:p>
         </p:txBody>
       </p:sp>
@@ -2522,7 +2949,38 @@
               </a:spcAft>
               <a:buNone/>
             </a:pPr>
-            <a:endParaRPr/>
+            <a:r>
+              <a:rPr lang="en-US" dirty="0"/>
+              <a:t>Về đối tượng người dùng gồm 4 đối tượng chính: </a:t>
+            </a:r>
+            <a:r>
+              <a:rPr lang="vi-VN" dirty="0"/>
+              <a:t>Khách hàng chưa có tài khoản, Khách hàng đã có tài khoản, nhân viên (admin) và người quản lý (super admin)</a:t>
+            </a:r>
+          </a:p>
+          <a:p>
+            <a:pPr marL="0" lvl="0" indent="0" algn="l" rtl="0">
+              <a:spcBef>
+                <a:spcPts val="0"/>
+              </a:spcBef>
+              <a:spcAft>
+                <a:spcPts val="0"/>
+              </a:spcAft>
+              <a:buNone/>
+            </a:pPr>
+            <a:endParaRPr lang="vi-VN" dirty="0"/>
+          </a:p>
+          <a:p>
+            <a:pPr marL="0" lvl="0" indent="0" algn="l" rtl="0">
+              <a:spcBef>
+                <a:spcPts val="0"/>
+              </a:spcBef>
+              <a:spcAft>
+                <a:spcPts val="0"/>
+              </a:spcAft>
+              <a:buNone/>
+            </a:pPr>
+            <a:endParaRPr dirty="0"/>
           </a:p>
         </p:txBody>
       </p:sp>
@@ -25914,10 +26372,10 @@
       </p:sp>
       <p:pic>
         <p:nvPicPr>
-          <p:cNvPr id="4" name="Picture 3">
+          <p:cNvPr id="5" name="Picture 4">
             <a:extLst>
               <a:ext uri="{FF2B5EF4-FFF2-40B4-BE49-F238E27FC236}">
-                <a16:creationId xmlns:a16="http://schemas.microsoft.com/office/drawing/2014/main" id="{6487A02E-A90F-40A8-ABDF-115A03357BAB}"/>
+                <a16:creationId xmlns:a16="http://schemas.microsoft.com/office/drawing/2014/main" id="{803635BB-9DEF-4348-A4E5-07A2C6FEDE61}"/>
               </a:ext>
             </a:extLst>
           </p:cNvPr>
@@ -25934,8 +26392,8 @@
         </p:blipFill>
         <p:spPr>
           <a:xfrm>
-            <a:off x="1159936" y="1348779"/>
-            <a:ext cx="6528411" cy="3474506"/>
+            <a:off x="1549249" y="1344326"/>
+            <a:ext cx="5416850" cy="3374534"/>
           </a:xfrm>
           <a:prstGeom prst="rect">
             <a:avLst/>
@@ -33052,10 +33510,10 @@
         </p:nvGrpSpPr>
         <p:grpSpPr>
           <a:xfrm>
-            <a:off x="563959" y="2438548"/>
-            <a:ext cx="2322114" cy="1052598"/>
-            <a:chOff x="563959" y="1700276"/>
-            <a:chExt cx="2322114" cy="1052598"/>
+            <a:off x="563958" y="2438548"/>
+            <a:ext cx="4079479" cy="1052598"/>
+            <a:chOff x="563958" y="1700276"/>
+            <a:chExt cx="4079479" cy="1052598"/>
           </a:xfrm>
         </p:grpSpPr>
         <p:sp>
@@ -33072,8 +33530,8 @@
           </p:nvSpPr>
           <p:spPr>
             <a:xfrm>
-              <a:off x="739497" y="2124074"/>
-              <a:ext cx="2146576" cy="628800"/>
+              <a:off x="739496" y="2124074"/>
+              <a:ext cx="3903941" cy="628800"/>
             </a:xfrm>
             <a:prstGeom prst="roundRect">
               <a:avLst>
@@ -33126,7 +33584,7 @@
           <p:spPr>
             <a:xfrm>
               <a:off x="1145268" y="2251754"/>
-              <a:ext cx="1393145" cy="400110"/>
+              <a:ext cx="3406812" cy="400110"/>
             </a:xfrm>
             <a:prstGeom prst="rect">
               <a:avLst/>
@@ -33146,7 +33604,7 @@
                   </a:solidFill>
                   <a:latin typeface="Questrial" panose="020B0604020202020204" charset="0"/>
                 </a:rPr>
-                <a:t>Tìm kiếm</a:t>
+                <a:t>Tìm kiếm thông tin sản phẩm</a:t>
               </a:r>
               <a:endParaRPr lang="vi-VN" sz="2000" b="1" dirty="0">
                 <a:solidFill>
@@ -33226,8 +33684,8 @@
           </p:nvCxnSpPr>
           <p:spPr>
             <a:xfrm rot="16200000" flipH="1">
-              <a:off x="282629" y="1981606"/>
-              <a:ext cx="738198" cy="175537"/>
+              <a:off x="282628" y="1981606"/>
+              <a:ext cx="738198" cy="175538"/>
             </a:xfrm>
             <a:prstGeom prst="bentConnector2">
               <a:avLst/>
@@ -33301,7 +33759,7 @@
         </p:nvSpPr>
         <p:spPr>
           <a:xfrm>
-            <a:off x="-9525" y="-60370"/>
+            <a:off x="0" y="-60370"/>
             <a:ext cx="9668741" cy="5514109"/>
           </a:xfrm>
           <a:prstGeom prst="rect">
@@ -33475,9 +33933,9 @@
         <p:grpSpPr>
           <a:xfrm>
             <a:off x="563963" y="1134354"/>
-            <a:ext cx="4803856" cy="880322"/>
+            <a:ext cx="5693964" cy="880322"/>
             <a:chOff x="563963" y="1134354"/>
-            <a:chExt cx="4803856" cy="880322"/>
+            <a:chExt cx="5693964" cy="880322"/>
           </a:xfrm>
         </p:grpSpPr>
         <p:sp>
@@ -33495,7 +33953,7 @@
           <p:spPr>
             <a:xfrm>
               <a:off x="739499" y="1385876"/>
-              <a:ext cx="2146576" cy="628800"/>
+              <a:ext cx="5518428" cy="628800"/>
             </a:xfrm>
             <a:prstGeom prst="roundRect">
               <a:avLst>
@@ -33548,7 +34006,7 @@
           <p:spPr>
             <a:xfrm>
               <a:off x="1145270" y="1513556"/>
-              <a:ext cx="4222549" cy="400110"/>
+              <a:ext cx="5112657" cy="400110"/>
             </a:xfrm>
             <a:prstGeom prst="rect">
               <a:avLst/>
@@ -33568,7 +34026,7 @@
                   </a:solidFill>
                   <a:latin typeface="Questrial" panose="020B0604020202020204" charset="0"/>
                 </a:rPr>
-                <a:t>Đăng nhập</a:t>
+                <a:t>Tương tự như khách hàng chưa có tài khoản</a:t>
               </a:r>
               <a:endParaRPr lang="vi-VN" sz="2000" b="1" dirty="0">
                 <a:solidFill>
@@ -33650,222 +34108,6 @@
             <a:xfrm rot="16200000" flipH="1">
               <a:off x="368770" y="1329547"/>
               <a:ext cx="565922" cy="175536"/>
-            </a:xfrm>
-            <a:prstGeom prst="bentConnector2">
-              <a:avLst/>
-            </a:prstGeom>
-            <a:ln w="19050">
-              <a:solidFill>
-                <a:schemeClr val="bg1"/>
-              </a:solidFill>
-            </a:ln>
-          </p:spPr>
-          <p:style>
-            <a:lnRef idx="1">
-              <a:schemeClr val="accent1"/>
-            </a:lnRef>
-            <a:fillRef idx="0">
-              <a:schemeClr val="accent1"/>
-            </a:fillRef>
-            <a:effectRef idx="0">
-              <a:schemeClr val="accent1"/>
-            </a:effectRef>
-            <a:fontRef idx="minor">
-              <a:schemeClr val="tx1"/>
-            </a:fontRef>
-          </p:style>
-        </p:cxnSp>
-      </p:grpSp>
-      <p:grpSp>
-        <p:nvGrpSpPr>
-          <p:cNvPr id="60" name="Group 59">
-            <a:extLst>
-              <a:ext uri="{FF2B5EF4-FFF2-40B4-BE49-F238E27FC236}">
-                <a16:creationId xmlns:a16="http://schemas.microsoft.com/office/drawing/2014/main" id="{AE3661FA-6A01-4D8D-B0A0-500D675DC6E3}"/>
-              </a:ext>
-            </a:extLst>
-          </p:cNvPr>
-          <p:cNvGrpSpPr/>
-          <p:nvPr/>
-        </p:nvGrpSpPr>
-        <p:grpSpPr>
-          <a:xfrm>
-            <a:off x="563959" y="1700276"/>
-            <a:ext cx="2322114" cy="1052598"/>
-            <a:chOff x="563959" y="1700276"/>
-            <a:chExt cx="2322114" cy="1052598"/>
-          </a:xfrm>
-        </p:grpSpPr>
-        <p:sp>
-          <p:nvSpPr>
-            <p:cNvPr id="54" name="Rectangle: Rounded Corners 53">
-              <a:extLst>
-                <a:ext uri="{FF2B5EF4-FFF2-40B4-BE49-F238E27FC236}">
-                  <a16:creationId xmlns:a16="http://schemas.microsoft.com/office/drawing/2014/main" id="{B278424D-677B-4C13-A28A-ECCEBDD2FE5E}"/>
-                </a:ext>
-              </a:extLst>
-            </p:cNvPr>
-            <p:cNvSpPr/>
-            <p:nvPr/>
-          </p:nvSpPr>
-          <p:spPr>
-            <a:xfrm>
-              <a:off x="739497" y="2124074"/>
-              <a:ext cx="2146576" cy="628800"/>
-            </a:xfrm>
-            <a:prstGeom prst="roundRect">
-              <a:avLst>
-                <a:gd name="adj" fmla="val 50000"/>
-              </a:avLst>
-            </a:prstGeom>
-            <a:solidFill>
-              <a:srgbClr val="FEF2F0"/>
-            </a:solidFill>
-            <a:ln>
-              <a:noFill/>
-            </a:ln>
-          </p:spPr>
-          <p:style>
-            <a:lnRef idx="2">
-              <a:schemeClr val="accent1">
-                <a:shade val="50000"/>
-              </a:schemeClr>
-            </a:lnRef>
-            <a:fillRef idx="1">
-              <a:schemeClr val="accent1"/>
-            </a:fillRef>
-            <a:effectRef idx="0">
-              <a:schemeClr val="accent1"/>
-            </a:effectRef>
-            <a:fontRef idx="minor">
-              <a:schemeClr val="lt1"/>
-            </a:fontRef>
-          </p:style>
-          <p:txBody>
-            <a:bodyPr rtlCol="0" anchor="ctr"/>
-            <a:lstStyle/>
-            <a:p>
-              <a:endParaRPr lang="vi-VN" dirty="0"/>
-            </a:p>
-          </p:txBody>
-        </p:sp>
-        <p:sp>
-          <p:nvSpPr>
-            <p:cNvPr id="55" name="TextBox 54">
-              <a:extLst>
-                <a:ext uri="{FF2B5EF4-FFF2-40B4-BE49-F238E27FC236}">
-                  <a16:creationId xmlns:a16="http://schemas.microsoft.com/office/drawing/2014/main" id="{74BBD986-8FD0-4F68-A8D9-66EDA6FA258A}"/>
-                </a:ext>
-              </a:extLst>
-            </p:cNvPr>
-            <p:cNvSpPr txBox="1"/>
-            <p:nvPr/>
-          </p:nvSpPr>
-          <p:spPr>
-            <a:xfrm>
-              <a:off x="1145268" y="2251754"/>
-              <a:ext cx="1393145" cy="400110"/>
-            </a:xfrm>
-            <a:prstGeom prst="rect">
-              <a:avLst/>
-            </a:prstGeom>
-            <a:noFill/>
-          </p:spPr>
-          <p:txBody>
-            <a:bodyPr wrap="square" rtlCol="0" anchor="ctr">
-              <a:spAutoFit/>
-            </a:bodyPr>
-            <a:lstStyle/>
-            <a:p>
-              <a:r>
-                <a:rPr lang="en-US" sz="2000" b="1" dirty="0">
-                  <a:solidFill>
-                    <a:srgbClr val="FF0000"/>
-                  </a:solidFill>
-                  <a:latin typeface="Questrial" panose="020B0604020202020204" charset="0"/>
-                </a:rPr>
-                <a:t>Đăng ký</a:t>
-              </a:r>
-              <a:endParaRPr lang="vi-VN" sz="2000" b="1" dirty="0">
-                <a:solidFill>
-                  <a:srgbClr val="FF0000"/>
-                </a:solidFill>
-                <a:latin typeface="Questrial" panose="020B0604020202020204" charset="0"/>
-              </a:endParaRPr>
-            </a:p>
-          </p:txBody>
-        </p:sp>
-        <p:sp>
-          <p:nvSpPr>
-            <p:cNvPr id="56" name="Isosceles Triangle 55">
-              <a:extLst>
-                <a:ext uri="{FF2B5EF4-FFF2-40B4-BE49-F238E27FC236}">
-                  <a16:creationId xmlns:a16="http://schemas.microsoft.com/office/drawing/2014/main" id="{17E6A185-61CA-4B9C-8F1E-E26867F77853}"/>
-                </a:ext>
-              </a:extLst>
-            </p:cNvPr>
-            <p:cNvSpPr/>
-            <p:nvPr/>
-          </p:nvSpPr>
-          <p:spPr>
-            <a:xfrm>
-              <a:off x="921240" y="2394659"/>
-              <a:ext cx="132588" cy="114300"/>
-            </a:xfrm>
-            <a:prstGeom prst="triangle">
-              <a:avLst/>
-            </a:prstGeom>
-            <a:noFill/>
-            <a:ln>
-              <a:solidFill>
-                <a:srgbClr val="EA5458"/>
-              </a:solidFill>
-            </a:ln>
-          </p:spPr>
-          <p:style>
-            <a:lnRef idx="2">
-              <a:schemeClr val="accent1">
-                <a:shade val="50000"/>
-              </a:schemeClr>
-            </a:lnRef>
-            <a:fillRef idx="1">
-              <a:schemeClr val="accent1"/>
-            </a:fillRef>
-            <a:effectRef idx="0">
-              <a:schemeClr val="accent1"/>
-            </a:effectRef>
-            <a:fontRef idx="minor">
-              <a:schemeClr val="lt1"/>
-            </a:fontRef>
-          </p:style>
-          <p:txBody>
-            <a:bodyPr rtlCol="0" anchor="ctr"/>
-            <a:lstStyle/>
-            <a:p>
-              <a:pPr algn="ctr"/>
-              <a:endParaRPr lang="vi-VN"/>
-            </a:p>
-          </p:txBody>
-        </p:sp>
-        <p:cxnSp>
-          <p:nvCxnSpPr>
-            <p:cNvPr id="57" name="Connector: Elbow 56">
-              <a:extLst>
-                <a:ext uri="{FF2B5EF4-FFF2-40B4-BE49-F238E27FC236}">
-                  <a16:creationId xmlns:a16="http://schemas.microsoft.com/office/drawing/2014/main" id="{698E868B-DF0D-4A38-AD75-BC6F277E8FAA}"/>
-                </a:ext>
-              </a:extLst>
-            </p:cNvPr>
-            <p:cNvCxnSpPr>
-              <a:cxnSpLocks/>
-              <a:endCxn id="54" idx="1"/>
-            </p:cNvCxnSpPr>
-            <p:nvPr/>
-          </p:nvCxnSpPr>
-          <p:spPr>
-            <a:xfrm rot="16200000" flipH="1">
-              <a:off x="282629" y="1981606"/>
-              <a:ext cx="738198" cy="175537"/>
             </a:xfrm>
             <a:prstGeom prst="bentConnector2">
               <a:avLst/>
@@ -34066,438 +34308,6 @@
       </p:grpSp>
       <p:grpSp>
         <p:nvGrpSpPr>
-          <p:cNvPr id="64" name="Group 63">
-            <a:extLst>
-              <a:ext uri="{FF2B5EF4-FFF2-40B4-BE49-F238E27FC236}">
-                <a16:creationId xmlns:a16="http://schemas.microsoft.com/office/drawing/2014/main" id="{FCCB9367-9E94-47DC-9C09-F4FE3E376AC7}"/>
-              </a:ext>
-            </a:extLst>
-          </p:cNvPr>
-          <p:cNvGrpSpPr/>
-          <p:nvPr/>
-        </p:nvGrpSpPr>
-        <p:grpSpPr>
-          <a:xfrm>
-            <a:off x="563959" y="2438548"/>
-            <a:ext cx="3331766" cy="1052598"/>
-            <a:chOff x="563959" y="1700276"/>
-            <a:chExt cx="3331766" cy="1052598"/>
-          </a:xfrm>
-        </p:grpSpPr>
-        <p:sp>
-          <p:nvSpPr>
-            <p:cNvPr id="65" name="Rectangle: Rounded Corners 64">
-              <a:extLst>
-                <a:ext uri="{FF2B5EF4-FFF2-40B4-BE49-F238E27FC236}">
-                  <a16:creationId xmlns:a16="http://schemas.microsoft.com/office/drawing/2014/main" id="{20D95CB8-EEA1-4638-9B80-091AA5E9151E}"/>
-                </a:ext>
-              </a:extLst>
-            </p:cNvPr>
-            <p:cNvSpPr/>
-            <p:nvPr/>
-          </p:nvSpPr>
-          <p:spPr>
-            <a:xfrm>
-              <a:off x="739497" y="2124074"/>
-              <a:ext cx="3156228" cy="628800"/>
-            </a:xfrm>
-            <a:prstGeom prst="roundRect">
-              <a:avLst>
-                <a:gd name="adj" fmla="val 50000"/>
-              </a:avLst>
-            </a:prstGeom>
-            <a:solidFill>
-              <a:srgbClr val="FEF2F0"/>
-            </a:solidFill>
-            <a:ln>
-              <a:noFill/>
-            </a:ln>
-          </p:spPr>
-          <p:style>
-            <a:lnRef idx="2">
-              <a:schemeClr val="accent1">
-                <a:shade val="50000"/>
-              </a:schemeClr>
-            </a:lnRef>
-            <a:fillRef idx="1">
-              <a:schemeClr val="accent1"/>
-            </a:fillRef>
-            <a:effectRef idx="0">
-              <a:schemeClr val="accent1"/>
-            </a:effectRef>
-            <a:fontRef idx="minor">
-              <a:schemeClr val="lt1"/>
-            </a:fontRef>
-          </p:style>
-          <p:txBody>
-            <a:bodyPr rtlCol="0" anchor="ctr"/>
-            <a:lstStyle/>
-            <a:p>
-              <a:endParaRPr lang="vi-VN" dirty="0"/>
-            </a:p>
-          </p:txBody>
-        </p:sp>
-        <p:sp>
-          <p:nvSpPr>
-            <p:cNvPr id="66" name="TextBox 65">
-              <a:extLst>
-                <a:ext uri="{FF2B5EF4-FFF2-40B4-BE49-F238E27FC236}">
-                  <a16:creationId xmlns:a16="http://schemas.microsoft.com/office/drawing/2014/main" id="{9C4B2645-19FD-4156-84B6-372196511003}"/>
-                </a:ext>
-              </a:extLst>
-            </p:cNvPr>
-            <p:cNvSpPr txBox="1"/>
-            <p:nvPr/>
-          </p:nvSpPr>
-          <p:spPr>
-            <a:xfrm>
-              <a:off x="1145268" y="2251754"/>
-              <a:ext cx="2664732" cy="400110"/>
-            </a:xfrm>
-            <a:prstGeom prst="rect">
-              <a:avLst/>
-            </a:prstGeom>
-            <a:noFill/>
-          </p:spPr>
-          <p:txBody>
-            <a:bodyPr wrap="square" rtlCol="0" anchor="ctr">
-              <a:spAutoFit/>
-            </a:bodyPr>
-            <a:lstStyle/>
-            <a:p>
-              <a:r>
-                <a:rPr lang="en-US" sz="2000" b="1" dirty="0">
-                  <a:solidFill>
-                    <a:srgbClr val="FF0000"/>
-                  </a:solidFill>
-                  <a:latin typeface="Questrial" panose="020B0604020202020204" charset="0"/>
-                </a:rPr>
-                <a:t>Xem tất cả sản phầm</a:t>
-              </a:r>
-              <a:endParaRPr lang="vi-VN" sz="2000" b="1" dirty="0">
-                <a:solidFill>
-                  <a:srgbClr val="FF0000"/>
-                </a:solidFill>
-                <a:latin typeface="Questrial" panose="020B0604020202020204" charset="0"/>
-              </a:endParaRPr>
-            </a:p>
-          </p:txBody>
-        </p:sp>
-        <p:sp>
-          <p:nvSpPr>
-            <p:cNvPr id="67" name="Isosceles Triangle 66">
-              <a:extLst>
-                <a:ext uri="{FF2B5EF4-FFF2-40B4-BE49-F238E27FC236}">
-                  <a16:creationId xmlns:a16="http://schemas.microsoft.com/office/drawing/2014/main" id="{13E71EC3-187B-4130-8187-12A156E843EF}"/>
-                </a:ext>
-              </a:extLst>
-            </p:cNvPr>
-            <p:cNvSpPr/>
-            <p:nvPr/>
-          </p:nvSpPr>
-          <p:spPr>
-            <a:xfrm>
-              <a:off x="921240" y="2394659"/>
-              <a:ext cx="132588" cy="114300"/>
-            </a:xfrm>
-            <a:prstGeom prst="triangle">
-              <a:avLst/>
-            </a:prstGeom>
-            <a:noFill/>
-            <a:ln>
-              <a:solidFill>
-                <a:srgbClr val="EA5458"/>
-              </a:solidFill>
-            </a:ln>
-          </p:spPr>
-          <p:style>
-            <a:lnRef idx="2">
-              <a:schemeClr val="accent1">
-                <a:shade val="50000"/>
-              </a:schemeClr>
-            </a:lnRef>
-            <a:fillRef idx="1">
-              <a:schemeClr val="accent1"/>
-            </a:fillRef>
-            <a:effectRef idx="0">
-              <a:schemeClr val="accent1"/>
-            </a:effectRef>
-            <a:fontRef idx="minor">
-              <a:schemeClr val="lt1"/>
-            </a:fontRef>
-          </p:style>
-          <p:txBody>
-            <a:bodyPr rtlCol="0" anchor="ctr"/>
-            <a:lstStyle/>
-            <a:p>
-              <a:pPr algn="ctr"/>
-              <a:endParaRPr lang="vi-VN"/>
-            </a:p>
-          </p:txBody>
-        </p:sp>
-        <p:cxnSp>
-          <p:nvCxnSpPr>
-            <p:cNvPr id="68" name="Connector: Elbow 67">
-              <a:extLst>
-                <a:ext uri="{FF2B5EF4-FFF2-40B4-BE49-F238E27FC236}">
-                  <a16:creationId xmlns:a16="http://schemas.microsoft.com/office/drawing/2014/main" id="{94C3A1F1-0AC2-466F-A332-856D11980BC8}"/>
-                </a:ext>
-              </a:extLst>
-            </p:cNvPr>
-            <p:cNvCxnSpPr>
-              <a:cxnSpLocks/>
-              <a:endCxn id="65" idx="1"/>
-            </p:cNvCxnSpPr>
-            <p:nvPr/>
-          </p:nvCxnSpPr>
-          <p:spPr>
-            <a:xfrm rot="16200000" flipH="1">
-              <a:off x="282629" y="1981606"/>
-              <a:ext cx="738198" cy="175538"/>
-            </a:xfrm>
-            <a:prstGeom prst="bentConnector2">
-              <a:avLst/>
-            </a:prstGeom>
-            <a:ln w="19050">
-              <a:solidFill>
-                <a:schemeClr val="bg1"/>
-              </a:solidFill>
-            </a:ln>
-          </p:spPr>
-          <p:style>
-            <a:lnRef idx="1">
-              <a:schemeClr val="accent1"/>
-            </a:lnRef>
-            <a:fillRef idx="0">
-              <a:schemeClr val="accent1"/>
-            </a:fillRef>
-            <a:effectRef idx="0">
-              <a:schemeClr val="accent1"/>
-            </a:effectRef>
-            <a:fontRef idx="minor">
-              <a:schemeClr val="tx1"/>
-            </a:fontRef>
-          </p:style>
-        </p:cxnSp>
-      </p:grpSp>
-      <p:grpSp>
-        <p:nvGrpSpPr>
-          <p:cNvPr id="39" name="Group 38">
-            <a:extLst>
-              <a:ext uri="{FF2B5EF4-FFF2-40B4-BE49-F238E27FC236}">
-                <a16:creationId xmlns:a16="http://schemas.microsoft.com/office/drawing/2014/main" id="{0C44E2A9-B517-4794-B661-1E7AB96E0AAC}"/>
-              </a:ext>
-            </a:extLst>
-          </p:cNvPr>
-          <p:cNvGrpSpPr/>
-          <p:nvPr/>
-        </p:nvGrpSpPr>
-        <p:grpSpPr>
-          <a:xfrm>
-            <a:off x="563959" y="3162468"/>
-            <a:ext cx="2322114" cy="1052598"/>
-            <a:chOff x="563959" y="1700276"/>
-            <a:chExt cx="2322114" cy="1052598"/>
-          </a:xfrm>
-        </p:grpSpPr>
-        <p:sp>
-          <p:nvSpPr>
-            <p:cNvPr id="41" name="Rectangle: Rounded Corners 40">
-              <a:extLst>
-                <a:ext uri="{FF2B5EF4-FFF2-40B4-BE49-F238E27FC236}">
-                  <a16:creationId xmlns:a16="http://schemas.microsoft.com/office/drawing/2014/main" id="{A4F5F844-2FE5-45C5-B064-014E1F2BDA6A}"/>
-                </a:ext>
-              </a:extLst>
-            </p:cNvPr>
-            <p:cNvSpPr/>
-            <p:nvPr/>
-          </p:nvSpPr>
-          <p:spPr>
-            <a:xfrm>
-              <a:off x="739497" y="2124074"/>
-              <a:ext cx="2146576" cy="628800"/>
-            </a:xfrm>
-            <a:prstGeom prst="roundRect">
-              <a:avLst>
-                <a:gd name="adj" fmla="val 50000"/>
-              </a:avLst>
-            </a:prstGeom>
-            <a:solidFill>
-              <a:srgbClr val="FEF2F0"/>
-            </a:solidFill>
-            <a:ln>
-              <a:noFill/>
-            </a:ln>
-          </p:spPr>
-          <p:style>
-            <a:lnRef idx="2">
-              <a:schemeClr val="accent1">
-                <a:shade val="50000"/>
-              </a:schemeClr>
-            </a:lnRef>
-            <a:fillRef idx="1">
-              <a:schemeClr val="accent1"/>
-            </a:fillRef>
-            <a:effectRef idx="0">
-              <a:schemeClr val="accent1"/>
-            </a:effectRef>
-            <a:fontRef idx="minor">
-              <a:schemeClr val="lt1"/>
-            </a:fontRef>
-          </p:style>
-          <p:txBody>
-            <a:bodyPr rtlCol="0" anchor="ctr"/>
-            <a:lstStyle/>
-            <a:p>
-              <a:endParaRPr lang="vi-VN" dirty="0"/>
-            </a:p>
-          </p:txBody>
-        </p:sp>
-        <p:sp>
-          <p:nvSpPr>
-            <p:cNvPr id="42" name="TextBox 41">
-              <a:extLst>
-                <a:ext uri="{FF2B5EF4-FFF2-40B4-BE49-F238E27FC236}">
-                  <a16:creationId xmlns:a16="http://schemas.microsoft.com/office/drawing/2014/main" id="{9D3D0989-652C-45C3-825A-B225EBAE08C0}"/>
-                </a:ext>
-              </a:extLst>
-            </p:cNvPr>
-            <p:cNvSpPr txBox="1"/>
-            <p:nvPr/>
-          </p:nvSpPr>
-          <p:spPr>
-            <a:xfrm>
-              <a:off x="1145268" y="2251754"/>
-              <a:ext cx="1474107" cy="400110"/>
-            </a:xfrm>
-            <a:prstGeom prst="rect">
-              <a:avLst/>
-            </a:prstGeom>
-            <a:noFill/>
-          </p:spPr>
-          <p:txBody>
-            <a:bodyPr wrap="square" rtlCol="0" anchor="ctr">
-              <a:spAutoFit/>
-            </a:bodyPr>
-            <a:lstStyle/>
-            <a:p>
-              <a:r>
-                <a:rPr lang="en-US" sz="2000" b="1" dirty="0">
-                  <a:solidFill>
-                    <a:srgbClr val="FF0000"/>
-                  </a:solidFill>
-                  <a:latin typeface="Questrial" panose="020B0604020202020204" charset="0"/>
-                </a:rPr>
-                <a:t>Tìm kiếm</a:t>
-              </a:r>
-              <a:endParaRPr lang="vi-VN" sz="2000" b="1" dirty="0">
-                <a:solidFill>
-                  <a:srgbClr val="FF0000"/>
-                </a:solidFill>
-                <a:latin typeface="Questrial" panose="020B0604020202020204" charset="0"/>
-              </a:endParaRPr>
-            </a:p>
-          </p:txBody>
-        </p:sp>
-        <p:sp>
-          <p:nvSpPr>
-            <p:cNvPr id="43" name="Isosceles Triangle 42">
-              <a:extLst>
-                <a:ext uri="{FF2B5EF4-FFF2-40B4-BE49-F238E27FC236}">
-                  <a16:creationId xmlns:a16="http://schemas.microsoft.com/office/drawing/2014/main" id="{1F6AA1D1-4B09-46EA-84EB-98704DD1BAA9}"/>
-                </a:ext>
-              </a:extLst>
-            </p:cNvPr>
-            <p:cNvSpPr/>
-            <p:nvPr/>
-          </p:nvSpPr>
-          <p:spPr>
-            <a:xfrm>
-              <a:off x="921240" y="2394659"/>
-              <a:ext cx="132588" cy="114300"/>
-            </a:xfrm>
-            <a:prstGeom prst="triangle">
-              <a:avLst/>
-            </a:prstGeom>
-            <a:noFill/>
-            <a:ln>
-              <a:solidFill>
-                <a:srgbClr val="EA5458"/>
-              </a:solidFill>
-            </a:ln>
-          </p:spPr>
-          <p:style>
-            <a:lnRef idx="2">
-              <a:schemeClr val="accent1">
-                <a:shade val="50000"/>
-              </a:schemeClr>
-            </a:lnRef>
-            <a:fillRef idx="1">
-              <a:schemeClr val="accent1"/>
-            </a:fillRef>
-            <a:effectRef idx="0">
-              <a:schemeClr val="accent1"/>
-            </a:effectRef>
-            <a:fontRef idx="minor">
-              <a:schemeClr val="lt1"/>
-            </a:fontRef>
-          </p:style>
-          <p:txBody>
-            <a:bodyPr rtlCol="0" anchor="ctr"/>
-            <a:lstStyle/>
-            <a:p>
-              <a:pPr algn="ctr"/>
-              <a:endParaRPr lang="vi-VN"/>
-            </a:p>
-          </p:txBody>
-        </p:sp>
-        <p:cxnSp>
-          <p:nvCxnSpPr>
-            <p:cNvPr id="44" name="Connector: Elbow 43">
-              <a:extLst>
-                <a:ext uri="{FF2B5EF4-FFF2-40B4-BE49-F238E27FC236}">
-                  <a16:creationId xmlns:a16="http://schemas.microsoft.com/office/drawing/2014/main" id="{17C2025F-0CEB-416F-973A-3CB2B8C51EDC}"/>
-                </a:ext>
-              </a:extLst>
-            </p:cNvPr>
-            <p:cNvCxnSpPr>
-              <a:cxnSpLocks/>
-              <a:endCxn id="41" idx="1"/>
-            </p:cNvCxnSpPr>
-            <p:nvPr/>
-          </p:nvCxnSpPr>
-          <p:spPr>
-            <a:xfrm rot="16200000" flipH="1">
-              <a:off x="282629" y="1981606"/>
-              <a:ext cx="738198" cy="175538"/>
-            </a:xfrm>
-            <a:prstGeom prst="bentConnector2">
-              <a:avLst/>
-            </a:prstGeom>
-            <a:ln w="19050">
-              <a:solidFill>
-                <a:schemeClr val="bg1"/>
-              </a:solidFill>
-            </a:ln>
-          </p:spPr>
-          <p:style>
-            <a:lnRef idx="1">
-              <a:schemeClr val="accent1"/>
-            </a:lnRef>
-            <a:fillRef idx="0">
-              <a:schemeClr val="accent1"/>
-            </a:fillRef>
-            <a:effectRef idx="0">
-              <a:schemeClr val="accent1"/>
-            </a:effectRef>
-            <a:fontRef idx="minor">
-              <a:schemeClr val="tx1"/>
-            </a:fontRef>
-          </p:style>
-        </p:cxnSp>
-      </p:grpSp>
-      <p:grpSp>
-        <p:nvGrpSpPr>
           <p:cNvPr id="45" name="Group 44">
             <a:extLst>
               <a:ext uri="{FF2B5EF4-FFF2-40B4-BE49-F238E27FC236}">
@@ -34510,7 +34320,7 @@
         </p:nvGrpSpPr>
         <p:grpSpPr>
           <a:xfrm>
-            <a:off x="563959" y="3895434"/>
+            <a:off x="563962" y="1717430"/>
             <a:ext cx="2322114" cy="1052598"/>
             <a:chOff x="563959" y="1700276"/>
             <a:chExt cx="2322114" cy="1052598"/>
@@ -34604,7 +34414,7 @@
                   </a:solidFill>
                   <a:latin typeface="Questrial" panose="020B0604020202020204" charset="0"/>
                 </a:rPr>
-                <a:t>Đánh giá</a:t>
+                <a:t>Đặt hàng</a:t>
               </a:r>
               <a:endParaRPr lang="vi-VN" sz="2000" b="1" dirty="0">
                 <a:solidFill>
@@ -34679,6 +34489,222 @@
             <p:cNvCxnSpPr>
               <a:cxnSpLocks/>
               <a:endCxn id="46" idx="1"/>
+            </p:cNvCxnSpPr>
+            <p:nvPr/>
+          </p:nvCxnSpPr>
+          <p:spPr>
+            <a:xfrm rot="16200000" flipH="1">
+              <a:off x="282629" y="1981606"/>
+              <a:ext cx="738198" cy="175538"/>
+            </a:xfrm>
+            <a:prstGeom prst="bentConnector2">
+              <a:avLst/>
+            </a:prstGeom>
+            <a:ln w="19050">
+              <a:solidFill>
+                <a:schemeClr val="bg1"/>
+              </a:solidFill>
+            </a:ln>
+          </p:spPr>
+          <p:style>
+            <a:lnRef idx="1">
+              <a:schemeClr val="accent1"/>
+            </a:lnRef>
+            <a:fillRef idx="0">
+              <a:schemeClr val="accent1"/>
+            </a:fillRef>
+            <a:effectRef idx="0">
+              <a:schemeClr val="accent1"/>
+            </a:effectRef>
+            <a:fontRef idx="minor">
+              <a:schemeClr val="tx1"/>
+            </a:fontRef>
+          </p:style>
+        </p:cxnSp>
+      </p:grpSp>
+      <p:grpSp>
+        <p:nvGrpSpPr>
+          <p:cNvPr id="36" name="Group 35">
+            <a:extLst>
+              <a:ext uri="{FF2B5EF4-FFF2-40B4-BE49-F238E27FC236}">
+                <a16:creationId xmlns:a16="http://schemas.microsoft.com/office/drawing/2014/main" id="{8AAF3942-5704-48A2-8C25-925A46C89E99}"/>
+              </a:ext>
+            </a:extLst>
+          </p:cNvPr>
+          <p:cNvGrpSpPr/>
+          <p:nvPr/>
+        </p:nvGrpSpPr>
+        <p:grpSpPr>
+          <a:xfrm>
+            <a:off x="563962" y="2468113"/>
+            <a:ext cx="2322114" cy="1052598"/>
+            <a:chOff x="563959" y="1700276"/>
+            <a:chExt cx="2322114" cy="1052598"/>
+          </a:xfrm>
+        </p:grpSpPr>
+        <p:sp>
+          <p:nvSpPr>
+            <p:cNvPr id="37" name="Rectangle: Rounded Corners 36">
+              <a:extLst>
+                <a:ext uri="{FF2B5EF4-FFF2-40B4-BE49-F238E27FC236}">
+                  <a16:creationId xmlns:a16="http://schemas.microsoft.com/office/drawing/2014/main" id="{8C768B6B-D8F1-4B6E-9FF0-7317C5642016}"/>
+                </a:ext>
+              </a:extLst>
+            </p:cNvPr>
+            <p:cNvSpPr/>
+            <p:nvPr/>
+          </p:nvSpPr>
+          <p:spPr>
+            <a:xfrm>
+              <a:off x="739497" y="2124074"/>
+              <a:ext cx="2146576" cy="628800"/>
+            </a:xfrm>
+            <a:prstGeom prst="roundRect">
+              <a:avLst>
+                <a:gd name="adj" fmla="val 50000"/>
+              </a:avLst>
+            </a:prstGeom>
+            <a:solidFill>
+              <a:srgbClr val="FEF2F0"/>
+            </a:solidFill>
+            <a:ln>
+              <a:noFill/>
+            </a:ln>
+          </p:spPr>
+          <p:style>
+            <a:lnRef idx="2">
+              <a:schemeClr val="accent1">
+                <a:shade val="50000"/>
+              </a:schemeClr>
+            </a:lnRef>
+            <a:fillRef idx="1">
+              <a:schemeClr val="accent1"/>
+            </a:fillRef>
+            <a:effectRef idx="0">
+              <a:schemeClr val="accent1"/>
+            </a:effectRef>
+            <a:fontRef idx="minor">
+              <a:schemeClr val="lt1"/>
+            </a:fontRef>
+          </p:style>
+          <p:txBody>
+            <a:bodyPr rtlCol="0" anchor="ctr"/>
+            <a:lstStyle/>
+            <a:p>
+              <a:endParaRPr lang="vi-VN" dirty="0"/>
+            </a:p>
+          </p:txBody>
+        </p:sp>
+        <p:sp>
+          <p:nvSpPr>
+            <p:cNvPr id="51" name="TextBox 50">
+              <a:extLst>
+                <a:ext uri="{FF2B5EF4-FFF2-40B4-BE49-F238E27FC236}">
+                  <a16:creationId xmlns:a16="http://schemas.microsoft.com/office/drawing/2014/main" id="{0F0732CF-08A1-44D3-BC9F-76BAF40D2684}"/>
+                </a:ext>
+              </a:extLst>
+            </p:cNvPr>
+            <p:cNvSpPr txBox="1"/>
+            <p:nvPr/>
+          </p:nvSpPr>
+          <p:spPr>
+            <a:xfrm>
+              <a:off x="1145268" y="2251754"/>
+              <a:ext cx="1474107" cy="400110"/>
+            </a:xfrm>
+            <a:prstGeom prst="rect">
+              <a:avLst/>
+            </a:prstGeom>
+            <a:noFill/>
+          </p:spPr>
+          <p:txBody>
+            <a:bodyPr wrap="square" rtlCol="0" anchor="ctr">
+              <a:spAutoFit/>
+            </a:bodyPr>
+            <a:lstStyle/>
+            <a:p>
+              <a:r>
+                <a:rPr lang="en-US" sz="2000" b="1" dirty="0">
+                  <a:solidFill>
+                    <a:srgbClr val="FF0000"/>
+                  </a:solidFill>
+                  <a:latin typeface="Questrial" panose="020B0604020202020204" charset="0"/>
+                </a:rPr>
+                <a:t>Đánh giá</a:t>
+              </a:r>
+              <a:endParaRPr lang="vi-VN" sz="2000" b="1" dirty="0">
+                <a:solidFill>
+                  <a:srgbClr val="FF0000"/>
+                </a:solidFill>
+                <a:latin typeface="Questrial" panose="020B0604020202020204" charset="0"/>
+              </a:endParaRPr>
+            </a:p>
+          </p:txBody>
+        </p:sp>
+        <p:sp>
+          <p:nvSpPr>
+            <p:cNvPr id="52" name="Isosceles Triangle 51">
+              <a:extLst>
+                <a:ext uri="{FF2B5EF4-FFF2-40B4-BE49-F238E27FC236}">
+                  <a16:creationId xmlns:a16="http://schemas.microsoft.com/office/drawing/2014/main" id="{C2C5FC80-84D2-49A5-A209-5CFCBD27050B}"/>
+                </a:ext>
+              </a:extLst>
+            </p:cNvPr>
+            <p:cNvSpPr/>
+            <p:nvPr/>
+          </p:nvSpPr>
+          <p:spPr>
+            <a:xfrm>
+              <a:off x="921240" y="2394659"/>
+              <a:ext cx="132588" cy="114300"/>
+            </a:xfrm>
+            <a:prstGeom prst="triangle">
+              <a:avLst/>
+            </a:prstGeom>
+            <a:noFill/>
+            <a:ln>
+              <a:solidFill>
+                <a:srgbClr val="EA5458"/>
+              </a:solidFill>
+            </a:ln>
+          </p:spPr>
+          <p:style>
+            <a:lnRef idx="2">
+              <a:schemeClr val="accent1">
+                <a:shade val="50000"/>
+              </a:schemeClr>
+            </a:lnRef>
+            <a:fillRef idx="1">
+              <a:schemeClr val="accent1"/>
+            </a:fillRef>
+            <a:effectRef idx="0">
+              <a:schemeClr val="accent1"/>
+            </a:effectRef>
+            <a:fontRef idx="minor">
+              <a:schemeClr val="lt1"/>
+            </a:fontRef>
+          </p:style>
+          <p:txBody>
+            <a:bodyPr rtlCol="0" anchor="ctr"/>
+            <a:lstStyle/>
+            <a:p>
+              <a:pPr algn="ctr"/>
+              <a:endParaRPr lang="vi-VN"/>
+            </a:p>
+          </p:txBody>
+        </p:sp>
+        <p:cxnSp>
+          <p:nvCxnSpPr>
+            <p:cNvPr id="53" name="Connector: Elbow 52">
+              <a:extLst>
+                <a:ext uri="{FF2B5EF4-FFF2-40B4-BE49-F238E27FC236}">
+                  <a16:creationId xmlns:a16="http://schemas.microsoft.com/office/drawing/2014/main" id="{9B23556D-7084-4174-A23B-12D831E02AAC}"/>
+                </a:ext>
+              </a:extLst>
+            </p:cNvPr>
+            <p:cNvCxnSpPr>
+              <a:cxnSpLocks/>
+              <a:endCxn id="37" idx="1"/>
             </p:cNvCxnSpPr>
             <p:nvPr/>
           </p:nvCxnSpPr>
@@ -36350,1046 +36376,6 @@
       </p:sp>
       <p:grpSp>
         <p:nvGrpSpPr>
-          <p:cNvPr id="9" name="Group 8">
-            <a:extLst>
-              <a:ext uri="{FF2B5EF4-FFF2-40B4-BE49-F238E27FC236}">
-                <a16:creationId xmlns:a16="http://schemas.microsoft.com/office/drawing/2014/main" id="{EB95D6B1-49ED-447A-BB7A-4F2961BDF853}"/>
-              </a:ext>
-            </a:extLst>
-          </p:cNvPr>
-          <p:cNvGrpSpPr/>
-          <p:nvPr/>
-        </p:nvGrpSpPr>
-        <p:grpSpPr>
-          <a:xfrm>
-            <a:off x="280116" y="505553"/>
-            <a:ext cx="8711484" cy="628800"/>
-            <a:chOff x="671512" y="2257350"/>
-            <a:chExt cx="8711484" cy="628800"/>
-          </a:xfrm>
-        </p:grpSpPr>
-        <p:sp>
-          <p:nvSpPr>
-            <p:cNvPr id="23" name="Rectangle: Rounded Corners 22">
-              <a:extLst>
-                <a:ext uri="{FF2B5EF4-FFF2-40B4-BE49-F238E27FC236}">
-                  <a16:creationId xmlns:a16="http://schemas.microsoft.com/office/drawing/2014/main" id="{9D2C9CE3-6968-478A-9169-B6185ECC9507}"/>
-                </a:ext>
-              </a:extLst>
-            </p:cNvPr>
-            <p:cNvSpPr/>
-            <p:nvPr/>
-          </p:nvSpPr>
-          <p:spPr>
-            <a:xfrm>
-              <a:off x="671512" y="2257350"/>
-              <a:ext cx="8711484" cy="628800"/>
-            </a:xfrm>
-            <a:prstGeom prst="roundRect">
-              <a:avLst>
-                <a:gd name="adj" fmla="val 50000"/>
-              </a:avLst>
-            </a:prstGeom>
-            <a:solidFill>
-              <a:srgbClr val="FEF2F0"/>
-            </a:solidFill>
-            <a:ln>
-              <a:noFill/>
-            </a:ln>
-          </p:spPr>
-          <p:style>
-            <a:lnRef idx="2">
-              <a:schemeClr val="accent1">
-                <a:shade val="50000"/>
-              </a:schemeClr>
-            </a:lnRef>
-            <a:fillRef idx="1">
-              <a:schemeClr val="accent1"/>
-            </a:fillRef>
-            <a:effectRef idx="0">
-              <a:schemeClr val="accent1"/>
-            </a:effectRef>
-            <a:fontRef idx="minor">
-              <a:schemeClr val="lt1"/>
-            </a:fontRef>
-          </p:style>
-          <p:txBody>
-            <a:bodyPr rtlCol="0" anchor="ctr"/>
-            <a:lstStyle/>
-            <a:p>
-              <a:endParaRPr lang="vi-VN" dirty="0"/>
-            </a:p>
-          </p:txBody>
-        </p:sp>
-        <p:sp>
-          <p:nvSpPr>
-            <p:cNvPr id="24" name="Oval 23">
-              <a:extLst>
-                <a:ext uri="{FF2B5EF4-FFF2-40B4-BE49-F238E27FC236}">
-                  <a16:creationId xmlns:a16="http://schemas.microsoft.com/office/drawing/2014/main" id="{997B2505-9A6B-4CD4-AB8C-246AA3F72339}"/>
-                </a:ext>
-              </a:extLst>
-            </p:cNvPr>
-            <p:cNvSpPr/>
-            <p:nvPr/>
-          </p:nvSpPr>
-          <p:spPr>
-            <a:xfrm>
-              <a:off x="896303" y="2526030"/>
-              <a:ext cx="118110" cy="118110"/>
-            </a:xfrm>
-            <a:prstGeom prst="ellipse">
-              <a:avLst/>
-            </a:prstGeom>
-            <a:noFill/>
-            <a:ln>
-              <a:solidFill>
-                <a:srgbClr val="EA5458"/>
-              </a:solidFill>
-            </a:ln>
-          </p:spPr>
-          <p:style>
-            <a:lnRef idx="2">
-              <a:schemeClr val="accent1">
-                <a:shade val="50000"/>
-              </a:schemeClr>
-            </a:lnRef>
-            <a:fillRef idx="1">
-              <a:schemeClr val="accent1"/>
-            </a:fillRef>
-            <a:effectRef idx="0">
-              <a:schemeClr val="accent1"/>
-            </a:effectRef>
-            <a:fontRef idx="minor">
-              <a:schemeClr val="lt1"/>
-            </a:fontRef>
-          </p:style>
-          <p:txBody>
-            <a:bodyPr rtlCol="0" anchor="ctr"/>
-            <a:lstStyle/>
-            <a:p>
-              <a:pPr algn="ctr"/>
-              <a:endParaRPr lang="vi-VN" dirty="0"/>
-            </a:p>
-          </p:txBody>
-        </p:sp>
-        <p:sp>
-          <p:nvSpPr>
-            <p:cNvPr id="5" name="TextBox 4">
-              <a:extLst>
-                <a:ext uri="{FF2B5EF4-FFF2-40B4-BE49-F238E27FC236}">
-                  <a16:creationId xmlns:a16="http://schemas.microsoft.com/office/drawing/2014/main" id="{5597C026-6509-444B-A6A1-DBC543961234}"/>
-                </a:ext>
-              </a:extLst>
-            </p:cNvPr>
-            <p:cNvSpPr txBox="1"/>
-            <p:nvPr/>
-          </p:nvSpPr>
-          <p:spPr>
-            <a:xfrm>
-              <a:off x="1090612" y="2385030"/>
-              <a:ext cx="3852864" cy="400110"/>
-            </a:xfrm>
-            <a:prstGeom prst="rect">
-              <a:avLst/>
-            </a:prstGeom>
-            <a:noFill/>
-          </p:spPr>
-          <p:txBody>
-            <a:bodyPr wrap="square" rtlCol="0" anchor="ctr">
-              <a:spAutoFit/>
-            </a:bodyPr>
-            <a:lstStyle/>
-            <a:p>
-              <a:r>
-                <a:rPr lang="en-US" sz="2000" b="1" dirty="0">
-                  <a:solidFill>
-                    <a:srgbClr val="FF0000"/>
-                  </a:solidFill>
-                  <a:latin typeface="Questrial" panose="020B0604020202020204" charset="0"/>
-                </a:rPr>
-                <a:t>Quản lí</a:t>
-              </a:r>
-              <a:endParaRPr lang="vi-VN" sz="2000" b="1" dirty="0">
-                <a:solidFill>
-                  <a:srgbClr val="FF0000"/>
-                </a:solidFill>
-                <a:latin typeface="Questrial" panose="020B0604020202020204" charset="0"/>
-              </a:endParaRPr>
-            </a:p>
-          </p:txBody>
-        </p:sp>
-      </p:grpSp>
-      <p:grpSp>
-        <p:nvGrpSpPr>
-          <p:cNvPr id="39" name="Group 38">
-            <a:extLst>
-              <a:ext uri="{FF2B5EF4-FFF2-40B4-BE49-F238E27FC236}">
-                <a16:creationId xmlns:a16="http://schemas.microsoft.com/office/drawing/2014/main" id="{0C44E2A9-B517-4794-B661-1E7AB96E0AAC}"/>
-              </a:ext>
-            </a:extLst>
-          </p:cNvPr>
-          <p:cNvGrpSpPr/>
-          <p:nvPr/>
-        </p:nvGrpSpPr>
-        <p:grpSpPr>
-          <a:xfrm>
-            <a:off x="563957" y="1705542"/>
-            <a:ext cx="2645966" cy="1052598"/>
-            <a:chOff x="563959" y="1700276"/>
-            <a:chExt cx="2645966" cy="1052598"/>
-          </a:xfrm>
-        </p:grpSpPr>
-        <p:sp>
-          <p:nvSpPr>
-            <p:cNvPr id="41" name="Rectangle: Rounded Corners 40">
-              <a:extLst>
-                <a:ext uri="{FF2B5EF4-FFF2-40B4-BE49-F238E27FC236}">
-                  <a16:creationId xmlns:a16="http://schemas.microsoft.com/office/drawing/2014/main" id="{A4F5F844-2FE5-45C5-B064-014E1F2BDA6A}"/>
-                </a:ext>
-              </a:extLst>
-            </p:cNvPr>
-            <p:cNvSpPr/>
-            <p:nvPr/>
-          </p:nvSpPr>
-          <p:spPr>
-            <a:xfrm>
-              <a:off x="739497" y="2124074"/>
-              <a:ext cx="2388876" cy="628800"/>
-            </a:xfrm>
-            <a:prstGeom prst="roundRect">
-              <a:avLst>
-                <a:gd name="adj" fmla="val 50000"/>
-              </a:avLst>
-            </a:prstGeom>
-            <a:solidFill>
-              <a:srgbClr val="FEF2F0"/>
-            </a:solidFill>
-            <a:ln>
-              <a:noFill/>
-            </a:ln>
-          </p:spPr>
-          <p:style>
-            <a:lnRef idx="2">
-              <a:schemeClr val="accent1">
-                <a:shade val="50000"/>
-              </a:schemeClr>
-            </a:lnRef>
-            <a:fillRef idx="1">
-              <a:schemeClr val="accent1"/>
-            </a:fillRef>
-            <a:effectRef idx="0">
-              <a:schemeClr val="accent1"/>
-            </a:effectRef>
-            <a:fontRef idx="minor">
-              <a:schemeClr val="lt1"/>
-            </a:fontRef>
-          </p:style>
-          <p:txBody>
-            <a:bodyPr rtlCol="0" anchor="ctr"/>
-            <a:lstStyle/>
-            <a:p>
-              <a:endParaRPr lang="vi-VN" dirty="0"/>
-            </a:p>
-          </p:txBody>
-        </p:sp>
-        <p:sp>
-          <p:nvSpPr>
-            <p:cNvPr id="42" name="TextBox 41">
-              <a:extLst>
-                <a:ext uri="{FF2B5EF4-FFF2-40B4-BE49-F238E27FC236}">
-                  <a16:creationId xmlns:a16="http://schemas.microsoft.com/office/drawing/2014/main" id="{9D3D0989-652C-45C3-825A-B225EBAE08C0}"/>
-                </a:ext>
-              </a:extLst>
-            </p:cNvPr>
-            <p:cNvSpPr txBox="1"/>
-            <p:nvPr/>
-          </p:nvSpPr>
-          <p:spPr>
-            <a:xfrm>
-              <a:off x="1145268" y="2251754"/>
-              <a:ext cx="2064657" cy="400110"/>
-            </a:xfrm>
-            <a:prstGeom prst="rect">
-              <a:avLst/>
-            </a:prstGeom>
-            <a:noFill/>
-          </p:spPr>
-          <p:txBody>
-            <a:bodyPr wrap="square" rtlCol="0" anchor="ctr">
-              <a:spAutoFit/>
-            </a:bodyPr>
-            <a:lstStyle/>
-            <a:p>
-              <a:r>
-                <a:rPr lang="en-US" sz="2000" b="1" dirty="0">
-                  <a:solidFill>
-                    <a:srgbClr val="FF0000"/>
-                  </a:solidFill>
-                  <a:latin typeface="Questrial" panose="020B0604020202020204" charset="0"/>
-                </a:rPr>
-                <a:t>Xem tổng quan</a:t>
-              </a:r>
-              <a:endParaRPr lang="vi-VN" sz="2000" b="1" dirty="0">
-                <a:solidFill>
-                  <a:srgbClr val="FF0000"/>
-                </a:solidFill>
-                <a:latin typeface="Questrial" panose="020B0604020202020204" charset="0"/>
-              </a:endParaRPr>
-            </a:p>
-          </p:txBody>
-        </p:sp>
-        <p:sp>
-          <p:nvSpPr>
-            <p:cNvPr id="43" name="Isosceles Triangle 42">
-              <a:extLst>
-                <a:ext uri="{FF2B5EF4-FFF2-40B4-BE49-F238E27FC236}">
-                  <a16:creationId xmlns:a16="http://schemas.microsoft.com/office/drawing/2014/main" id="{1F6AA1D1-4B09-46EA-84EB-98704DD1BAA9}"/>
-                </a:ext>
-              </a:extLst>
-            </p:cNvPr>
-            <p:cNvSpPr/>
-            <p:nvPr/>
-          </p:nvSpPr>
-          <p:spPr>
-            <a:xfrm>
-              <a:off x="921240" y="2394659"/>
-              <a:ext cx="132588" cy="114300"/>
-            </a:xfrm>
-            <a:prstGeom prst="triangle">
-              <a:avLst/>
-            </a:prstGeom>
-            <a:noFill/>
-            <a:ln>
-              <a:solidFill>
-                <a:srgbClr val="EA5458"/>
-              </a:solidFill>
-            </a:ln>
-          </p:spPr>
-          <p:style>
-            <a:lnRef idx="2">
-              <a:schemeClr val="accent1">
-                <a:shade val="50000"/>
-              </a:schemeClr>
-            </a:lnRef>
-            <a:fillRef idx="1">
-              <a:schemeClr val="accent1"/>
-            </a:fillRef>
-            <a:effectRef idx="0">
-              <a:schemeClr val="accent1"/>
-            </a:effectRef>
-            <a:fontRef idx="minor">
-              <a:schemeClr val="lt1"/>
-            </a:fontRef>
-          </p:style>
-          <p:txBody>
-            <a:bodyPr rtlCol="0" anchor="ctr"/>
-            <a:lstStyle/>
-            <a:p>
-              <a:pPr algn="ctr"/>
-              <a:endParaRPr lang="vi-VN"/>
-            </a:p>
-          </p:txBody>
-        </p:sp>
-        <p:cxnSp>
-          <p:nvCxnSpPr>
-            <p:cNvPr id="44" name="Connector: Elbow 43">
-              <a:extLst>
-                <a:ext uri="{FF2B5EF4-FFF2-40B4-BE49-F238E27FC236}">
-                  <a16:creationId xmlns:a16="http://schemas.microsoft.com/office/drawing/2014/main" id="{17C2025F-0CEB-416F-973A-3CB2B8C51EDC}"/>
-                </a:ext>
-              </a:extLst>
-            </p:cNvPr>
-            <p:cNvCxnSpPr>
-              <a:cxnSpLocks/>
-              <a:endCxn id="41" idx="1"/>
-            </p:cNvCxnSpPr>
-            <p:nvPr/>
-          </p:nvCxnSpPr>
-          <p:spPr>
-            <a:xfrm rot="16200000" flipH="1">
-              <a:off x="282629" y="1981606"/>
-              <a:ext cx="738198" cy="175538"/>
-            </a:xfrm>
-            <a:prstGeom prst="bentConnector2">
-              <a:avLst/>
-            </a:prstGeom>
-            <a:ln w="19050">
-              <a:solidFill>
-                <a:schemeClr val="bg1"/>
-              </a:solidFill>
-            </a:ln>
-          </p:spPr>
-          <p:style>
-            <a:lnRef idx="1">
-              <a:schemeClr val="accent1"/>
-            </a:lnRef>
-            <a:fillRef idx="0">
-              <a:schemeClr val="accent1"/>
-            </a:fillRef>
-            <a:effectRef idx="0">
-              <a:schemeClr val="accent1"/>
-            </a:effectRef>
-            <a:fontRef idx="minor">
-              <a:schemeClr val="tx1"/>
-            </a:fontRef>
-          </p:style>
-        </p:cxnSp>
-      </p:grpSp>
-      <p:grpSp>
-        <p:nvGrpSpPr>
-          <p:cNvPr id="71" name="Group 70">
-            <a:extLst>
-              <a:ext uri="{FF2B5EF4-FFF2-40B4-BE49-F238E27FC236}">
-                <a16:creationId xmlns:a16="http://schemas.microsoft.com/office/drawing/2014/main" id="{8AC27716-77C8-43DE-872E-172ED6828EA5}"/>
-              </a:ext>
-            </a:extLst>
-          </p:cNvPr>
-          <p:cNvGrpSpPr/>
-          <p:nvPr/>
-        </p:nvGrpSpPr>
-        <p:grpSpPr>
-          <a:xfrm>
-            <a:off x="4749880" y="1374022"/>
-            <a:ext cx="3083479" cy="628800"/>
-            <a:chOff x="158185" y="2124074"/>
-            <a:chExt cx="3083479" cy="628800"/>
-          </a:xfrm>
-        </p:grpSpPr>
-        <p:sp>
-          <p:nvSpPr>
-            <p:cNvPr id="72" name="Rectangle: Rounded Corners 71">
-              <a:extLst>
-                <a:ext uri="{FF2B5EF4-FFF2-40B4-BE49-F238E27FC236}">
-                  <a16:creationId xmlns:a16="http://schemas.microsoft.com/office/drawing/2014/main" id="{B325BB81-F489-4FD2-9A1A-4B406E9B2DBF}"/>
-                </a:ext>
-              </a:extLst>
-            </p:cNvPr>
-            <p:cNvSpPr/>
-            <p:nvPr/>
-          </p:nvSpPr>
-          <p:spPr>
-            <a:xfrm>
-              <a:off x="739497" y="2124074"/>
-              <a:ext cx="2502167" cy="628800"/>
-            </a:xfrm>
-            <a:prstGeom prst="roundRect">
-              <a:avLst>
-                <a:gd name="adj" fmla="val 50000"/>
-              </a:avLst>
-            </a:prstGeom>
-            <a:solidFill>
-              <a:srgbClr val="FEF2F0"/>
-            </a:solidFill>
-            <a:ln>
-              <a:noFill/>
-            </a:ln>
-          </p:spPr>
-          <p:style>
-            <a:lnRef idx="2">
-              <a:schemeClr val="accent1">
-                <a:shade val="50000"/>
-              </a:schemeClr>
-            </a:lnRef>
-            <a:fillRef idx="1">
-              <a:schemeClr val="accent1"/>
-            </a:fillRef>
-            <a:effectRef idx="0">
-              <a:schemeClr val="accent1"/>
-            </a:effectRef>
-            <a:fontRef idx="minor">
-              <a:schemeClr val="lt1"/>
-            </a:fontRef>
-          </p:style>
-          <p:txBody>
-            <a:bodyPr rtlCol="0" anchor="ctr"/>
-            <a:lstStyle/>
-            <a:p>
-              <a:endParaRPr lang="vi-VN" dirty="0"/>
-            </a:p>
-          </p:txBody>
-        </p:sp>
-        <p:sp>
-          <p:nvSpPr>
-            <p:cNvPr id="73" name="TextBox 72">
-              <a:extLst>
-                <a:ext uri="{FF2B5EF4-FFF2-40B4-BE49-F238E27FC236}">
-                  <a16:creationId xmlns:a16="http://schemas.microsoft.com/office/drawing/2014/main" id="{9A24F2AB-7E5E-4679-818F-4C1A56A6EC42}"/>
-                </a:ext>
-              </a:extLst>
-            </p:cNvPr>
-            <p:cNvSpPr txBox="1"/>
-            <p:nvPr/>
-          </p:nvSpPr>
-          <p:spPr>
-            <a:xfrm>
-              <a:off x="1145267" y="2251754"/>
-              <a:ext cx="2096397" cy="400110"/>
-            </a:xfrm>
-            <a:prstGeom prst="rect">
-              <a:avLst/>
-            </a:prstGeom>
-            <a:noFill/>
-          </p:spPr>
-          <p:txBody>
-            <a:bodyPr wrap="square" rtlCol="0" anchor="ctr">
-              <a:spAutoFit/>
-            </a:bodyPr>
-            <a:lstStyle/>
-            <a:p>
-              <a:r>
-                <a:rPr lang="en-US" sz="2000" b="1" dirty="0">
-                  <a:solidFill>
-                    <a:srgbClr val="FF0000"/>
-                  </a:solidFill>
-                  <a:latin typeface="Questrial" panose="020B0604020202020204" charset="0"/>
-                </a:rPr>
-                <a:t>Đặt lại mật khẩu</a:t>
-              </a:r>
-              <a:endParaRPr lang="vi-VN" sz="2000" b="1" dirty="0">
-                <a:solidFill>
-                  <a:srgbClr val="FF0000"/>
-                </a:solidFill>
-                <a:latin typeface="Questrial" panose="020B0604020202020204" charset="0"/>
-              </a:endParaRPr>
-            </a:p>
-          </p:txBody>
-        </p:sp>
-        <p:sp>
-          <p:nvSpPr>
-            <p:cNvPr id="74" name="Isosceles Triangle 73">
-              <a:extLst>
-                <a:ext uri="{FF2B5EF4-FFF2-40B4-BE49-F238E27FC236}">
-                  <a16:creationId xmlns:a16="http://schemas.microsoft.com/office/drawing/2014/main" id="{F10EB847-2163-4EDA-AEFB-CFBCED78939A}"/>
-                </a:ext>
-              </a:extLst>
-            </p:cNvPr>
-            <p:cNvSpPr/>
-            <p:nvPr/>
-          </p:nvSpPr>
-          <p:spPr>
-            <a:xfrm>
-              <a:off x="921240" y="2394659"/>
-              <a:ext cx="132588" cy="114300"/>
-            </a:xfrm>
-            <a:prstGeom prst="triangle">
-              <a:avLst/>
-            </a:prstGeom>
-            <a:noFill/>
-            <a:ln>
-              <a:solidFill>
-                <a:srgbClr val="EA5458"/>
-              </a:solidFill>
-            </a:ln>
-          </p:spPr>
-          <p:style>
-            <a:lnRef idx="2">
-              <a:schemeClr val="accent1">
-                <a:shade val="50000"/>
-              </a:schemeClr>
-            </a:lnRef>
-            <a:fillRef idx="1">
-              <a:schemeClr val="accent1"/>
-            </a:fillRef>
-            <a:effectRef idx="0">
-              <a:schemeClr val="accent1"/>
-            </a:effectRef>
-            <a:fontRef idx="minor">
-              <a:schemeClr val="lt1"/>
-            </a:fontRef>
-          </p:style>
-          <p:txBody>
-            <a:bodyPr rtlCol="0" anchor="ctr"/>
-            <a:lstStyle/>
-            <a:p>
-              <a:pPr algn="ctr"/>
-              <a:endParaRPr lang="vi-VN"/>
-            </a:p>
-          </p:txBody>
-        </p:sp>
-        <p:cxnSp>
-          <p:nvCxnSpPr>
-            <p:cNvPr id="75" name="Connector: Elbow 74">
-              <a:extLst>
-                <a:ext uri="{FF2B5EF4-FFF2-40B4-BE49-F238E27FC236}">
-                  <a16:creationId xmlns:a16="http://schemas.microsoft.com/office/drawing/2014/main" id="{EAA7F6A4-A5DD-4E89-B337-106002F4B8BB}"/>
-                </a:ext>
-              </a:extLst>
-            </p:cNvPr>
-            <p:cNvCxnSpPr>
-              <a:cxnSpLocks/>
-              <a:endCxn id="72" idx="1"/>
-            </p:cNvCxnSpPr>
-            <p:nvPr/>
-          </p:nvCxnSpPr>
-          <p:spPr>
-            <a:xfrm>
-              <a:off x="158185" y="2430085"/>
-              <a:ext cx="581312" cy="8389"/>
-            </a:xfrm>
-            <a:prstGeom prst="bentConnector3">
-              <a:avLst>
-                <a:gd name="adj1" fmla="val 50000"/>
-              </a:avLst>
-            </a:prstGeom>
-            <a:ln w="19050">
-              <a:solidFill>
-                <a:schemeClr val="bg1"/>
-              </a:solidFill>
-            </a:ln>
-          </p:spPr>
-          <p:style>
-            <a:lnRef idx="1">
-              <a:schemeClr val="accent1"/>
-            </a:lnRef>
-            <a:fillRef idx="0">
-              <a:schemeClr val="accent1"/>
-            </a:fillRef>
-            <a:effectRef idx="0">
-              <a:schemeClr val="accent1"/>
-            </a:effectRef>
-            <a:fontRef idx="minor">
-              <a:schemeClr val="tx1"/>
-            </a:fontRef>
-          </p:style>
-        </p:cxnSp>
-      </p:grpSp>
-      <p:grpSp>
-        <p:nvGrpSpPr>
-          <p:cNvPr id="51" name="Group 50">
-            <a:extLst>
-              <a:ext uri="{FF2B5EF4-FFF2-40B4-BE49-F238E27FC236}">
-                <a16:creationId xmlns:a16="http://schemas.microsoft.com/office/drawing/2014/main" id="{A1DC9BBA-D1C5-4020-83A3-B53FAF166B96}"/>
-              </a:ext>
-            </a:extLst>
-          </p:cNvPr>
-          <p:cNvGrpSpPr/>
-          <p:nvPr/>
-        </p:nvGrpSpPr>
-        <p:grpSpPr>
-          <a:xfrm>
-            <a:off x="2547059" y="1394264"/>
-            <a:ext cx="2543101" cy="628800"/>
-            <a:chOff x="158185" y="2124074"/>
-            <a:chExt cx="2543101" cy="628800"/>
-          </a:xfrm>
-        </p:grpSpPr>
-        <p:sp>
-          <p:nvSpPr>
-            <p:cNvPr id="52" name="Rectangle: Rounded Corners 51">
-              <a:extLst>
-                <a:ext uri="{FF2B5EF4-FFF2-40B4-BE49-F238E27FC236}">
-                  <a16:creationId xmlns:a16="http://schemas.microsoft.com/office/drawing/2014/main" id="{0595F5FA-ED03-4BEB-BC29-D983911FC761}"/>
-                </a:ext>
-              </a:extLst>
-            </p:cNvPr>
-            <p:cNvSpPr/>
-            <p:nvPr/>
-          </p:nvSpPr>
-          <p:spPr>
-            <a:xfrm>
-              <a:off x="739497" y="2124074"/>
-              <a:ext cx="1961789" cy="628800"/>
-            </a:xfrm>
-            <a:prstGeom prst="roundRect">
-              <a:avLst>
-                <a:gd name="adj" fmla="val 50000"/>
-              </a:avLst>
-            </a:prstGeom>
-            <a:solidFill>
-              <a:srgbClr val="FEF2F0"/>
-            </a:solidFill>
-            <a:ln>
-              <a:noFill/>
-            </a:ln>
-          </p:spPr>
-          <p:style>
-            <a:lnRef idx="2">
-              <a:schemeClr val="accent1">
-                <a:shade val="50000"/>
-              </a:schemeClr>
-            </a:lnRef>
-            <a:fillRef idx="1">
-              <a:schemeClr val="accent1"/>
-            </a:fillRef>
-            <a:effectRef idx="0">
-              <a:schemeClr val="accent1"/>
-            </a:effectRef>
-            <a:fontRef idx="minor">
-              <a:schemeClr val="lt1"/>
-            </a:fontRef>
-          </p:style>
-          <p:txBody>
-            <a:bodyPr rtlCol="0" anchor="ctr"/>
-            <a:lstStyle/>
-            <a:p>
-              <a:endParaRPr lang="vi-VN" dirty="0"/>
-            </a:p>
-          </p:txBody>
-        </p:sp>
-        <p:sp>
-          <p:nvSpPr>
-            <p:cNvPr id="53" name="TextBox 52">
-              <a:extLst>
-                <a:ext uri="{FF2B5EF4-FFF2-40B4-BE49-F238E27FC236}">
-                  <a16:creationId xmlns:a16="http://schemas.microsoft.com/office/drawing/2014/main" id="{51F02FF3-D23F-42B7-BA15-DF3D3B4561AA}"/>
-                </a:ext>
-              </a:extLst>
-            </p:cNvPr>
-            <p:cNvSpPr txBox="1"/>
-            <p:nvPr/>
-          </p:nvSpPr>
-          <p:spPr>
-            <a:xfrm>
-              <a:off x="1145268" y="2251754"/>
-              <a:ext cx="1358254" cy="400110"/>
-            </a:xfrm>
-            <a:prstGeom prst="rect">
-              <a:avLst/>
-            </a:prstGeom>
-            <a:noFill/>
-          </p:spPr>
-          <p:txBody>
-            <a:bodyPr wrap="square" rtlCol="0" anchor="ctr">
-              <a:spAutoFit/>
-            </a:bodyPr>
-            <a:lstStyle/>
-            <a:p>
-              <a:r>
-                <a:rPr lang="en-US" sz="2000" b="1" dirty="0">
-                  <a:solidFill>
-                    <a:srgbClr val="FF0000"/>
-                  </a:solidFill>
-                  <a:latin typeface="Questrial" panose="020B0604020202020204" charset="0"/>
-                </a:rPr>
-                <a:t>Đăng xuất</a:t>
-              </a:r>
-              <a:endParaRPr lang="vi-VN" sz="2000" b="1" dirty="0">
-                <a:solidFill>
-                  <a:srgbClr val="FF0000"/>
-                </a:solidFill>
-                <a:latin typeface="Questrial" panose="020B0604020202020204" charset="0"/>
-              </a:endParaRPr>
-            </a:p>
-          </p:txBody>
-        </p:sp>
-        <p:sp>
-          <p:nvSpPr>
-            <p:cNvPr id="58" name="Isosceles Triangle 57">
-              <a:extLst>
-                <a:ext uri="{FF2B5EF4-FFF2-40B4-BE49-F238E27FC236}">
-                  <a16:creationId xmlns:a16="http://schemas.microsoft.com/office/drawing/2014/main" id="{11366179-C87B-44B1-A8CD-2652E926DECD}"/>
-                </a:ext>
-              </a:extLst>
-            </p:cNvPr>
-            <p:cNvSpPr/>
-            <p:nvPr/>
-          </p:nvSpPr>
-          <p:spPr>
-            <a:xfrm>
-              <a:off x="921240" y="2394659"/>
-              <a:ext cx="132588" cy="114300"/>
-            </a:xfrm>
-            <a:prstGeom prst="triangle">
-              <a:avLst/>
-            </a:prstGeom>
-            <a:noFill/>
-            <a:ln>
-              <a:solidFill>
-                <a:srgbClr val="EA5458"/>
-              </a:solidFill>
-            </a:ln>
-          </p:spPr>
-          <p:style>
-            <a:lnRef idx="2">
-              <a:schemeClr val="accent1">
-                <a:shade val="50000"/>
-              </a:schemeClr>
-            </a:lnRef>
-            <a:fillRef idx="1">
-              <a:schemeClr val="accent1"/>
-            </a:fillRef>
-            <a:effectRef idx="0">
-              <a:schemeClr val="accent1"/>
-            </a:effectRef>
-            <a:fontRef idx="minor">
-              <a:schemeClr val="lt1"/>
-            </a:fontRef>
-          </p:style>
-          <p:txBody>
-            <a:bodyPr rtlCol="0" anchor="ctr"/>
-            <a:lstStyle/>
-            <a:p>
-              <a:pPr algn="ctr"/>
-              <a:endParaRPr lang="vi-VN"/>
-            </a:p>
-          </p:txBody>
-        </p:sp>
-        <p:cxnSp>
-          <p:nvCxnSpPr>
-            <p:cNvPr id="59" name="Connector: Elbow 58">
-              <a:extLst>
-                <a:ext uri="{FF2B5EF4-FFF2-40B4-BE49-F238E27FC236}">
-                  <a16:creationId xmlns:a16="http://schemas.microsoft.com/office/drawing/2014/main" id="{A5FB5935-077D-4E4B-8949-41648F06DFD5}"/>
-                </a:ext>
-              </a:extLst>
-            </p:cNvPr>
-            <p:cNvCxnSpPr>
-              <a:cxnSpLocks/>
-              <a:endCxn id="52" idx="1"/>
-            </p:cNvCxnSpPr>
-            <p:nvPr/>
-          </p:nvCxnSpPr>
-          <p:spPr>
-            <a:xfrm>
-              <a:off x="158185" y="2430085"/>
-              <a:ext cx="581312" cy="8389"/>
-            </a:xfrm>
-            <a:prstGeom prst="bentConnector3">
-              <a:avLst>
-                <a:gd name="adj1" fmla="val 50000"/>
-              </a:avLst>
-            </a:prstGeom>
-            <a:ln w="19050">
-              <a:solidFill>
-                <a:schemeClr val="bg1"/>
-              </a:solidFill>
-            </a:ln>
-          </p:spPr>
-          <p:style>
-            <a:lnRef idx="1">
-              <a:schemeClr val="accent1"/>
-            </a:lnRef>
-            <a:fillRef idx="0">
-              <a:schemeClr val="accent1"/>
-            </a:fillRef>
-            <a:effectRef idx="0">
-              <a:schemeClr val="accent1"/>
-            </a:effectRef>
-            <a:fontRef idx="minor">
-              <a:schemeClr val="tx1"/>
-            </a:fontRef>
-          </p:style>
-        </p:cxnSp>
-      </p:grpSp>
-      <p:grpSp>
-        <p:nvGrpSpPr>
-          <p:cNvPr id="49" name="Group 48">
-            <a:extLst>
-              <a:ext uri="{FF2B5EF4-FFF2-40B4-BE49-F238E27FC236}">
-                <a16:creationId xmlns:a16="http://schemas.microsoft.com/office/drawing/2014/main" id="{390FFF5C-45F7-4809-A726-26B7043D4C9C}"/>
-              </a:ext>
-            </a:extLst>
-          </p:cNvPr>
-          <p:cNvGrpSpPr/>
-          <p:nvPr/>
-        </p:nvGrpSpPr>
-        <p:grpSpPr>
-          <a:xfrm>
-            <a:off x="563963" y="1134354"/>
-            <a:ext cx="2322112" cy="880322"/>
-            <a:chOff x="563963" y="1134354"/>
-            <a:chExt cx="2322112" cy="880322"/>
-          </a:xfrm>
-        </p:grpSpPr>
-        <p:sp>
-          <p:nvSpPr>
-            <p:cNvPr id="38" name="Rectangle: Rounded Corners 37">
-              <a:extLst>
-                <a:ext uri="{FF2B5EF4-FFF2-40B4-BE49-F238E27FC236}">
-                  <a16:creationId xmlns:a16="http://schemas.microsoft.com/office/drawing/2014/main" id="{F86505F5-0D62-40EF-A33F-145F41002AFB}"/>
-                </a:ext>
-              </a:extLst>
-            </p:cNvPr>
-            <p:cNvSpPr/>
-            <p:nvPr/>
-          </p:nvSpPr>
-          <p:spPr>
-            <a:xfrm>
-              <a:off x="739499" y="1385876"/>
-              <a:ext cx="2146576" cy="628800"/>
-            </a:xfrm>
-            <a:prstGeom prst="roundRect">
-              <a:avLst>
-                <a:gd name="adj" fmla="val 50000"/>
-              </a:avLst>
-            </a:prstGeom>
-            <a:solidFill>
-              <a:srgbClr val="FEF2F0"/>
-            </a:solidFill>
-            <a:ln>
-              <a:noFill/>
-            </a:ln>
-          </p:spPr>
-          <p:style>
-            <a:lnRef idx="2">
-              <a:schemeClr val="accent1">
-                <a:shade val="50000"/>
-              </a:schemeClr>
-            </a:lnRef>
-            <a:fillRef idx="1">
-              <a:schemeClr val="accent1"/>
-            </a:fillRef>
-            <a:effectRef idx="0">
-              <a:schemeClr val="accent1"/>
-            </a:effectRef>
-            <a:fontRef idx="minor">
-              <a:schemeClr val="lt1"/>
-            </a:fontRef>
-          </p:style>
-          <p:txBody>
-            <a:bodyPr rtlCol="0" anchor="ctr"/>
-            <a:lstStyle/>
-            <a:p>
-              <a:endParaRPr lang="vi-VN" dirty="0"/>
-            </a:p>
-          </p:txBody>
-        </p:sp>
-        <p:sp>
-          <p:nvSpPr>
-            <p:cNvPr id="40" name="TextBox 39">
-              <a:extLst>
-                <a:ext uri="{FF2B5EF4-FFF2-40B4-BE49-F238E27FC236}">
-                  <a16:creationId xmlns:a16="http://schemas.microsoft.com/office/drawing/2014/main" id="{6B30DFA8-0FC3-499B-BD0B-965CAA6ABE9F}"/>
-                </a:ext>
-              </a:extLst>
-            </p:cNvPr>
-            <p:cNvSpPr txBox="1"/>
-            <p:nvPr/>
-          </p:nvSpPr>
-          <p:spPr>
-            <a:xfrm>
-              <a:off x="1145271" y="1513556"/>
-              <a:ext cx="1521730" cy="400110"/>
-            </a:xfrm>
-            <a:prstGeom prst="rect">
-              <a:avLst/>
-            </a:prstGeom>
-            <a:noFill/>
-          </p:spPr>
-          <p:txBody>
-            <a:bodyPr wrap="square" rtlCol="0" anchor="ctr">
-              <a:spAutoFit/>
-            </a:bodyPr>
-            <a:lstStyle/>
-            <a:p>
-              <a:r>
-                <a:rPr lang="en-US" sz="2000" b="1" dirty="0">
-                  <a:solidFill>
-                    <a:srgbClr val="FF0000"/>
-                  </a:solidFill>
-                  <a:latin typeface="Questrial" panose="020B0604020202020204" charset="0"/>
-                </a:rPr>
-                <a:t>Đăng nhập</a:t>
-              </a:r>
-              <a:endParaRPr lang="vi-VN" sz="2000" b="1" dirty="0">
-                <a:solidFill>
-                  <a:srgbClr val="FF0000"/>
-                </a:solidFill>
-                <a:latin typeface="Questrial" panose="020B0604020202020204" charset="0"/>
-              </a:endParaRPr>
-            </a:p>
-          </p:txBody>
-        </p:sp>
-        <p:sp>
-          <p:nvSpPr>
-            <p:cNvPr id="3" name="Isosceles Triangle 2">
-              <a:extLst>
-                <a:ext uri="{FF2B5EF4-FFF2-40B4-BE49-F238E27FC236}">
-                  <a16:creationId xmlns:a16="http://schemas.microsoft.com/office/drawing/2014/main" id="{27AC0018-9F6C-4EE5-8AD9-BC5B19E23D53}"/>
-                </a:ext>
-              </a:extLst>
-            </p:cNvPr>
-            <p:cNvSpPr/>
-            <p:nvPr/>
-          </p:nvSpPr>
-          <p:spPr>
-            <a:xfrm>
-              <a:off x="921242" y="1656461"/>
-              <a:ext cx="132588" cy="114300"/>
-            </a:xfrm>
-            <a:prstGeom prst="triangle">
-              <a:avLst/>
-            </a:prstGeom>
-            <a:noFill/>
-            <a:ln>
-              <a:solidFill>
-                <a:srgbClr val="EA5458"/>
-              </a:solidFill>
-            </a:ln>
-          </p:spPr>
-          <p:style>
-            <a:lnRef idx="2">
-              <a:schemeClr val="accent1">
-                <a:shade val="50000"/>
-              </a:schemeClr>
-            </a:lnRef>
-            <a:fillRef idx="1">
-              <a:schemeClr val="accent1"/>
-            </a:fillRef>
-            <a:effectRef idx="0">
-              <a:schemeClr val="accent1"/>
-            </a:effectRef>
-            <a:fontRef idx="minor">
-              <a:schemeClr val="lt1"/>
-            </a:fontRef>
-          </p:style>
-          <p:txBody>
-            <a:bodyPr rtlCol="0" anchor="ctr"/>
-            <a:lstStyle/>
-            <a:p>
-              <a:pPr algn="ctr"/>
-              <a:endParaRPr lang="vi-VN"/>
-            </a:p>
-          </p:txBody>
-        </p:sp>
-        <p:cxnSp>
-          <p:nvCxnSpPr>
-            <p:cNvPr id="16" name="Connector: Elbow 15">
-              <a:extLst>
-                <a:ext uri="{FF2B5EF4-FFF2-40B4-BE49-F238E27FC236}">
-                  <a16:creationId xmlns:a16="http://schemas.microsoft.com/office/drawing/2014/main" id="{8D40B826-F94C-4176-9F5C-6D53C8D64661}"/>
-                </a:ext>
-              </a:extLst>
-            </p:cNvPr>
-            <p:cNvCxnSpPr>
-              <a:cxnSpLocks/>
-              <a:endCxn id="38" idx="1"/>
-            </p:cNvCxnSpPr>
-            <p:nvPr/>
-          </p:nvCxnSpPr>
-          <p:spPr>
-            <a:xfrm rot="16200000" flipH="1">
-              <a:off x="368770" y="1329547"/>
-              <a:ext cx="565922" cy="175536"/>
-            </a:xfrm>
-            <a:prstGeom prst="bentConnector2">
-              <a:avLst/>
-            </a:prstGeom>
-            <a:ln w="19050">
-              <a:solidFill>
-                <a:schemeClr val="bg1"/>
-              </a:solidFill>
-            </a:ln>
-          </p:spPr>
-          <p:style>
-            <a:lnRef idx="1">
-              <a:schemeClr val="accent1"/>
-            </a:lnRef>
-            <a:fillRef idx="0">
-              <a:schemeClr val="accent1"/>
-            </a:fillRef>
-            <a:effectRef idx="0">
-              <a:schemeClr val="accent1"/>
-            </a:effectRef>
-            <a:fontRef idx="minor">
-              <a:schemeClr val="tx1"/>
-            </a:fontRef>
-          </p:style>
-        </p:cxnSp>
-      </p:grpSp>
-      <p:grpSp>
-        <p:nvGrpSpPr>
           <p:cNvPr id="76" name="Group 75">
             <a:extLst>
               <a:ext uri="{FF2B5EF4-FFF2-40B4-BE49-F238E27FC236}">
@@ -37402,7 +36388,7 @@
         </p:nvGrpSpPr>
         <p:grpSpPr>
           <a:xfrm>
-            <a:off x="562130" y="3195273"/>
+            <a:off x="504906" y="1841193"/>
             <a:ext cx="4825209" cy="1052598"/>
             <a:chOff x="563957" y="1700276"/>
             <a:chExt cx="4825209" cy="1052598"/>
@@ -37496,7 +36482,7 @@
                   </a:solidFill>
                   <a:latin typeface="Questrial" panose="020B0604020202020204" charset="0"/>
                 </a:rPr>
-                <a:t>Xem, thêm, sửa, xóa nhà sản xuất</a:t>
+                <a:t>Quản lý nhà sản xuất</a:t>
               </a:r>
               <a:endParaRPr lang="vi-VN" sz="2000" b="1" dirty="0">
                 <a:solidFill>
@@ -37618,7 +36604,7 @@
         </p:nvGrpSpPr>
         <p:grpSpPr>
           <a:xfrm>
-            <a:off x="562130" y="3925347"/>
+            <a:off x="504906" y="3324466"/>
             <a:ext cx="4328441" cy="1052598"/>
             <a:chOff x="563957" y="1700276"/>
             <a:chExt cx="4328441" cy="1052598"/>
@@ -37822,224 +36808,6 @@
       </p:grpSp>
       <p:grpSp>
         <p:nvGrpSpPr>
-          <p:cNvPr id="54" name="Group 53">
-            <a:extLst>
-              <a:ext uri="{FF2B5EF4-FFF2-40B4-BE49-F238E27FC236}">
-                <a16:creationId xmlns:a16="http://schemas.microsoft.com/office/drawing/2014/main" id="{4A7E9C1E-3724-4A39-BD85-688C14BA835D}"/>
-              </a:ext>
-            </a:extLst>
-          </p:cNvPr>
-          <p:cNvGrpSpPr/>
-          <p:nvPr/>
-        </p:nvGrpSpPr>
-        <p:grpSpPr>
-          <a:xfrm>
-            <a:off x="4419600" y="2888997"/>
-            <a:ext cx="4572000" cy="628800"/>
-            <a:chOff x="158185" y="2124074"/>
-            <a:chExt cx="4572000" cy="628800"/>
-          </a:xfrm>
-        </p:grpSpPr>
-        <p:sp>
-          <p:nvSpPr>
-            <p:cNvPr id="55" name="Rectangle: Rounded Corners 54">
-              <a:extLst>
-                <a:ext uri="{FF2B5EF4-FFF2-40B4-BE49-F238E27FC236}">
-                  <a16:creationId xmlns:a16="http://schemas.microsoft.com/office/drawing/2014/main" id="{7D5B1FD5-564F-43C6-B4BC-A8326D18EB56}"/>
-                </a:ext>
-              </a:extLst>
-            </p:cNvPr>
-            <p:cNvSpPr/>
-            <p:nvPr/>
-          </p:nvSpPr>
-          <p:spPr>
-            <a:xfrm>
-              <a:off x="739497" y="2124074"/>
-              <a:ext cx="3990688" cy="628800"/>
-            </a:xfrm>
-            <a:prstGeom prst="roundRect">
-              <a:avLst>
-                <a:gd name="adj" fmla="val 50000"/>
-              </a:avLst>
-            </a:prstGeom>
-            <a:solidFill>
-              <a:srgbClr val="FEF2F0"/>
-            </a:solidFill>
-            <a:ln>
-              <a:noFill/>
-            </a:ln>
-          </p:spPr>
-          <p:style>
-            <a:lnRef idx="2">
-              <a:schemeClr val="accent1">
-                <a:shade val="50000"/>
-              </a:schemeClr>
-            </a:lnRef>
-            <a:fillRef idx="1">
-              <a:schemeClr val="accent1"/>
-            </a:fillRef>
-            <a:effectRef idx="0">
-              <a:schemeClr val="accent1"/>
-            </a:effectRef>
-            <a:fontRef idx="minor">
-              <a:schemeClr val="lt1"/>
-            </a:fontRef>
-          </p:style>
-          <p:txBody>
-            <a:bodyPr rtlCol="0" anchor="ctr"/>
-            <a:lstStyle/>
-            <a:p>
-              <a:endParaRPr lang="vi-VN" dirty="0"/>
-            </a:p>
-          </p:txBody>
-        </p:sp>
-        <p:sp>
-          <p:nvSpPr>
-            <p:cNvPr id="56" name="TextBox 55">
-              <a:extLst>
-                <a:ext uri="{FF2B5EF4-FFF2-40B4-BE49-F238E27FC236}">
-                  <a16:creationId xmlns:a16="http://schemas.microsoft.com/office/drawing/2014/main" id="{07596457-FC63-4ABA-BA0E-13F2BC119208}"/>
-                </a:ext>
-              </a:extLst>
-            </p:cNvPr>
-            <p:cNvSpPr txBox="1"/>
-            <p:nvPr/>
-          </p:nvSpPr>
-          <p:spPr>
-            <a:xfrm>
-              <a:off x="1145267" y="2251754"/>
-              <a:ext cx="3584918" cy="400110"/>
-            </a:xfrm>
-            <a:prstGeom prst="rect">
-              <a:avLst/>
-            </a:prstGeom>
-            <a:noFill/>
-          </p:spPr>
-          <p:txBody>
-            <a:bodyPr wrap="square" rtlCol="0" anchor="ctr">
-              <a:spAutoFit/>
-            </a:bodyPr>
-            <a:lstStyle/>
-            <a:p>
-              <a:r>
-                <a:rPr lang="en-US" sz="2000" b="1" dirty="0">
-                  <a:solidFill>
-                    <a:srgbClr val="FF0000"/>
-                  </a:solidFill>
-                  <a:latin typeface="Questrial" panose="020B0604020202020204" charset="0"/>
-                </a:rPr>
-                <a:t>Xem, thêm, sửa, xóa nhân viên</a:t>
-              </a:r>
-              <a:endParaRPr lang="vi-VN" sz="2000" b="1" dirty="0">
-                <a:solidFill>
-                  <a:srgbClr val="FF0000"/>
-                </a:solidFill>
-                <a:latin typeface="Questrial" panose="020B0604020202020204" charset="0"/>
-              </a:endParaRPr>
-            </a:p>
-          </p:txBody>
-        </p:sp>
-        <p:sp>
-          <p:nvSpPr>
-            <p:cNvPr id="57" name="Isosceles Triangle 56">
-              <a:extLst>
-                <a:ext uri="{FF2B5EF4-FFF2-40B4-BE49-F238E27FC236}">
-                  <a16:creationId xmlns:a16="http://schemas.microsoft.com/office/drawing/2014/main" id="{E16ADB59-0651-4B8A-A9BD-685C9A6D35EE}"/>
-                </a:ext>
-              </a:extLst>
-            </p:cNvPr>
-            <p:cNvSpPr/>
-            <p:nvPr/>
-          </p:nvSpPr>
-          <p:spPr>
-            <a:xfrm>
-              <a:off x="921240" y="2394659"/>
-              <a:ext cx="132588" cy="114300"/>
-            </a:xfrm>
-            <a:prstGeom prst="triangle">
-              <a:avLst/>
-            </a:prstGeom>
-            <a:noFill/>
-            <a:ln>
-              <a:solidFill>
-                <a:srgbClr val="EA5458"/>
-              </a:solidFill>
-            </a:ln>
-          </p:spPr>
-          <p:style>
-            <a:lnRef idx="2">
-              <a:schemeClr val="accent1">
-                <a:shade val="50000"/>
-              </a:schemeClr>
-            </a:lnRef>
-            <a:fillRef idx="1">
-              <a:schemeClr val="accent1"/>
-            </a:fillRef>
-            <a:effectRef idx="0">
-              <a:schemeClr val="accent1"/>
-            </a:effectRef>
-            <a:fontRef idx="minor">
-              <a:schemeClr val="lt1"/>
-            </a:fontRef>
-          </p:style>
-          <p:txBody>
-            <a:bodyPr rtlCol="0" anchor="ctr"/>
-            <a:lstStyle/>
-            <a:p>
-              <a:pPr algn="ctr"/>
-              <a:endParaRPr lang="vi-VN"/>
-            </a:p>
-          </p:txBody>
-        </p:sp>
-        <p:cxnSp>
-          <p:nvCxnSpPr>
-            <p:cNvPr id="60" name="Connector: Elbow 59">
-              <a:extLst>
-                <a:ext uri="{FF2B5EF4-FFF2-40B4-BE49-F238E27FC236}">
-                  <a16:creationId xmlns:a16="http://schemas.microsoft.com/office/drawing/2014/main" id="{014665A0-A82A-4594-8E1F-201875D93CAB}"/>
-                </a:ext>
-              </a:extLst>
-            </p:cNvPr>
-            <p:cNvCxnSpPr>
-              <a:cxnSpLocks/>
-              <a:endCxn id="55" idx="1"/>
-            </p:cNvCxnSpPr>
-            <p:nvPr/>
-          </p:nvCxnSpPr>
-          <p:spPr>
-            <a:xfrm>
-              <a:off x="158185" y="2430085"/>
-              <a:ext cx="581312" cy="8389"/>
-            </a:xfrm>
-            <a:prstGeom prst="bentConnector3">
-              <a:avLst>
-                <a:gd name="adj1" fmla="val 50000"/>
-              </a:avLst>
-            </a:prstGeom>
-            <a:ln w="19050">
-              <a:solidFill>
-                <a:schemeClr val="bg1"/>
-              </a:solidFill>
-            </a:ln>
-          </p:spPr>
-          <p:style>
-            <a:lnRef idx="1">
-              <a:schemeClr val="accent1"/>
-            </a:lnRef>
-            <a:fillRef idx="0">
-              <a:schemeClr val="accent1"/>
-            </a:fillRef>
-            <a:effectRef idx="0">
-              <a:schemeClr val="accent1"/>
-            </a:effectRef>
-            <a:fontRef idx="minor">
-              <a:schemeClr val="tx1"/>
-            </a:fontRef>
-          </p:style>
-        </p:cxnSp>
-      </p:grpSp>
-      <p:grpSp>
-        <p:nvGrpSpPr>
           <p:cNvPr id="45" name="Group 44">
             <a:extLst>
               <a:ext uri="{FF2B5EF4-FFF2-40B4-BE49-F238E27FC236}">
@@ -38052,7 +36820,7 @@
         </p:nvGrpSpPr>
         <p:grpSpPr>
           <a:xfrm>
-            <a:off x="562131" y="2457075"/>
+            <a:off x="504907" y="1096118"/>
             <a:ext cx="4328440" cy="1052598"/>
             <a:chOff x="563957" y="1700276"/>
             <a:chExt cx="4328440" cy="1052598"/>
@@ -38146,7 +36914,7 @@
                   </a:solidFill>
                   <a:latin typeface="Questrial" panose="020B0604020202020204" charset="0"/>
                 </a:rPr>
-                <a:t>Xem, thêm, sửa, xóa sản phẩm</a:t>
+                <a:t>Tương tự như nhân viên</a:t>
               </a:r>
               <a:endParaRPr lang="vi-VN" sz="2000" b="1" dirty="0">
                 <a:solidFill>
@@ -38221,6 +36989,394 @@
             <p:cNvCxnSpPr>
               <a:cxnSpLocks/>
               <a:endCxn id="46" idx="1"/>
+            </p:cNvCxnSpPr>
+            <p:nvPr/>
+          </p:nvCxnSpPr>
+          <p:spPr>
+            <a:xfrm rot="16200000" flipH="1">
+              <a:off x="282628" y="1981605"/>
+              <a:ext cx="738198" cy="175540"/>
+            </a:xfrm>
+            <a:prstGeom prst="bentConnector2">
+              <a:avLst/>
+            </a:prstGeom>
+            <a:ln w="19050">
+              <a:solidFill>
+                <a:schemeClr val="bg1"/>
+              </a:solidFill>
+            </a:ln>
+          </p:spPr>
+          <p:style>
+            <a:lnRef idx="1">
+              <a:schemeClr val="accent1"/>
+            </a:lnRef>
+            <a:fillRef idx="0">
+              <a:schemeClr val="accent1"/>
+            </a:fillRef>
+            <a:effectRef idx="0">
+              <a:schemeClr val="accent1"/>
+            </a:effectRef>
+            <a:fontRef idx="minor">
+              <a:schemeClr val="tx1"/>
+            </a:fontRef>
+          </p:style>
+        </p:cxnSp>
+      </p:grpSp>
+      <p:grpSp>
+        <p:nvGrpSpPr>
+          <p:cNvPr id="9" name="Group 8">
+            <a:extLst>
+              <a:ext uri="{FF2B5EF4-FFF2-40B4-BE49-F238E27FC236}">
+                <a16:creationId xmlns:a16="http://schemas.microsoft.com/office/drawing/2014/main" id="{EB95D6B1-49ED-447A-BB7A-4F2961BDF853}"/>
+              </a:ext>
+            </a:extLst>
+          </p:cNvPr>
+          <p:cNvGrpSpPr/>
+          <p:nvPr/>
+        </p:nvGrpSpPr>
+        <p:grpSpPr>
+          <a:xfrm>
+            <a:off x="280116" y="505553"/>
+            <a:ext cx="8711484" cy="628800"/>
+            <a:chOff x="671512" y="2257350"/>
+            <a:chExt cx="8711484" cy="628800"/>
+          </a:xfrm>
+        </p:grpSpPr>
+        <p:sp>
+          <p:nvSpPr>
+            <p:cNvPr id="23" name="Rectangle: Rounded Corners 22">
+              <a:extLst>
+                <a:ext uri="{FF2B5EF4-FFF2-40B4-BE49-F238E27FC236}">
+                  <a16:creationId xmlns:a16="http://schemas.microsoft.com/office/drawing/2014/main" id="{9D2C9CE3-6968-478A-9169-B6185ECC9507}"/>
+                </a:ext>
+              </a:extLst>
+            </p:cNvPr>
+            <p:cNvSpPr/>
+            <p:nvPr/>
+          </p:nvSpPr>
+          <p:spPr>
+            <a:xfrm>
+              <a:off x="671512" y="2257350"/>
+              <a:ext cx="8711484" cy="628800"/>
+            </a:xfrm>
+            <a:prstGeom prst="roundRect">
+              <a:avLst>
+                <a:gd name="adj" fmla="val 50000"/>
+              </a:avLst>
+            </a:prstGeom>
+            <a:solidFill>
+              <a:srgbClr val="FEF2F0"/>
+            </a:solidFill>
+            <a:ln>
+              <a:noFill/>
+            </a:ln>
+          </p:spPr>
+          <p:style>
+            <a:lnRef idx="2">
+              <a:schemeClr val="accent1">
+                <a:shade val="50000"/>
+              </a:schemeClr>
+            </a:lnRef>
+            <a:fillRef idx="1">
+              <a:schemeClr val="accent1"/>
+            </a:fillRef>
+            <a:effectRef idx="0">
+              <a:schemeClr val="accent1"/>
+            </a:effectRef>
+            <a:fontRef idx="minor">
+              <a:schemeClr val="lt1"/>
+            </a:fontRef>
+          </p:style>
+          <p:txBody>
+            <a:bodyPr rtlCol="0" anchor="ctr"/>
+            <a:lstStyle/>
+            <a:p>
+              <a:endParaRPr lang="vi-VN" dirty="0"/>
+            </a:p>
+          </p:txBody>
+        </p:sp>
+        <p:sp>
+          <p:nvSpPr>
+            <p:cNvPr id="24" name="Oval 23">
+              <a:extLst>
+                <a:ext uri="{FF2B5EF4-FFF2-40B4-BE49-F238E27FC236}">
+                  <a16:creationId xmlns:a16="http://schemas.microsoft.com/office/drawing/2014/main" id="{997B2505-9A6B-4CD4-AB8C-246AA3F72339}"/>
+                </a:ext>
+              </a:extLst>
+            </p:cNvPr>
+            <p:cNvSpPr/>
+            <p:nvPr/>
+          </p:nvSpPr>
+          <p:spPr>
+            <a:xfrm>
+              <a:off x="896303" y="2526030"/>
+              <a:ext cx="118110" cy="118110"/>
+            </a:xfrm>
+            <a:prstGeom prst="ellipse">
+              <a:avLst/>
+            </a:prstGeom>
+            <a:noFill/>
+            <a:ln>
+              <a:solidFill>
+                <a:srgbClr val="EA5458"/>
+              </a:solidFill>
+            </a:ln>
+          </p:spPr>
+          <p:style>
+            <a:lnRef idx="2">
+              <a:schemeClr val="accent1">
+                <a:shade val="50000"/>
+              </a:schemeClr>
+            </a:lnRef>
+            <a:fillRef idx="1">
+              <a:schemeClr val="accent1"/>
+            </a:fillRef>
+            <a:effectRef idx="0">
+              <a:schemeClr val="accent1"/>
+            </a:effectRef>
+            <a:fontRef idx="minor">
+              <a:schemeClr val="lt1"/>
+            </a:fontRef>
+          </p:style>
+          <p:txBody>
+            <a:bodyPr rtlCol="0" anchor="ctr"/>
+            <a:lstStyle/>
+            <a:p>
+              <a:pPr algn="ctr"/>
+              <a:endParaRPr lang="vi-VN" dirty="0"/>
+            </a:p>
+          </p:txBody>
+        </p:sp>
+        <p:sp>
+          <p:nvSpPr>
+            <p:cNvPr id="5" name="TextBox 4">
+              <a:extLst>
+                <a:ext uri="{FF2B5EF4-FFF2-40B4-BE49-F238E27FC236}">
+                  <a16:creationId xmlns:a16="http://schemas.microsoft.com/office/drawing/2014/main" id="{5597C026-6509-444B-A6A1-DBC543961234}"/>
+                </a:ext>
+              </a:extLst>
+            </p:cNvPr>
+            <p:cNvSpPr txBox="1"/>
+            <p:nvPr/>
+          </p:nvSpPr>
+          <p:spPr>
+            <a:xfrm>
+              <a:off x="1090612" y="2385030"/>
+              <a:ext cx="3852864" cy="400110"/>
+            </a:xfrm>
+            <a:prstGeom prst="rect">
+              <a:avLst/>
+            </a:prstGeom>
+            <a:noFill/>
+          </p:spPr>
+          <p:txBody>
+            <a:bodyPr wrap="square" rtlCol="0" anchor="ctr">
+              <a:spAutoFit/>
+            </a:bodyPr>
+            <a:lstStyle/>
+            <a:p>
+              <a:r>
+                <a:rPr lang="en-US" sz="2000" b="1" dirty="0">
+                  <a:solidFill>
+                    <a:srgbClr val="FF0000"/>
+                  </a:solidFill>
+                  <a:latin typeface="Questrial" panose="020B0604020202020204" charset="0"/>
+                </a:rPr>
+                <a:t>Quản lí</a:t>
+              </a:r>
+              <a:endParaRPr lang="vi-VN" sz="2000" b="1" dirty="0">
+                <a:solidFill>
+                  <a:srgbClr val="FF0000"/>
+                </a:solidFill>
+                <a:latin typeface="Questrial" panose="020B0604020202020204" charset="0"/>
+              </a:endParaRPr>
+            </a:p>
+          </p:txBody>
+        </p:sp>
+      </p:grpSp>
+      <p:grpSp>
+        <p:nvGrpSpPr>
+          <p:cNvPr id="61" name="Group 60">
+            <a:extLst>
+              <a:ext uri="{FF2B5EF4-FFF2-40B4-BE49-F238E27FC236}">
+                <a16:creationId xmlns:a16="http://schemas.microsoft.com/office/drawing/2014/main" id="{9263750C-2A9E-4AEF-91C8-EB4DE0795D7E}"/>
+              </a:ext>
+            </a:extLst>
+          </p:cNvPr>
+          <p:cNvGrpSpPr/>
+          <p:nvPr/>
+        </p:nvGrpSpPr>
+        <p:grpSpPr>
+          <a:xfrm>
+            <a:off x="504906" y="2566335"/>
+            <a:ext cx="4825209" cy="1052598"/>
+            <a:chOff x="563957" y="1700276"/>
+            <a:chExt cx="4825209" cy="1052598"/>
+          </a:xfrm>
+        </p:grpSpPr>
+        <p:sp>
+          <p:nvSpPr>
+            <p:cNvPr id="62" name="Rectangle: Rounded Corners 61">
+              <a:extLst>
+                <a:ext uri="{FF2B5EF4-FFF2-40B4-BE49-F238E27FC236}">
+                  <a16:creationId xmlns:a16="http://schemas.microsoft.com/office/drawing/2014/main" id="{D9C731D3-2836-488F-9E3D-AD2588FB7C54}"/>
+                </a:ext>
+              </a:extLst>
+            </p:cNvPr>
+            <p:cNvSpPr/>
+            <p:nvPr/>
+          </p:nvSpPr>
+          <p:spPr>
+            <a:xfrm>
+              <a:off x="739497" y="2124074"/>
+              <a:ext cx="4415642" cy="628800"/>
+            </a:xfrm>
+            <a:prstGeom prst="roundRect">
+              <a:avLst>
+                <a:gd name="adj" fmla="val 50000"/>
+              </a:avLst>
+            </a:prstGeom>
+            <a:solidFill>
+              <a:srgbClr val="FEF2F0"/>
+            </a:solidFill>
+            <a:ln>
+              <a:noFill/>
+            </a:ln>
+          </p:spPr>
+          <p:style>
+            <a:lnRef idx="2">
+              <a:schemeClr val="accent1">
+                <a:shade val="50000"/>
+              </a:schemeClr>
+            </a:lnRef>
+            <a:fillRef idx="1">
+              <a:schemeClr val="accent1"/>
+            </a:fillRef>
+            <a:effectRef idx="0">
+              <a:schemeClr val="accent1"/>
+            </a:effectRef>
+            <a:fontRef idx="minor">
+              <a:schemeClr val="lt1"/>
+            </a:fontRef>
+          </p:style>
+          <p:txBody>
+            <a:bodyPr rtlCol="0" anchor="ctr"/>
+            <a:lstStyle/>
+            <a:p>
+              <a:endParaRPr lang="vi-VN" dirty="0"/>
+            </a:p>
+          </p:txBody>
+        </p:sp>
+        <p:sp>
+          <p:nvSpPr>
+            <p:cNvPr id="63" name="TextBox 62">
+              <a:extLst>
+                <a:ext uri="{FF2B5EF4-FFF2-40B4-BE49-F238E27FC236}">
+                  <a16:creationId xmlns:a16="http://schemas.microsoft.com/office/drawing/2014/main" id="{1FCA3965-38B1-4795-B1F6-7BD9BAC4F4E4}"/>
+                </a:ext>
+              </a:extLst>
+            </p:cNvPr>
+            <p:cNvSpPr txBox="1"/>
+            <p:nvPr/>
+          </p:nvSpPr>
+          <p:spPr>
+            <a:xfrm>
+              <a:off x="1145267" y="2251754"/>
+              <a:ext cx="4243899" cy="400110"/>
+            </a:xfrm>
+            <a:prstGeom prst="rect">
+              <a:avLst/>
+            </a:prstGeom>
+            <a:noFill/>
+          </p:spPr>
+          <p:txBody>
+            <a:bodyPr wrap="square" rtlCol="0" anchor="ctr">
+              <a:spAutoFit/>
+            </a:bodyPr>
+            <a:lstStyle/>
+            <a:p>
+              <a:r>
+                <a:rPr lang="en-US" sz="2000" b="1" dirty="0">
+                  <a:solidFill>
+                    <a:srgbClr val="FF0000"/>
+                  </a:solidFill>
+                  <a:latin typeface="Questrial" panose="020B0604020202020204" charset="0"/>
+                </a:rPr>
+                <a:t>Quản lý nhà nhân viên</a:t>
+              </a:r>
+              <a:endParaRPr lang="vi-VN" sz="2000" b="1" dirty="0">
+                <a:solidFill>
+                  <a:srgbClr val="FF0000"/>
+                </a:solidFill>
+                <a:latin typeface="Questrial" panose="020B0604020202020204" charset="0"/>
+              </a:endParaRPr>
+            </a:p>
+          </p:txBody>
+        </p:sp>
+        <p:sp>
+          <p:nvSpPr>
+            <p:cNvPr id="64" name="Isosceles Triangle 63">
+              <a:extLst>
+                <a:ext uri="{FF2B5EF4-FFF2-40B4-BE49-F238E27FC236}">
+                  <a16:creationId xmlns:a16="http://schemas.microsoft.com/office/drawing/2014/main" id="{983320D0-0550-464A-B803-D2A91C7332BC}"/>
+                </a:ext>
+              </a:extLst>
+            </p:cNvPr>
+            <p:cNvSpPr/>
+            <p:nvPr/>
+          </p:nvSpPr>
+          <p:spPr>
+            <a:xfrm>
+              <a:off x="921240" y="2394659"/>
+              <a:ext cx="132588" cy="114300"/>
+            </a:xfrm>
+            <a:prstGeom prst="triangle">
+              <a:avLst/>
+            </a:prstGeom>
+            <a:noFill/>
+            <a:ln>
+              <a:solidFill>
+                <a:srgbClr val="EA5458"/>
+              </a:solidFill>
+            </a:ln>
+          </p:spPr>
+          <p:style>
+            <a:lnRef idx="2">
+              <a:schemeClr val="accent1">
+                <a:shade val="50000"/>
+              </a:schemeClr>
+            </a:lnRef>
+            <a:fillRef idx="1">
+              <a:schemeClr val="accent1"/>
+            </a:fillRef>
+            <a:effectRef idx="0">
+              <a:schemeClr val="accent1"/>
+            </a:effectRef>
+            <a:fontRef idx="minor">
+              <a:schemeClr val="lt1"/>
+            </a:fontRef>
+          </p:style>
+          <p:txBody>
+            <a:bodyPr rtlCol="0" anchor="ctr"/>
+            <a:lstStyle/>
+            <a:p>
+              <a:pPr algn="ctr"/>
+              <a:endParaRPr lang="vi-VN"/>
+            </a:p>
+          </p:txBody>
+        </p:sp>
+        <p:cxnSp>
+          <p:nvCxnSpPr>
+            <p:cNvPr id="65" name="Connector: Elbow 64">
+              <a:extLst>
+                <a:ext uri="{FF2B5EF4-FFF2-40B4-BE49-F238E27FC236}">
+                  <a16:creationId xmlns:a16="http://schemas.microsoft.com/office/drawing/2014/main" id="{8C30537B-D218-4F40-9E14-CFDEB449254B}"/>
+                </a:ext>
+              </a:extLst>
+            </p:cNvPr>
+            <p:cNvCxnSpPr>
+              <a:cxnSpLocks/>
+              <a:endCxn id="62" idx="1"/>
             </p:cNvCxnSpPr>
             <p:nvPr/>
           </p:nvCxnSpPr>
